--- a/other-talks/NeurIPS 2023 Poster.pptx
+++ b/other-talks/NeurIPS 2023 Poster.pptx
@@ -1476,147 +1476,85 @@
           <a:chExt cx="0" cy="0"/>
         </a:xfrm>
       </p:grpSpPr>
-      <p:grpSp>
-        <p:nvGrpSpPr>
-          <p:cNvPr id="29" name="Rectangle 74"/>
-          <p:cNvGrpSpPr/>
-          <p:nvPr/>
-        </p:nvGrpSpPr>
-        <p:grpSpPr>
-          <a:xfrm>
-            <a:off x="956930" y="15440912"/>
-            <a:ext cx="9158275" cy="4637744"/>
-            <a:chOff x="0" y="0"/>
-            <a:chExt cx="9158273" cy="4637742"/>
-          </a:xfrm>
-        </p:grpSpPr>
-        <p:sp>
-          <p:nvSpPr>
-            <p:cNvPr id="27" name="Rectangle"/>
-            <p:cNvSpPr/>
-            <p:nvPr/>
-          </p:nvSpPr>
-          <p:spPr>
-            <a:xfrm>
-              <a:off x="0" y="0"/>
-              <a:ext cx="9158274" cy="4637743"/>
-            </a:xfrm>
-            <a:prstGeom prst="rect">
-              <a:avLst/>
-            </a:prstGeom>
-            <a:solidFill>
-              <a:srgbClr val="CCD1D4"/>
-            </a:solidFill>
-            <a:ln w="12700" cap="flat">
-              <a:noFill/>
-              <a:miter lim="400000"/>
-            </a:ln>
-            <a:effectLst/>
-          </p:spPr>
-          <p:txBody>
-            <a:bodyPr wrap="square" lIns="45719" tIns="45719" rIns="45719" bIns="45719" numCol="1" anchor="ctr">
-              <a:noAutofit/>
-            </a:bodyPr>
-            <a:lstStyle/>
-            <a:p>
-              <a:pPr algn="ctr">
-                <a:defRPr>
-                  <a:solidFill>
-                    <a:srgbClr val="FFFFFF"/>
-                  </a:solidFill>
-                </a:defRPr>
-              </a:pPr>
-              <a:endParaRPr/>
-            </a:p>
-          </p:txBody>
-        </p:sp>
-        <p:sp>
-          <p:nvSpPr>
-            <p:cNvPr id="28" name="image"/>
-            <p:cNvSpPr/>
-            <p:nvPr/>
-          </p:nvSpPr>
-          <p:spPr>
-            <a:xfrm>
-              <a:off x="2753399" y="2318870"/>
-              <a:ext cx="3651475" cy="1"/>
-            </a:xfrm>
-            <a:custGeom>
-              <a:avLst/>
-              <a:gdLst/>
-              <a:ahLst/>
-              <a:cxnLst>
-                <a:cxn ang="0">
-                  <a:pos x="wd2" y="hd2"/>
-                </a:cxn>
-                <a:cxn ang="5400000">
-                  <a:pos x="wd2" y="hd2"/>
-                </a:cxn>
-                <a:cxn ang="10800000">
-                  <a:pos x="wd2" y="hd2"/>
-                </a:cxn>
-                <a:cxn ang="16200000">
-                  <a:pos x="wd2" y="hd2"/>
-                </a:cxn>
-              </a:cxnLst>
-              <a:rect l="0" t="0" r="r" b="b"/>
-              <a:pathLst>
-                <a:path w="21600" extrusionOk="0">
-                  <a:moveTo>
-                    <a:pt x="0" y="0"/>
-                  </a:moveTo>
-                  <a:lnTo>
-                    <a:pt x="21600" y="0"/>
-                  </a:lnTo>
-                  <a:lnTo>
-                    <a:pt x="21600" y="0"/>
-                  </a:lnTo>
-                  <a:lnTo>
-                    <a:pt x="0" y="0"/>
-                  </a:lnTo>
-                  <a:close/>
-                </a:path>
-              </a:pathLst>
-            </a:custGeom>
-            <a:noFill/>
-            <a:ln w="12700" cap="flat">
-              <a:noFill/>
-              <a:miter lim="400000"/>
-            </a:ln>
-            <a:effectLst/>
+      <p:pic>
+        <p:nvPicPr>
+          <p:cNvPr id="29" name="Picture 2" descr="Yes, Google has a new logo – but why?">
             <a:extLst>
-              <a:ext uri="{C572A759-6A51-4108-AA02-DFA0A04FC94B}">
-                <ma14:wrappingTextBoxFlag xmlns="" xmlns:m="http://schemas.openxmlformats.org/officeDocument/2006/math" xmlns:a14="http://schemas.microsoft.com/office/drawing/2010/main" xmlns:ma14="http://schemas.microsoft.com/office/mac/drawingml/2011/main" val="1"/>
+              <a:ext uri="{FF2B5EF4-FFF2-40B4-BE49-F238E27FC236}">
+                <a16:creationId xmlns:a16="http://schemas.microsoft.com/office/drawing/2014/main" id="{0CEE2AC9-832F-31FB-E5F3-3D10EE635412}"/>
               </a:ext>
             </a:extLst>
-          </p:spPr>
-          <p:txBody>
-            <a:bodyPr wrap="square" lIns="45719" tIns="45719" rIns="45719" bIns="45719" numCol="1" anchor="ctr">
-              <a:spAutoFit/>
-            </a:bodyPr>
-            <a:lstStyle>
-              <a:lvl1pPr algn="ctr">
-                <a:defRPr sz="1100">
-                  <a:solidFill>
-                    <a:srgbClr val="677B8C"/>
-                  </a:solidFill>
-                  <a:latin typeface="Arial"/>
-                  <a:ea typeface="Arial"/>
-                  <a:cs typeface="Arial"/>
-                  <a:sym typeface="Arial"/>
-                </a:defRPr>
-              </a:lvl1pPr>
-            </a:lstStyle>
-            <a:p>
-              <a:r>
-                <a:t>image</a:t>
-              </a:r>
-            </a:p>
-          </p:txBody>
-        </p:sp>
-      </p:grpSp>
-      <mc:AlternateContent xmlns:mc="http://schemas.openxmlformats.org/markup-compatibility/2006">
-        <mc:Choice xmlns:a14="http://schemas.microsoft.com/office/drawing/2010/main" Requires="a14">
+          </p:cNvPr>
+          <p:cNvPicPr>
+            <a:picLocks noChangeAspect="1" noChangeArrowheads="1"/>
+          </p:cNvPicPr>
+          <p:nvPr/>
+        </p:nvPicPr>
+        <p:blipFill>
+          <a:blip r:embed="rId2">
+            <a:extLst>
+              <a:ext uri="{28A0092B-C50C-407E-A947-70E740481C1C}">
+                <a14:useLocalDpi xmlns:a14="http://schemas.microsoft.com/office/drawing/2010/main" val="0"/>
+              </a:ext>
+            </a:extLst>
+          </a:blip>
+          <a:srcRect/>
+          <a:stretch>
+            <a:fillRect/>
+          </a:stretch>
+        </p:blipFill>
+        <p:spPr bwMode="auto">
+          <a:xfrm>
+            <a:off x="24424767" y="931205"/>
+            <a:ext cx="1142837" cy="1142837"/>
+          </a:xfrm>
+          <a:prstGeom prst="rect">
+            <a:avLst/>
+          </a:prstGeom>
+          <a:noFill/>
+          <a:extLst>
+            <a:ext uri="{909E8E84-426E-40DD-AFC4-6F175D3DCCD1}">
+              <a14:hiddenFill xmlns:a14="http://schemas.microsoft.com/office/drawing/2010/main">
+                <a:solidFill>
+                  <a:srgbClr val="FFFFFF"/>
+                </a:solidFill>
+              </a14:hiddenFill>
+            </a:ext>
+          </a:extLst>
+        </p:spPr>
+      </p:pic>
+      <p:pic>
+        <p:nvPicPr>
+          <p:cNvPr id="94" name="Picture 93">
+            <a:extLst>
+              <a:ext uri="{FF2B5EF4-FFF2-40B4-BE49-F238E27FC236}">
+                <a16:creationId xmlns:a16="http://schemas.microsoft.com/office/drawing/2014/main" id="{ED8E1A1A-C7F3-2DEF-7E76-C612E8766E9B}"/>
+              </a:ext>
+            </a:extLst>
+          </p:cNvPr>
+          <p:cNvPicPr>
+            <a:picLocks noChangeAspect="1"/>
+          </p:cNvPicPr>
+          <p:nvPr/>
+        </p:nvPicPr>
+        <p:blipFill>
+          <a:blip r:embed="rId3"/>
+          <a:stretch>
+            <a:fillRect/>
+          </a:stretch>
+        </p:blipFill>
+        <p:spPr>
+          <a:xfrm>
+            <a:off x="24741431" y="8111691"/>
+            <a:ext cx="8176969" cy="2812024"/>
+          </a:xfrm>
+          <a:prstGeom prst="rect">
+            <a:avLst/>
+          </a:prstGeom>
+        </p:spPr>
+      </p:pic>
+      <mc:AlternateContent xmlns:mc="http://schemas.openxmlformats.org/markup-compatibility/2006" xmlns:a14="http://schemas.microsoft.com/office/drawing/2010/main">
+        <mc:Choice Requires="a14">
           <p:sp>
             <p:nvSpPr>
               <p:cNvPr id="30" name="TextBox 35"/>
@@ -1677,7 +1615,7 @@
             </p:txBody>
           </p:sp>
         </mc:Choice>
-        <mc:Fallback>
+        <mc:Fallback xmlns="">
           <p:sp>
             <p:nvSpPr>
               <p:cNvPr id="30" name="TextBox 35"/>
@@ -1695,7 +1633,7 @@
                 <a:avLst/>
               </a:prstGeom>
               <a:blipFill>
-                <a:blip r:embed="rId2"/>
+                <a:blip r:embed="rId4"/>
                 <a:stretch>
                   <a:fillRect l="-2866" t="-9748" b="-20440"/>
                 </a:stretch>
@@ -1724,60 +1662,6 @@
           </p:sp>
         </mc:Fallback>
       </mc:AlternateContent>
-      <p:pic>
-        <p:nvPicPr>
-          <p:cNvPr id="31" name="Picture 33" descr="Picture 33"/>
-          <p:cNvPicPr>
-            <a:picLocks noChangeAspect="1"/>
-          </p:cNvPicPr>
-          <p:nvPr/>
-        </p:nvPicPr>
-        <p:blipFill>
-          <a:blip r:embed="rId3"/>
-          <a:stretch>
-            <a:fillRect/>
-          </a:stretch>
-        </p:blipFill>
-        <p:spPr>
-          <a:xfrm>
-            <a:off x="23683676" y="3524768"/>
-            <a:ext cx="7550306" cy="6685451"/>
-          </a:xfrm>
-          <a:prstGeom prst="rect">
-            <a:avLst/>
-          </a:prstGeom>
-          <a:ln w="12700">
-            <a:miter lim="400000"/>
-          </a:ln>
-        </p:spPr>
-      </p:pic>
-      <p:pic>
-        <p:nvPicPr>
-          <p:cNvPr id="32" name="Graphic 36" descr="Graphic 36"/>
-          <p:cNvPicPr>
-            <a:picLocks noChangeAspect="1"/>
-          </p:cNvPicPr>
-          <p:nvPr/>
-        </p:nvPicPr>
-        <p:blipFill>
-          <a:blip r:embed="rId4"/>
-          <a:stretch>
-            <a:fillRect/>
-          </a:stretch>
-        </p:blipFill>
-        <p:spPr>
-          <a:xfrm>
-            <a:off x="24227637" y="14459308"/>
-            <a:ext cx="6426465" cy="2454553"/>
-          </a:xfrm>
-          <a:prstGeom prst="rect">
-            <a:avLst/>
-          </a:prstGeom>
-          <a:ln w="12700">
-            <a:miter lim="400000"/>
-          </a:ln>
-        </p:spPr>
-      </p:pic>
       <mc:AlternateContent xmlns:mc="http://schemas.openxmlformats.org/markup-compatibility/2006">
         <mc:Choice xmlns:a14="http://schemas.microsoft.com/office/drawing/2010/main" Requires="a14">
           <p:sp>
@@ -1788,8 +1672,8 @@
             </p:nvSpPr>
             <p:spPr>
               <a:xfrm>
-                <a:off x="986246" y="3580560"/>
-                <a:ext cx="9064534" cy="646331"/>
+                <a:off x="1024250" y="3195823"/>
+                <a:ext cx="9064534" cy="830997"/>
               </a:xfrm>
               <a:prstGeom prst="rect">
                 <a:avLst/>
@@ -1821,7 +1705,7 @@
                 <a14:m>
                   <m:oMath xmlns:m="http://schemas.openxmlformats.org/officeDocument/2006/math">
                     <m:r>
-                      <a:rPr lang="en-US" sz="3600" i="1" dirty="0" smtClean="0">
+                      <a:rPr lang="en-US" sz="4800" i="1" dirty="0" smtClean="0">
                         <a:latin typeface="Cambria Math" panose="02040503050406030204" pitchFamily="18" charset="0"/>
                       </a:rPr>
                       <m:t>𝑘</m:t>
@@ -1829,10 +1713,10 @@
                   </m:oMath>
                 </a14:m>
                 <a:r>
-                  <a:rPr lang="en-US" sz="3600" dirty="0"/>
+                  <a:rPr lang="en-US" sz="4800" dirty="0"/>
                   <a:t>-Clustering</a:t>
                 </a:r>
-                <a:endParaRPr dirty="0"/>
+                <a:endParaRPr sz="4800" dirty="0"/>
               </a:p>
             </p:txBody>
           </p:sp>
@@ -1848,8 +1732,8 @@
             </p:nvSpPr>
             <p:spPr>
               <a:xfrm>
-                <a:off x="986246" y="3580560"/>
-                <a:ext cx="9064534" cy="646331"/>
+                <a:off x="1024250" y="3195823"/>
+                <a:ext cx="9064534" cy="830997"/>
               </a:xfrm>
               <a:prstGeom prst="rect">
                 <a:avLst/>
@@ -1857,7 +1741,7 @@
               <a:blipFill>
                 <a:blip r:embed="rId5"/>
                 <a:stretch>
-                  <a:fillRect t="-14151" b="-34906"/>
+                  <a:fillRect t="-17518" b="-36496"/>
                 </a:stretch>
               </a:blipFill>
               <a:ln w="12700">
@@ -1865,7 +1749,7 @@
               </a:ln>
               <a:extLst>
                 <a:ext uri="{C572A759-6A51-4108-AA02-DFA0A04FC94B}">
-                  <ma14:wrappingTextBoxFlag xmlns="" xmlns:m="http://schemas.openxmlformats.org/officeDocument/2006/math" xmlns:a14="http://schemas.microsoft.com/office/drawing/2010/main" xmlns:ma14="http://schemas.microsoft.com/office/mac/drawingml/2011/main" val="1"/>
+                  <ma14:wrappingTextBoxFlag xmlns="" xmlns:m="http://schemas.openxmlformats.org/officeDocument/2006/math" xmlns:ma14="http://schemas.microsoft.com/office/mac/drawingml/2011/main" xmlns:a14="http://schemas.microsoft.com/office/drawing/2010/main" val="1"/>
                 </a:ext>
               </a:extLst>
             </p:spPr>
@@ -1893,7 +1777,7 @@
         <p:spPr>
           <a:xfrm>
             <a:off x="986246" y="5018530"/>
-            <a:ext cx="9064534" cy="2571606"/>
+            <a:ext cx="9064534" cy="444481"/>
           </a:xfrm>
           <a:prstGeom prst="rect">
             <a:avLst/>
@@ -1928,221 +1812,7 @@
             </a:lvl1pPr>
           </a:lstStyle>
           <a:p>
-            <a:r>
-              <a:t>This section is an example of a paragraph.  When creating sections, regardless of whether you're putting in text or images, always try to align to the edges of the yellow guidelines. This poster canvas is broken into 3 columns, and aligning to the edges will make it much easier for viewers to differentiate sections and read information. The same is true of horizontal spaces between sections, try to space them equally and with a good amount of breathing room in between each.</a:t>
-            </a:r>
-          </a:p>
-        </p:txBody>
-      </p:sp>
-      <p:sp>
-        <p:nvSpPr>
-          <p:cNvPr id="35" name="TextBox 41"/>
-          <p:cNvSpPr txBox="1"/>
-          <p:nvPr/>
-        </p:nvSpPr>
-        <p:spPr>
-          <a:xfrm>
-            <a:off x="11854541" y="9929327"/>
-            <a:ext cx="9130938" cy="1843576"/>
-          </a:xfrm>
-          <a:prstGeom prst="rect">
-            <a:avLst/>
-          </a:prstGeom>
-          <a:ln w="12700">
-            <a:miter lim="400000"/>
-          </a:ln>
-          <a:extLst>
-            <a:ext uri="{C572A759-6A51-4108-AA02-DFA0A04FC94B}">
-              <ma14:wrappingTextBoxFlag xmlns="" xmlns:m="http://schemas.openxmlformats.org/officeDocument/2006/math" xmlns:a14="http://schemas.microsoft.com/office/drawing/2010/main" xmlns:ma14="http://schemas.microsoft.com/office/mac/drawingml/2011/main" val="1"/>
-            </a:ext>
-          </a:extLst>
-        </p:spPr>
-        <p:txBody>
-          <a:bodyPr lIns="45719" rIns="45719">
-            <a:spAutoFit/>
-          </a:bodyPr>
-          <a:lstStyle>
-            <a:lvl1pPr>
-              <a:lnSpc>
-                <a:spcPct val="120000"/>
-              </a:lnSpc>
-              <a:defRPr sz="2100">
-                <a:solidFill>
-                  <a:srgbClr val="344854"/>
-                </a:solidFill>
-                <a:latin typeface="Arial"/>
-                <a:ea typeface="Arial"/>
-                <a:cs typeface="Arial"/>
-                <a:sym typeface="Arial"/>
-              </a:defRPr>
-            </a:lvl1pPr>
-          </a:lstStyle>
-          <a:p>
-            <a:r>
-              <a:t>This section is an example of a paragraph.  When creating sections, regardless of whether you're putting in text or images, always try to align to the edges of the yellow guidelines. This poster canvas is broken into 3 columns, and aligning to the edges will make it much easier for viewers to differentiate sections and read information.</a:t>
-            </a:r>
-          </a:p>
-        </p:txBody>
-      </p:sp>
-      <p:sp>
-        <p:nvSpPr>
-          <p:cNvPr id="36" name="TextBox 42"/>
-          <p:cNvSpPr txBox="1"/>
-          <p:nvPr/>
-        </p:nvSpPr>
-        <p:spPr>
-          <a:xfrm>
-            <a:off x="986246" y="8076110"/>
-            <a:ext cx="9064534" cy="2571606"/>
-          </a:xfrm>
-          <a:prstGeom prst="rect">
-            <a:avLst/>
-          </a:prstGeom>
-          <a:ln w="12700">
-            <a:miter lim="400000"/>
-          </a:ln>
-          <a:extLst>
-            <a:ext uri="{C572A759-6A51-4108-AA02-DFA0A04FC94B}">
-              <ma14:wrappingTextBoxFlag xmlns="" xmlns:m="http://schemas.openxmlformats.org/officeDocument/2006/math" xmlns:a14="http://schemas.microsoft.com/office/drawing/2010/main" xmlns:ma14="http://schemas.microsoft.com/office/mac/drawingml/2011/main" val="1"/>
-            </a:ext>
-          </a:extLst>
-        </p:spPr>
-        <p:txBody>
-          <a:bodyPr lIns="45719" rIns="45719">
-            <a:spAutoFit/>
-          </a:bodyPr>
-          <a:lstStyle/>
-          <a:p>
-            <a:pPr marL="342900" indent="-342900">
-              <a:lnSpc>
-                <a:spcPct val="120000"/>
-              </a:lnSpc>
-              <a:buSzPct val="100000"/>
-              <a:buFont typeface="Arial"/>
-              <a:buChar char="•"/>
-              <a:defRPr sz="2100">
-                <a:solidFill>
-                  <a:srgbClr val="344854"/>
-                </a:solidFill>
-                <a:latin typeface="Arial"/>
-                <a:ea typeface="Arial"/>
-                <a:cs typeface="Arial"/>
-                <a:sym typeface="Arial"/>
-              </a:defRPr>
-            </a:pPr>
-            <a:r>
-              <a:t>Bulleted list item</a:t>
-            </a:r>
-          </a:p>
-          <a:p>
-            <a:pPr marL="342900" indent="-342900">
-              <a:lnSpc>
-                <a:spcPct val="120000"/>
-              </a:lnSpc>
-              <a:buSzPct val="100000"/>
-              <a:buFont typeface="Arial"/>
-              <a:buChar char="•"/>
-              <a:defRPr sz="2100">
-                <a:solidFill>
-                  <a:srgbClr val="344854"/>
-                </a:solidFill>
-                <a:latin typeface="Arial"/>
-                <a:ea typeface="Arial"/>
-                <a:cs typeface="Arial"/>
-                <a:sym typeface="Arial"/>
-              </a:defRPr>
-            </a:pPr>
-            <a:r>
-              <a:t>Bulleted list item</a:t>
-            </a:r>
-          </a:p>
-          <a:p>
-            <a:pPr marL="342900" indent="-342900">
-              <a:lnSpc>
-                <a:spcPct val="120000"/>
-              </a:lnSpc>
-              <a:buSzPct val="100000"/>
-              <a:buFont typeface="Arial"/>
-              <a:buChar char="•"/>
-              <a:defRPr sz="2100">
-                <a:solidFill>
-                  <a:srgbClr val="344854"/>
-                </a:solidFill>
-                <a:latin typeface="Arial"/>
-                <a:ea typeface="Arial"/>
-                <a:cs typeface="Arial"/>
-                <a:sym typeface="Arial"/>
-              </a:defRPr>
-            </a:pPr>
-            <a:r>
-              <a:t>Bulleted list item</a:t>
-            </a:r>
-          </a:p>
-          <a:p>
-            <a:pPr marL="342900" indent="-342900">
-              <a:lnSpc>
-                <a:spcPct val="120000"/>
-              </a:lnSpc>
-              <a:buSzPct val="100000"/>
-              <a:buFont typeface="Arial"/>
-              <a:buChar char="•"/>
-              <a:defRPr sz="2100">
-                <a:solidFill>
-                  <a:srgbClr val="344854"/>
-                </a:solidFill>
-                <a:latin typeface="Arial"/>
-                <a:ea typeface="Arial"/>
-                <a:cs typeface="Arial"/>
-                <a:sym typeface="Arial"/>
-              </a:defRPr>
-            </a:pPr>
-            <a:r>
-              <a:t>Bulleted list item</a:t>
-            </a:r>
-          </a:p>
-          <a:p>
-            <a:pPr marL="342900" indent="-342900">
-              <a:lnSpc>
-                <a:spcPct val="120000"/>
-              </a:lnSpc>
-              <a:buSzPct val="100000"/>
-              <a:buFont typeface="Arial"/>
-              <a:buChar char="•"/>
-              <a:defRPr sz="2100">
-                <a:solidFill>
-                  <a:srgbClr val="344854"/>
-                </a:solidFill>
-                <a:latin typeface="Arial"/>
-                <a:ea typeface="Arial"/>
-                <a:cs typeface="Arial"/>
-                <a:sym typeface="Arial"/>
-              </a:defRPr>
-            </a:pPr>
-            <a:r>
-              <a:t>Bulleted list item</a:t>
-            </a:r>
-          </a:p>
-          <a:p>
-            <a:pPr marL="342900" indent="-342900">
-              <a:lnSpc>
-                <a:spcPct val="120000"/>
-              </a:lnSpc>
-              <a:buSzPct val="100000"/>
-              <a:buFont typeface="Arial"/>
-              <a:buChar char="•"/>
-              <a:defRPr sz="2100">
-                <a:solidFill>
-                  <a:srgbClr val="344854"/>
-                </a:solidFill>
-                <a:latin typeface="Arial"/>
-                <a:ea typeface="Arial"/>
-                <a:cs typeface="Arial"/>
-                <a:sym typeface="Arial"/>
-              </a:defRPr>
-            </a:pPr>
-            <a:r>
-              <a:t>Bulleted list item</a:t>
-            </a:r>
+            <a:endParaRPr dirty="0"/>
           </a:p>
         </p:txBody>
       </p:sp>
@@ -2154,8 +1824,8 @@
         </p:nvSpPr>
         <p:spPr>
           <a:xfrm>
-            <a:off x="11880670" y="3580560"/>
-            <a:ext cx="9064533" cy="572615"/>
+            <a:off x="11882628" y="2845926"/>
+            <a:ext cx="9064533" cy="830997"/>
           </a:xfrm>
           <a:prstGeom prst="rect">
             <a:avLst/>
@@ -2185,52 +1855,10 @@
           </a:lstStyle>
           <a:p>
             <a:r>
-              <a:t>Section header in 34pt font</a:t>
+              <a:rPr lang="en-US" sz="4800" dirty="0"/>
+              <a:t>Related Literature</a:t>
             </a:r>
-          </a:p>
-        </p:txBody>
-      </p:sp>
-      <p:sp>
-        <p:nvSpPr>
-          <p:cNvPr id="38" name="TextBox 44"/>
-          <p:cNvSpPr txBox="1"/>
-          <p:nvPr/>
-        </p:nvSpPr>
-        <p:spPr>
-          <a:xfrm>
-            <a:off x="11880670" y="4326744"/>
-            <a:ext cx="9064533" cy="387515"/>
-          </a:xfrm>
-          <a:prstGeom prst="rect">
-            <a:avLst/>
-          </a:prstGeom>
-          <a:ln w="12700">
-            <a:miter lim="400000"/>
-          </a:ln>
-          <a:extLst>
-            <a:ext uri="{C572A759-6A51-4108-AA02-DFA0A04FC94B}">
-              <ma14:wrappingTextBoxFlag xmlns="" xmlns:m="http://schemas.openxmlformats.org/officeDocument/2006/math" xmlns:a14="http://schemas.microsoft.com/office/drawing/2010/main" xmlns:ma14="http://schemas.microsoft.com/office/mac/drawingml/2011/main" val="1"/>
-            </a:ext>
-          </a:extLst>
-        </p:spPr>
-        <p:txBody>
-          <a:bodyPr lIns="45719" rIns="45719">
-            <a:spAutoFit/>
-          </a:bodyPr>
-          <a:lstStyle>
-            <a:lvl1pPr>
-              <a:defRPr sz="2100">
-                <a:latin typeface="Arial"/>
-                <a:ea typeface="Arial"/>
-                <a:cs typeface="Arial"/>
-                <a:sym typeface="Arial"/>
-              </a:defRPr>
-            </a:lvl1pPr>
-          </a:lstStyle>
-          <a:p>
-            <a:r>
-              <a:t>Optional section descriptor in 21pt font</a:t>
-            </a:r>
+            <a:endParaRPr sz="4800" dirty="0"/>
           </a:p>
         </p:txBody>
       </p:sp>
@@ -2242,8 +1870,8 @@
         </p:nvSpPr>
         <p:spPr>
           <a:xfrm>
-            <a:off x="986246" y="11202393"/>
-            <a:ext cx="9064534" cy="615553"/>
+            <a:off x="986246" y="16485349"/>
+            <a:ext cx="9064534" cy="830997"/>
           </a:xfrm>
           <a:prstGeom prst="rect">
             <a:avLst/>
@@ -2273,23 +1901,23 @@
           </a:lstStyle>
           <a:p>
             <a:r>
-              <a:rPr lang="en-US"/>
+              <a:rPr lang="en-US" sz="4800" dirty="0"/>
               <a:t>Sliding Window Model</a:t>
             </a:r>
-            <a:endParaRPr dirty="0"/>
+            <a:endParaRPr sz="4800" dirty="0"/>
           </a:p>
         </p:txBody>
       </p:sp>
       <p:sp>
         <p:nvSpPr>
-          <p:cNvPr id="40" name="TextBox 46"/>
+          <p:cNvPr id="50" name="TextBox 37"/>
           <p:cNvSpPr txBox="1"/>
           <p:nvPr/>
         </p:nvSpPr>
         <p:spPr>
           <a:xfrm>
-            <a:off x="986246" y="11905511"/>
-            <a:ext cx="9064534" cy="387516"/>
+            <a:off x="15229302" y="837193"/>
+            <a:ext cx="9064533" cy="1754326"/>
           </a:xfrm>
           <a:prstGeom prst="rect">
             <a:avLst/>
@@ -2304,36 +1932,52 @@
           </a:extLst>
         </p:spPr>
         <p:txBody>
-          <a:bodyPr lIns="45719" rIns="45719">
+          <a:bodyPr wrap="square" lIns="45719" rIns="45719">
             <a:spAutoFit/>
           </a:bodyPr>
-          <a:lstStyle>
-            <a:lvl1pPr>
-              <a:defRPr sz="2100">
-                <a:latin typeface="Arial"/>
-                <a:ea typeface="Arial"/>
-                <a:cs typeface="Arial"/>
-                <a:sym typeface="Arial"/>
-              </a:defRPr>
-            </a:lvl1pPr>
-          </a:lstStyle>
+          <a:lstStyle/>
           <a:p>
             <a:r>
-              <a:t>Optional section descriptor in 21pt font</a:t>
+              <a:rPr lang="en-US" sz="3600" dirty="0"/>
+              <a:t>David P. Woodruff (Carnegie Mellon University)</a:t>
+            </a:r>
+          </a:p>
+          <a:p>
+            <a:r>
+              <a:rPr lang="en-US" sz="3600" dirty="0" err="1"/>
+              <a:t>Peilin</a:t>
+            </a:r>
+            <a:r>
+              <a:rPr lang="en-US" sz="3600" dirty="0"/>
+              <a:t> Zhong (Google Research)</a:t>
+            </a:r>
+          </a:p>
+          <a:p>
+            <a:r>
+              <a:rPr lang="en-US" sz="3600" dirty="0"/>
+              <a:t>Samson Zhou (Texas A&amp;M University)</a:t>
             </a:r>
           </a:p>
         </p:txBody>
       </p:sp>
-      <p:sp>
-        <p:nvSpPr>
-          <p:cNvPr id="41" name="TextBox 47"/>
-          <p:cNvSpPr txBox="1"/>
+      <p:pic>
+        <p:nvPicPr>
+          <p:cNvPr id="54" name="neurips_logo.pdf" descr="neurips_logo.pdf"/>
+          <p:cNvPicPr>
+            <a:picLocks noChangeAspect="1"/>
+          </p:cNvPicPr>
           <p:nvPr/>
-        </p:nvSpPr>
+        </p:nvPicPr>
+        <p:blipFill>
+          <a:blip r:embed="rId6"/>
+          <a:stretch>
+            <a:fillRect/>
+          </a:stretch>
+        </p:blipFill>
         <p:spPr>
           <a:xfrm>
-            <a:off x="986246" y="12685935"/>
-            <a:ext cx="9064534" cy="1843576"/>
+            <a:off x="27437816" y="588942"/>
+            <a:ext cx="4797779" cy="2159001"/>
           </a:xfrm>
           <a:prstGeom prst="rect">
             <a:avLst/>
@@ -2341,49 +1985,3504 @@
           <a:ln w="12700">
             <a:miter lim="400000"/>
           </a:ln>
-          <a:extLst>
-            <a:ext uri="{C572A759-6A51-4108-AA02-DFA0A04FC94B}">
-              <ma14:wrappingTextBoxFlag xmlns="" xmlns:m="http://schemas.openxmlformats.org/officeDocument/2006/math" xmlns:a14="http://schemas.microsoft.com/office/drawing/2010/main" xmlns:ma14="http://schemas.microsoft.com/office/mac/drawingml/2011/main" val="1"/>
-            </a:ext>
-          </a:extLst>
+        </p:spPr>
+      </p:pic>
+      <p:pic>
+        <p:nvPicPr>
+          <p:cNvPr id="2" name="Picture 1">
+            <a:extLst>
+              <a:ext uri="{FF2B5EF4-FFF2-40B4-BE49-F238E27FC236}">
+                <a16:creationId xmlns:a16="http://schemas.microsoft.com/office/drawing/2014/main" id="{F37535D8-5E13-C674-AD88-AA4E84467DB3}"/>
+              </a:ext>
+            </a:extLst>
+          </p:cNvPr>
+          <p:cNvPicPr>
+            <a:picLocks noChangeAspect="1"/>
+          </p:cNvPicPr>
+          <p:nvPr/>
+        </p:nvPicPr>
+        <p:blipFill>
+          <a:blip r:embed="rId7"/>
+          <a:stretch>
+            <a:fillRect/>
+          </a:stretch>
+        </p:blipFill>
+        <p:spPr>
+          <a:xfrm>
+            <a:off x="348841" y="6561000"/>
+            <a:ext cx="11531829" cy="3919196"/>
+          </a:xfrm>
+          <a:prstGeom prst="rect">
+            <a:avLst/>
+          </a:prstGeom>
+        </p:spPr>
+      </p:pic>
+      <mc:AlternateContent xmlns:mc="http://schemas.openxmlformats.org/markup-compatibility/2006" xmlns:a14="http://schemas.microsoft.com/office/drawing/2010/main">
+        <mc:Choice Requires="a14">
+          <p:sp>
+            <p:nvSpPr>
+              <p:cNvPr id="3" name="Content Placeholder 3">
+                <a:extLst>
+                  <a:ext uri="{FF2B5EF4-FFF2-40B4-BE49-F238E27FC236}">
+                    <a16:creationId xmlns:a16="http://schemas.microsoft.com/office/drawing/2014/main" id="{1CCBE68A-7706-4EBA-1BEC-882286515D0A}"/>
+                  </a:ext>
+                </a:extLst>
+              </p:cNvPr>
+              <p:cNvSpPr txBox="1">
+                <a:spLocks/>
+              </p:cNvSpPr>
+              <p:nvPr/>
+            </p:nvSpPr>
+            <p:spPr>
+              <a:xfrm>
+                <a:off x="986246" y="4470971"/>
+                <a:ext cx="10515600" cy="11478495"/>
+              </a:xfrm>
+              <a:prstGeom prst="rect">
+                <a:avLst/>
+              </a:prstGeom>
+            </p:spPr>
+            <p:txBody>
+              <a:bodyPr>
+                <a:noAutofit/>
+              </a:bodyPr>
+              <a:lstStyle>
+                <a:lvl1pPr marL="731556" marR="0" indent="-731556" algn="l" defTabSz="2926226" rtl="0" latinLnBrk="0">
+                  <a:lnSpc>
+                    <a:spcPct val="90000"/>
+                  </a:lnSpc>
+                  <a:spcBef>
+                    <a:spcPts val="3200"/>
+                  </a:spcBef>
+                  <a:spcAft>
+                    <a:spcPts val="0"/>
+                  </a:spcAft>
+                  <a:buClrTx/>
+                  <a:buSzPct val="100000"/>
+                  <a:buFont typeface="Arial"/>
+                  <a:buChar char="•"/>
+                  <a:tabLst/>
+                  <a:defRPr sz="8900" b="0" i="0" u="none" strike="noStrike" cap="none" spc="0" baseline="0">
+                    <a:solidFill>
+                      <a:srgbClr val="000000"/>
+                    </a:solidFill>
+                    <a:uFillTx/>
+                    <a:latin typeface="+mn-lt"/>
+                    <a:ea typeface="+mn-ea"/>
+                    <a:cs typeface="+mn-cs"/>
+                    <a:sym typeface="Calibri"/>
+                  </a:defRPr>
+                </a:lvl1pPr>
+                <a:lvl2pPr marL="2319804" marR="0" indent="-856691" algn="l" defTabSz="2926226" rtl="0" latinLnBrk="0">
+                  <a:lnSpc>
+                    <a:spcPct val="90000"/>
+                  </a:lnSpc>
+                  <a:spcBef>
+                    <a:spcPts val="3200"/>
+                  </a:spcBef>
+                  <a:spcAft>
+                    <a:spcPts val="0"/>
+                  </a:spcAft>
+                  <a:buClrTx/>
+                  <a:buSzPct val="100000"/>
+                  <a:buFont typeface="Arial"/>
+                  <a:buChar char="•"/>
+                  <a:tabLst/>
+                  <a:defRPr sz="8900" b="0" i="0" u="none" strike="noStrike" cap="none" spc="0" baseline="0">
+                    <a:solidFill>
+                      <a:srgbClr val="000000"/>
+                    </a:solidFill>
+                    <a:uFillTx/>
+                    <a:latin typeface="+mn-lt"/>
+                    <a:ea typeface="+mn-ea"/>
+                    <a:cs typeface="+mn-cs"/>
+                    <a:sym typeface="Calibri"/>
+                  </a:defRPr>
+                </a:lvl2pPr>
+                <a:lvl3pPr marL="3943547" marR="0" indent="-1017321" algn="l" defTabSz="2926226" rtl="0" latinLnBrk="0">
+                  <a:lnSpc>
+                    <a:spcPct val="90000"/>
+                  </a:lnSpc>
+                  <a:spcBef>
+                    <a:spcPts val="3200"/>
+                  </a:spcBef>
+                  <a:spcAft>
+                    <a:spcPts val="0"/>
+                  </a:spcAft>
+                  <a:buClrTx/>
+                  <a:buSzPct val="100000"/>
+                  <a:buFont typeface="Arial"/>
+                  <a:buChar char="•"/>
+                  <a:tabLst/>
+                  <a:defRPr sz="8900" b="0" i="0" u="none" strike="noStrike" cap="none" spc="0" baseline="0">
+                    <a:solidFill>
+                      <a:srgbClr val="000000"/>
+                    </a:solidFill>
+                    <a:uFillTx/>
+                    <a:latin typeface="+mn-lt"/>
+                    <a:ea typeface="+mn-ea"/>
+                    <a:cs typeface="+mn-cs"/>
+                    <a:sym typeface="Calibri"/>
+                  </a:defRPr>
+                </a:lvl3pPr>
+                <a:lvl4pPr marL="5531594" marR="0" indent="-1142255" algn="l" defTabSz="2926226" rtl="0" latinLnBrk="0">
+                  <a:lnSpc>
+                    <a:spcPct val="90000"/>
+                  </a:lnSpc>
+                  <a:spcBef>
+                    <a:spcPts val="3200"/>
+                  </a:spcBef>
+                  <a:spcAft>
+                    <a:spcPts val="0"/>
+                  </a:spcAft>
+                  <a:buClrTx/>
+                  <a:buSzPct val="100000"/>
+                  <a:buFont typeface="Arial"/>
+                  <a:buChar char="•"/>
+                  <a:tabLst/>
+                  <a:defRPr sz="8900" b="0" i="0" u="none" strike="noStrike" cap="none" spc="0" baseline="0">
+                    <a:solidFill>
+                      <a:srgbClr val="000000"/>
+                    </a:solidFill>
+                    <a:uFillTx/>
+                    <a:latin typeface="+mn-lt"/>
+                    <a:ea typeface="+mn-ea"/>
+                    <a:cs typeface="+mn-cs"/>
+                    <a:sym typeface="Calibri"/>
+                  </a:defRPr>
+                </a:lvl4pPr>
+                <a:lvl5pPr marL="6994707" marR="0" indent="-1142255" algn="l" defTabSz="2926226" rtl="0" latinLnBrk="0">
+                  <a:lnSpc>
+                    <a:spcPct val="90000"/>
+                  </a:lnSpc>
+                  <a:spcBef>
+                    <a:spcPts val="3200"/>
+                  </a:spcBef>
+                  <a:spcAft>
+                    <a:spcPts val="0"/>
+                  </a:spcAft>
+                  <a:buClrTx/>
+                  <a:buSzPct val="100000"/>
+                  <a:buFont typeface="Arial"/>
+                  <a:buChar char="•"/>
+                  <a:tabLst/>
+                  <a:defRPr sz="8900" b="0" i="0" u="none" strike="noStrike" cap="none" spc="0" baseline="0">
+                    <a:solidFill>
+                      <a:srgbClr val="000000"/>
+                    </a:solidFill>
+                    <a:uFillTx/>
+                    <a:latin typeface="+mn-lt"/>
+                    <a:ea typeface="+mn-ea"/>
+                    <a:cs typeface="+mn-cs"/>
+                    <a:sym typeface="Calibri"/>
+                  </a:defRPr>
+                </a:lvl5pPr>
+                <a:lvl6pPr marL="8457820" marR="0" indent="-1142255" algn="l" defTabSz="2926226" rtl="0" latinLnBrk="0">
+                  <a:lnSpc>
+                    <a:spcPct val="90000"/>
+                  </a:lnSpc>
+                  <a:spcBef>
+                    <a:spcPts val="3200"/>
+                  </a:spcBef>
+                  <a:spcAft>
+                    <a:spcPts val="0"/>
+                  </a:spcAft>
+                  <a:buClrTx/>
+                  <a:buSzPct val="100000"/>
+                  <a:buFont typeface="Arial"/>
+                  <a:buChar char="•"/>
+                  <a:tabLst/>
+                  <a:defRPr sz="8900" b="0" i="0" u="none" strike="noStrike" cap="none" spc="0" baseline="0">
+                    <a:solidFill>
+                      <a:srgbClr val="000000"/>
+                    </a:solidFill>
+                    <a:uFillTx/>
+                    <a:latin typeface="+mn-lt"/>
+                    <a:ea typeface="+mn-ea"/>
+                    <a:cs typeface="+mn-cs"/>
+                    <a:sym typeface="Calibri"/>
+                  </a:defRPr>
+                </a:lvl6pPr>
+                <a:lvl7pPr marL="9920933" marR="0" indent="-1142255" algn="l" defTabSz="2926226" rtl="0" latinLnBrk="0">
+                  <a:lnSpc>
+                    <a:spcPct val="90000"/>
+                  </a:lnSpc>
+                  <a:spcBef>
+                    <a:spcPts val="3200"/>
+                  </a:spcBef>
+                  <a:spcAft>
+                    <a:spcPts val="0"/>
+                  </a:spcAft>
+                  <a:buClrTx/>
+                  <a:buSzPct val="100000"/>
+                  <a:buFont typeface="Arial"/>
+                  <a:buChar char="•"/>
+                  <a:tabLst/>
+                  <a:defRPr sz="8900" b="0" i="0" u="none" strike="noStrike" cap="none" spc="0" baseline="0">
+                    <a:solidFill>
+                      <a:srgbClr val="000000"/>
+                    </a:solidFill>
+                    <a:uFillTx/>
+                    <a:latin typeface="+mn-lt"/>
+                    <a:ea typeface="+mn-ea"/>
+                    <a:cs typeface="+mn-cs"/>
+                    <a:sym typeface="Calibri"/>
+                  </a:defRPr>
+                </a:lvl7pPr>
+                <a:lvl8pPr marL="11384047" marR="0" indent="-1142255" algn="l" defTabSz="2926226" rtl="0" latinLnBrk="0">
+                  <a:lnSpc>
+                    <a:spcPct val="90000"/>
+                  </a:lnSpc>
+                  <a:spcBef>
+                    <a:spcPts val="3200"/>
+                  </a:spcBef>
+                  <a:spcAft>
+                    <a:spcPts val="0"/>
+                  </a:spcAft>
+                  <a:buClrTx/>
+                  <a:buSzPct val="100000"/>
+                  <a:buFont typeface="Arial"/>
+                  <a:buChar char="•"/>
+                  <a:tabLst/>
+                  <a:defRPr sz="8900" b="0" i="0" u="none" strike="noStrike" cap="none" spc="0" baseline="0">
+                    <a:solidFill>
+                      <a:srgbClr val="000000"/>
+                    </a:solidFill>
+                    <a:uFillTx/>
+                    <a:latin typeface="+mn-lt"/>
+                    <a:ea typeface="+mn-ea"/>
+                    <a:cs typeface="+mn-cs"/>
+                    <a:sym typeface="Calibri"/>
+                  </a:defRPr>
+                </a:lvl8pPr>
+                <a:lvl9pPr marL="12847160" marR="0" indent="-1142255" algn="l" defTabSz="2926226" rtl="0" latinLnBrk="0">
+                  <a:lnSpc>
+                    <a:spcPct val="90000"/>
+                  </a:lnSpc>
+                  <a:spcBef>
+                    <a:spcPts val="3200"/>
+                  </a:spcBef>
+                  <a:spcAft>
+                    <a:spcPts val="0"/>
+                  </a:spcAft>
+                  <a:buClrTx/>
+                  <a:buSzPct val="100000"/>
+                  <a:buFont typeface="Arial"/>
+                  <a:buChar char="•"/>
+                  <a:tabLst/>
+                  <a:defRPr sz="8900" b="0" i="0" u="none" strike="noStrike" cap="none" spc="0" baseline="0">
+                    <a:solidFill>
+                      <a:srgbClr val="000000"/>
+                    </a:solidFill>
+                    <a:uFillTx/>
+                    <a:latin typeface="+mn-lt"/>
+                    <a:ea typeface="+mn-ea"/>
+                    <a:cs typeface="+mn-cs"/>
+                    <a:sym typeface="Calibri"/>
+                  </a:defRPr>
+                </a:lvl9pPr>
+              </a:lstStyle>
+              <a:p>
+                <a:pPr marL="0" indent="0" hangingPunct="1">
+                  <a:buClr>
+                    <a:schemeClr val="tx1"/>
+                  </a:buClr>
+                  <a:buNone/>
+                </a:pPr>
+                <a:r>
+                  <a:rPr lang="en-US" sz="3200" dirty="0">
+                    <a:solidFill>
+                      <a:srgbClr val="00B050"/>
+                    </a:solidFill>
+                  </a:rPr>
+                  <a:t>Goal</a:t>
+                </a:r>
+                <a:r>
+                  <a:rPr lang="en-US" sz="3200" dirty="0"/>
+                  <a:t>: Given input dataset </a:t>
+                </a:r>
+                <a14:m>
+                  <m:oMath xmlns:m="http://schemas.openxmlformats.org/officeDocument/2006/math">
+                    <m:r>
+                      <a:rPr lang="en-US" sz="3200" i="1" smtClean="0">
+                        <a:solidFill>
+                          <a:srgbClr val="C00000"/>
+                        </a:solidFill>
+                        <a:latin typeface="Cambria Math" panose="02040503050406030204" pitchFamily="18" charset="0"/>
+                      </a:rPr>
+                      <m:t>𝑋</m:t>
+                    </m:r>
+                  </m:oMath>
+                </a14:m>
+                <a:r>
+                  <a:rPr lang="en-US" sz="3200" dirty="0"/>
+                  <a:t>, partition </a:t>
+                </a:r>
+                <a14:m>
+                  <m:oMath xmlns:m="http://schemas.openxmlformats.org/officeDocument/2006/math">
+                    <m:r>
+                      <a:rPr lang="en-US" sz="3200" i="1" smtClean="0">
+                        <a:solidFill>
+                          <a:srgbClr val="C00000"/>
+                        </a:solidFill>
+                        <a:latin typeface="Cambria Math" panose="02040503050406030204" pitchFamily="18" charset="0"/>
+                      </a:rPr>
+                      <m:t>𝑋</m:t>
+                    </m:r>
+                  </m:oMath>
+                </a14:m>
+                <a:r>
+                  <a:rPr lang="en-US" sz="3200" dirty="0"/>
+                  <a:t> so that “similar” points are in the same cluster and “different” points are in different clusters</a:t>
+                </a:r>
+              </a:p>
+              <a:p>
+                <a:pPr marL="0" indent="0" hangingPunct="1">
+                  <a:buClr>
+                    <a:schemeClr val="tx1"/>
+                  </a:buClr>
+                  <a:buNone/>
+                </a:pPr>
+                <a:r>
+                  <a:rPr lang="en-US" sz="3200" dirty="0"/>
+                  <a:t>There can be at most </a:t>
+                </a:r>
+                <a14:m>
+                  <m:oMath xmlns:m="http://schemas.openxmlformats.org/officeDocument/2006/math">
+                    <m:r>
+                      <a:rPr lang="en-US" sz="3200" i="1" smtClean="0">
+                        <a:solidFill>
+                          <a:srgbClr val="C00000"/>
+                        </a:solidFill>
+                        <a:latin typeface="Cambria Math" panose="02040503050406030204" pitchFamily="18" charset="0"/>
+                      </a:rPr>
+                      <m:t>𝑘</m:t>
+                    </m:r>
+                  </m:oMath>
+                </a14:m>
+                <a:r>
+                  <a:rPr lang="en-US" sz="3200" dirty="0"/>
+                  <a:t> different clusters</a:t>
+                </a:r>
+              </a:p>
+              <a:p>
+                <a:pPr marL="0" indent="0" hangingPunct="1">
+                  <a:buClr>
+                    <a:schemeClr val="tx1"/>
+                  </a:buClr>
+                  <a:buNone/>
+                </a:pPr>
+                <a:endParaRPr lang="en-US" sz="3200" dirty="0"/>
+              </a:p>
+              <a:p>
+                <a:pPr marL="0" indent="0" hangingPunct="1">
+                  <a:buClr>
+                    <a:schemeClr val="tx1"/>
+                  </a:buClr>
+                  <a:buNone/>
+                </a:pPr>
+                <a:endParaRPr lang="en-US" sz="3200" dirty="0"/>
+              </a:p>
+              <a:p>
+                <a:pPr marL="0" indent="0" hangingPunct="1">
+                  <a:buClr>
+                    <a:schemeClr val="tx1"/>
+                  </a:buClr>
+                  <a:buNone/>
+                </a:pPr>
+                <a:endParaRPr lang="en-US" sz="3200" dirty="0"/>
+              </a:p>
+              <a:p>
+                <a:pPr marL="0" indent="0" hangingPunct="1">
+                  <a:buClr>
+                    <a:schemeClr val="tx1"/>
+                  </a:buClr>
+                  <a:buNone/>
+                </a:pPr>
+                <a:endParaRPr lang="en-US" sz="3200" dirty="0"/>
+              </a:p>
+              <a:p>
+                <a:pPr marL="0" indent="0">
+                  <a:buClr>
+                    <a:schemeClr val="tx1"/>
+                  </a:buClr>
+                  <a:buNone/>
+                </a:pPr>
+                <a14:m>
+                  <m:oMath xmlns:m="http://schemas.openxmlformats.org/officeDocument/2006/math">
+                    <m:r>
+                      <a:rPr lang="en-US" sz="3200" b="0" i="1" smtClean="0">
+                        <a:solidFill>
+                          <a:srgbClr val="C00000"/>
+                        </a:solidFill>
+                        <a:latin typeface="Cambria Math" panose="02040503050406030204" pitchFamily="18" charset="0"/>
+                      </a:rPr>
+                      <m:t>𝑘</m:t>
+                    </m:r>
+                  </m:oMath>
+                </a14:m>
+                <a:r>
+                  <a:rPr lang="en-US" sz="3200" dirty="0"/>
+                  <a:t>-median: </a:t>
+                </a:r>
+                <a14:m>
+                  <m:oMath xmlns:m="http://schemas.openxmlformats.org/officeDocument/2006/math">
+                    <m:r>
+                      <m:rPr>
+                        <m:sty m:val="p"/>
+                      </m:rPr>
+                      <a:rPr lang="en-US" sz="3200">
+                        <a:solidFill>
+                          <a:srgbClr val="C00000"/>
+                        </a:solidFill>
+                        <a:latin typeface="Cambria Math" panose="02040503050406030204" pitchFamily="18" charset="0"/>
+                      </a:rPr>
+                      <m:t>Cost</m:t>
+                    </m:r>
+                    <m:d>
+                      <m:dPr>
+                        <m:ctrlPr>
+                          <a:rPr lang="en-US" sz="3200" i="1">
+                            <a:solidFill>
+                              <a:srgbClr val="C00000"/>
+                            </a:solidFill>
+                            <a:latin typeface="Cambria Math" panose="02040503050406030204" pitchFamily="18" charset="0"/>
+                          </a:rPr>
+                        </m:ctrlPr>
+                      </m:dPr>
+                      <m:e>
+                        <m:r>
+                          <a:rPr lang="en-US" sz="3200" i="1">
+                            <a:solidFill>
+                              <a:srgbClr val="C00000"/>
+                            </a:solidFill>
+                            <a:latin typeface="Cambria Math" panose="02040503050406030204" pitchFamily="18" charset="0"/>
+                          </a:rPr>
+                          <m:t>𝑋</m:t>
+                        </m:r>
+                        <m:r>
+                          <a:rPr lang="en-US" sz="3200" i="1">
+                            <a:solidFill>
+                              <a:srgbClr val="C00000"/>
+                            </a:solidFill>
+                            <a:latin typeface="Cambria Math" panose="02040503050406030204" pitchFamily="18" charset="0"/>
+                          </a:rPr>
+                          <m:t>,</m:t>
+                        </m:r>
+                        <m:r>
+                          <a:rPr lang="en-US" sz="3200" i="1">
+                            <a:solidFill>
+                              <a:srgbClr val="C00000"/>
+                            </a:solidFill>
+                            <a:latin typeface="Cambria Math" panose="02040503050406030204" pitchFamily="18" charset="0"/>
+                          </a:rPr>
+                          <m:t>𝐶</m:t>
+                        </m:r>
+                      </m:e>
+                    </m:d>
+                    <m:r>
+                      <a:rPr lang="en-US" sz="3200" b="0" i="1" smtClean="0">
+                        <a:solidFill>
+                          <a:srgbClr val="C00000"/>
+                        </a:solidFill>
+                        <a:latin typeface="Cambria Math" panose="02040503050406030204" pitchFamily="18" charset="0"/>
+                      </a:rPr>
+                      <m:t>=</m:t>
+                    </m:r>
+                    <m:nary>
+                      <m:naryPr>
+                        <m:chr m:val="∑"/>
+                        <m:supHide m:val="on"/>
+                        <m:ctrlPr>
+                          <a:rPr lang="en-US" sz="3200" i="1">
+                            <a:solidFill>
+                              <a:srgbClr val="C00000"/>
+                            </a:solidFill>
+                            <a:latin typeface="Cambria Math" panose="02040503050406030204" pitchFamily="18" charset="0"/>
+                          </a:rPr>
+                        </m:ctrlPr>
+                      </m:naryPr>
+                      <m:sub>
+                        <m:r>
+                          <m:rPr>
+                            <m:brk m:alnAt="7"/>
+                          </m:rPr>
+                          <a:rPr lang="en-US" sz="3200" i="1">
+                            <a:solidFill>
+                              <a:srgbClr val="C00000"/>
+                            </a:solidFill>
+                            <a:latin typeface="Cambria Math" panose="02040503050406030204" pitchFamily="18" charset="0"/>
+                          </a:rPr>
+                          <m:t>𝑥</m:t>
+                        </m:r>
+                        <m:r>
+                          <a:rPr lang="en-US" sz="3200" i="1">
+                            <a:solidFill>
+                              <a:srgbClr val="C00000"/>
+                            </a:solidFill>
+                            <a:latin typeface="Cambria Math" panose="02040503050406030204" pitchFamily="18" charset="0"/>
+                          </a:rPr>
+                          <m:t>∈</m:t>
+                        </m:r>
+                        <m:r>
+                          <a:rPr lang="en-US" sz="3200" i="1">
+                            <a:solidFill>
+                              <a:srgbClr val="C00000"/>
+                            </a:solidFill>
+                            <a:latin typeface="Cambria Math" panose="02040503050406030204" pitchFamily="18" charset="0"/>
+                          </a:rPr>
+                          <m:t>𝑋</m:t>
+                        </m:r>
+                      </m:sub>
+                      <m:sup/>
+                      <m:e>
+                        <m:r>
+                          <m:rPr>
+                            <m:sty m:val="p"/>
+                          </m:rPr>
+                          <a:rPr lang="en-US" sz="3200">
+                            <a:solidFill>
+                              <a:srgbClr val="C00000"/>
+                            </a:solidFill>
+                            <a:latin typeface="Cambria Math" panose="02040503050406030204" pitchFamily="18" charset="0"/>
+                          </a:rPr>
+                          <m:t>dist</m:t>
+                        </m:r>
+                        <m:d>
+                          <m:dPr>
+                            <m:ctrlPr>
+                              <a:rPr lang="en-US" sz="3200" i="1">
+                                <a:solidFill>
+                                  <a:srgbClr val="C00000"/>
+                                </a:solidFill>
+                                <a:latin typeface="Cambria Math" panose="02040503050406030204" pitchFamily="18" charset="0"/>
+                              </a:rPr>
+                            </m:ctrlPr>
+                          </m:dPr>
+                          <m:e>
+                            <m:r>
+                              <a:rPr lang="en-US" sz="3200" i="1">
+                                <a:solidFill>
+                                  <a:srgbClr val="C00000"/>
+                                </a:solidFill>
+                                <a:latin typeface="Cambria Math" panose="02040503050406030204" pitchFamily="18" charset="0"/>
+                              </a:rPr>
+                              <m:t>𝑥</m:t>
+                            </m:r>
+                            <m:r>
+                              <a:rPr lang="en-US" sz="3200" i="1">
+                                <a:solidFill>
+                                  <a:srgbClr val="C00000"/>
+                                </a:solidFill>
+                                <a:latin typeface="Cambria Math" panose="02040503050406030204" pitchFamily="18" charset="0"/>
+                              </a:rPr>
+                              <m:t>,</m:t>
+                            </m:r>
+                            <m:r>
+                              <a:rPr lang="en-US" sz="3200" i="1">
+                                <a:solidFill>
+                                  <a:srgbClr val="C00000"/>
+                                </a:solidFill>
+                                <a:latin typeface="Cambria Math" panose="02040503050406030204" pitchFamily="18" charset="0"/>
+                              </a:rPr>
+                              <m:t>𝐶</m:t>
+                            </m:r>
+                          </m:e>
+                        </m:d>
+                      </m:e>
+                    </m:nary>
+                  </m:oMath>
+                </a14:m>
+                <a:endParaRPr lang="en-US" sz="3200" dirty="0">
+                  <a:solidFill>
+                    <a:srgbClr val="C00000"/>
+                  </a:solidFill>
+                </a:endParaRPr>
+              </a:p>
+              <a:p>
+                <a:pPr marL="0" indent="0">
+                  <a:buClr>
+                    <a:schemeClr val="tx1"/>
+                  </a:buClr>
+                  <a:buNone/>
+                </a:pPr>
+                <a14:m>
+                  <m:oMath xmlns:m="http://schemas.openxmlformats.org/officeDocument/2006/math">
+                    <m:r>
+                      <a:rPr lang="en-US" sz="3200" b="0" i="1" smtClean="0">
+                        <a:solidFill>
+                          <a:srgbClr val="C00000"/>
+                        </a:solidFill>
+                        <a:latin typeface="Cambria Math" panose="02040503050406030204" pitchFamily="18" charset="0"/>
+                      </a:rPr>
+                      <m:t>𝑘</m:t>
+                    </m:r>
+                  </m:oMath>
+                </a14:m>
+                <a:r>
+                  <a:rPr lang="en-US" sz="3200" dirty="0"/>
+                  <a:t>-means: </a:t>
+                </a:r>
+                <a14:m>
+                  <m:oMath xmlns:m="http://schemas.openxmlformats.org/officeDocument/2006/math">
+                    <m:r>
+                      <m:rPr>
+                        <m:sty m:val="p"/>
+                      </m:rPr>
+                      <a:rPr lang="en-US" sz="3200">
+                        <a:solidFill>
+                          <a:srgbClr val="C00000"/>
+                        </a:solidFill>
+                        <a:latin typeface="Cambria Math" panose="02040503050406030204" pitchFamily="18" charset="0"/>
+                      </a:rPr>
+                      <m:t>Cost</m:t>
+                    </m:r>
+                    <m:d>
+                      <m:dPr>
+                        <m:ctrlPr>
+                          <a:rPr lang="en-US" sz="3200" i="1">
+                            <a:solidFill>
+                              <a:srgbClr val="C00000"/>
+                            </a:solidFill>
+                            <a:latin typeface="Cambria Math" panose="02040503050406030204" pitchFamily="18" charset="0"/>
+                          </a:rPr>
+                        </m:ctrlPr>
+                      </m:dPr>
+                      <m:e>
+                        <m:r>
+                          <a:rPr lang="en-US" sz="3200" i="1">
+                            <a:solidFill>
+                              <a:srgbClr val="C00000"/>
+                            </a:solidFill>
+                            <a:latin typeface="Cambria Math" panose="02040503050406030204" pitchFamily="18" charset="0"/>
+                          </a:rPr>
+                          <m:t>𝑋</m:t>
+                        </m:r>
+                        <m:r>
+                          <a:rPr lang="en-US" sz="3200" i="1">
+                            <a:solidFill>
+                              <a:srgbClr val="C00000"/>
+                            </a:solidFill>
+                            <a:latin typeface="Cambria Math" panose="02040503050406030204" pitchFamily="18" charset="0"/>
+                          </a:rPr>
+                          <m:t>,</m:t>
+                        </m:r>
+                        <m:r>
+                          <a:rPr lang="en-US" sz="3200" i="1">
+                            <a:solidFill>
+                              <a:srgbClr val="C00000"/>
+                            </a:solidFill>
+                            <a:latin typeface="Cambria Math" panose="02040503050406030204" pitchFamily="18" charset="0"/>
+                          </a:rPr>
+                          <m:t>𝐶</m:t>
+                        </m:r>
+                      </m:e>
+                    </m:d>
+                    <m:r>
+                      <a:rPr lang="en-US" sz="3200" b="0" i="1" smtClean="0">
+                        <a:solidFill>
+                          <a:srgbClr val="C00000"/>
+                        </a:solidFill>
+                        <a:latin typeface="Cambria Math" panose="02040503050406030204" pitchFamily="18" charset="0"/>
+                      </a:rPr>
+                      <m:t>=</m:t>
+                    </m:r>
+                    <m:nary>
+                      <m:naryPr>
+                        <m:chr m:val="∑"/>
+                        <m:supHide m:val="on"/>
+                        <m:ctrlPr>
+                          <a:rPr lang="en-US" sz="3200" b="0" i="1" smtClean="0">
+                            <a:solidFill>
+                              <a:srgbClr val="C00000"/>
+                            </a:solidFill>
+                            <a:latin typeface="Cambria Math" panose="02040503050406030204" pitchFamily="18" charset="0"/>
+                          </a:rPr>
+                        </m:ctrlPr>
+                      </m:naryPr>
+                      <m:sub>
+                        <m:r>
+                          <m:rPr>
+                            <m:brk m:alnAt="7"/>
+                          </m:rPr>
+                          <a:rPr lang="en-US" sz="3200" b="0" i="1" smtClean="0">
+                            <a:solidFill>
+                              <a:srgbClr val="C00000"/>
+                            </a:solidFill>
+                            <a:latin typeface="Cambria Math" panose="02040503050406030204" pitchFamily="18" charset="0"/>
+                          </a:rPr>
+                          <m:t>𝑥</m:t>
+                        </m:r>
+                        <m:r>
+                          <a:rPr lang="en-US" sz="3200" b="0" i="1" smtClean="0">
+                            <a:solidFill>
+                              <a:srgbClr val="C00000"/>
+                            </a:solidFill>
+                            <a:latin typeface="Cambria Math" panose="02040503050406030204" pitchFamily="18" charset="0"/>
+                          </a:rPr>
+                          <m:t>∈</m:t>
+                        </m:r>
+                        <m:r>
+                          <a:rPr lang="en-US" sz="3200" b="0" i="1" smtClean="0">
+                            <a:solidFill>
+                              <a:srgbClr val="C00000"/>
+                            </a:solidFill>
+                            <a:latin typeface="Cambria Math" panose="02040503050406030204" pitchFamily="18" charset="0"/>
+                          </a:rPr>
+                          <m:t>𝑋</m:t>
+                        </m:r>
+                      </m:sub>
+                      <m:sup/>
+                      <m:e>
+                        <m:sSup>
+                          <m:sSupPr>
+                            <m:ctrlPr>
+                              <a:rPr lang="en-US" sz="3200" i="1">
+                                <a:solidFill>
+                                  <a:srgbClr val="C00000"/>
+                                </a:solidFill>
+                                <a:latin typeface="Cambria Math" panose="02040503050406030204" pitchFamily="18" charset="0"/>
+                              </a:rPr>
+                            </m:ctrlPr>
+                          </m:sSupPr>
+                          <m:e>
+                            <m:d>
+                              <m:dPr>
+                                <m:ctrlPr>
+                                  <a:rPr lang="en-US" sz="3200" i="1">
+                                    <a:solidFill>
+                                      <a:srgbClr val="C00000"/>
+                                    </a:solidFill>
+                                    <a:latin typeface="Cambria Math" panose="02040503050406030204" pitchFamily="18" charset="0"/>
+                                  </a:rPr>
+                                </m:ctrlPr>
+                              </m:dPr>
+                              <m:e>
+                                <m:r>
+                                  <m:rPr>
+                                    <m:sty m:val="p"/>
+                                  </m:rPr>
+                                  <a:rPr lang="en-US" sz="3200">
+                                    <a:solidFill>
+                                      <a:srgbClr val="C00000"/>
+                                    </a:solidFill>
+                                    <a:latin typeface="Cambria Math" panose="02040503050406030204" pitchFamily="18" charset="0"/>
+                                  </a:rPr>
+                                  <m:t>dist</m:t>
+                                </m:r>
+                                <m:d>
+                                  <m:dPr>
+                                    <m:ctrlPr>
+                                      <a:rPr lang="en-US" sz="3200" i="1">
+                                        <a:solidFill>
+                                          <a:srgbClr val="C00000"/>
+                                        </a:solidFill>
+                                        <a:latin typeface="Cambria Math" panose="02040503050406030204" pitchFamily="18" charset="0"/>
+                                      </a:rPr>
+                                    </m:ctrlPr>
+                                  </m:dPr>
+                                  <m:e>
+                                    <m:r>
+                                      <a:rPr lang="en-US" sz="3200" i="1">
+                                        <a:solidFill>
+                                          <a:srgbClr val="C00000"/>
+                                        </a:solidFill>
+                                        <a:latin typeface="Cambria Math" panose="02040503050406030204" pitchFamily="18" charset="0"/>
+                                      </a:rPr>
+                                      <m:t>𝑥</m:t>
+                                    </m:r>
+                                    <m:r>
+                                      <a:rPr lang="en-US" sz="3200" i="1">
+                                        <a:solidFill>
+                                          <a:srgbClr val="C00000"/>
+                                        </a:solidFill>
+                                        <a:latin typeface="Cambria Math" panose="02040503050406030204" pitchFamily="18" charset="0"/>
+                                      </a:rPr>
+                                      <m:t>,</m:t>
+                                    </m:r>
+                                    <m:r>
+                                      <a:rPr lang="en-US" sz="3200" i="1">
+                                        <a:solidFill>
+                                          <a:srgbClr val="C00000"/>
+                                        </a:solidFill>
+                                        <a:latin typeface="Cambria Math" panose="02040503050406030204" pitchFamily="18" charset="0"/>
+                                      </a:rPr>
+                                      <m:t>𝐶</m:t>
+                                    </m:r>
+                                  </m:e>
+                                </m:d>
+                              </m:e>
+                            </m:d>
+                          </m:e>
+                          <m:sup>
+                            <m:r>
+                              <a:rPr lang="en-US" sz="3200" i="1" smtClean="0">
+                                <a:solidFill>
+                                  <a:srgbClr val="C00000"/>
+                                </a:solidFill>
+                                <a:latin typeface="Cambria Math" panose="02040503050406030204" pitchFamily="18" charset="0"/>
+                              </a:rPr>
+                              <m:t>2</m:t>
+                            </m:r>
+                          </m:sup>
+                        </m:sSup>
+                      </m:e>
+                    </m:nary>
+                  </m:oMath>
+                </a14:m>
+                <a:endParaRPr lang="en-US" sz="3200" dirty="0"/>
+              </a:p>
+              <a:p>
+                <a:pPr marL="0" indent="0">
+                  <a:buClr>
+                    <a:schemeClr val="tx1"/>
+                  </a:buClr>
+                  <a:buNone/>
+                </a:pPr>
+                <a14:m>
+                  <m:oMath xmlns:m="http://schemas.openxmlformats.org/officeDocument/2006/math">
+                    <m:r>
+                      <a:rPr lang="en-US" sz="3200" b="0" i="1" smtClean="0">
+                        <a:solidFill>
+                          <a:srgbClr val="C00000"/>
+                        </a:solidFill>
+                        <a:latin typeface="Cambria Math" panose="02040503050406030204" pitchFamily="18" charset="0"/>
+                      </a:rPr>
+                      <m:t>(</m:t>
+                    </m:r>
+                    <m:r>
+                      <a:rPr lang="en-US" sz="3200" b="0" i="1" smtClean="0">
+                        <a:solidFill>
+                          <a:srgbClr val="C00000"/>
+                        </a:solidFill>
+                        <a:latin typeface="Cambria Math" panose="02040503050406030204" pitchFamily="18" charset="0"/>
+                      </a:rPr>
+                      <m:t>𝑘</m:t>
+                    </m:r>
+                    <m:r>
+                      <a:rPr lang="en-US" sz="3200" b="0" i="1" smtClean="0">
+                        <a:solidFill>
+                          <a:srgbClr val="C00000"/>
+                        </a:solidFill>
+                        <a:latin typeface="Cambria Math" panose="02040503050406030204" pitchFamily="18" charset="0"/>
+                      </a:rPr>
+                      <m:t>,</m:t>
+                    </m:r>
+                    <m:r>
+                      <a:rPr lang="en-US" sz="3200" b="0" i="1" smtClean="0">
+                        <a:solidFill>
+                          <a:srgbClr val="C00000"/>
+                        </a:solidFill>
+                        <a:latin typeface="Cambria Math" panose="02040503050406030204" pitchFamily="18" charset="0"/>
+                      </a:rPr>
+                      <m:t>𝑧</m:t>
+                    </m:r>
+                    <m:r>
+                      <a:rPr lang="en-US" sz="3200" b="0" i="1" smtClean="0">
+                        <a:solidFill>
+                          <a:srgbClr val="C00000"/>
+                        </a:solidFill>
+                        <a:latin typeface="Cambria Math" panose="02040503050406030204" pitchFamily="18" charset="0"/>
+                      </a:rPr>
+                      <m:t>)</m:t>
+                    </m:r>
+                  </m:oMath>
+                </a14:m>
+                <a:r>
+                  <a:rPr lang="en-US" sz="3200" dirty="0"/>
+                  <a:t>-clustering: </a:t>
+                </a:r>
+                <a14:m>
+                  <m:oMath xmlns:m="http://schemas.openxmlformats.org/officeDocument/2006/math">
+                    <m:r>
+                      <m:rPr>
+                        <m:sty m:val="p"/>
+                      </m:rPr>
+                      <a:rPr lang="en-US" sz="3200">
+                        <a:solidFill>
+                          <a:srgbClr val="C00000"/>
+                        </a:solidFill>
+                        <a:latin typeface="Cambria Math" panose="02040503050406030204" pitchFamily="18" charset="0"/>
+                      </a:rPr>
+                      <m:t>Cost</m:t>
+                    </m:r>
+                    <m:d>
+                      <m:dPr>
+                        <m:ctrlPr>
+                          <a:rPr lang="en-US" sz="3200" i="1">
+                            <a:solidFill>
+                              <a:srgbClr val="C00000"/>
+                            </a:solidFill>
+                            <a:latin typeface="Cambria Math" panose="02040503050406030204" pitchFamily="18" charset="0"/>
+                          </a:rPr>
+                        </m:ctrlPr>
+                      </m:dPr>
+                      <m:e>
+                        <m:r>
+                          <a:rPr lang="en-US" sz="3200" i="1">
+                            <a:solidFill>
+                              <a:srgbClr val="C00000"/>
+                            </a:solidFill>
+                            <a:latin typeface="Cambria Math" panose="02040503050406030204" pitchFamily="18" charset="0"/>
+                          </a:rPr>
+                          <m:t>𝑋</m:t>
+                        </m:r>
+                        <m:r>
+                          <a:rPr lang="en-US" sz="3200" i="1">
+                            <a:solidFill>
+                              <a:srgbClr val="C00000"/>
+                            </a:solidFill>
+                            <a:latin typeface="Cambria Math" panose="02040503050406030204" pitchFamily="18" charset="0"/>
+                          </a:rPr>
+                          <m:t>,</m:t>
+                        </m:r>
+                        <m:r>
+                          <a:rPr lang="en-US" sz="3200" i="1">
+                            <a:solidFill>
+                              <a:srgbClr val="C00000"/>
+                            </a:solidFill>
+                            <a:latin typeface="Cambria Math" panose="02040503050406030204" pitchFamily="18" charset="0"/>
+                          </a:rPr>
+                          <m:t>𝐶</m:t>
+                        </m:r>
+                      </m:e>
+                    </m:d>
+                    <m:r>
+                      <a:rPr lang="en-US" sz="3200" b="0" i="1" smtClean="0">
+                        <a:solidFill>
+                          <a:srgbClr val="C00000"/>
+                        </a:solidFill>
+                        <a:latin typeface="Cambria Math" panose="02040503050406030204" pitchFamily="18" charset="0"/>
+                      </a:rPr>
+                      <m:t>=</m:t>
+                    </m:r>
+                    <m:nary>
+                      <m:naryPr>
+                        <m:chr m:val="∑"/>
+                        <m:supHide m:val="on"/>
+                        <m:ctrlPr>
+                          <a:rPr lang="en-US" sz="3200" b="0" i="1" smtClean="0">
+                            <a:solidFill>
+                              <a:srgbClr val="C00000"/>
+                            </a:solidFill>
+                            <a:latin typeface="Cambria Math" panose="02040503050406030204" pitchFamily="18" charset="0"/>
+                          </a:rPr>
+                        </m:ctrlPr>
+                      </m:naryPr>
+                      <m:sub>
+                        <m:r>
+                          <m:rPr>
+                            <m:brk m:alnAt="7"/>
+                          </m:rPr>
+                          <a:rPr lang="en-US" sz="3200" b="0" i="1" smtClean="0">
+                            <a:solidFill>
+                              <a:srgbClr val="C00000"/>
+                            </a:solidFill>
+                            <a:latin typeface="Cambria Math" panose="02040503050406030204" pitchFamily="18" charset="0"/>
+                          </a:rPr>
+                          <m:t>𝑥</m:t>
+                        </m:r>
+                        <m:r>
+                          <a:rPr lang="en-US" sz="3200" b="0" i="1" smtClean="0">
+                            <a:solidFill>
+                              <a:srgbClr val="C00000"/>
+                            </a:solidFill>
+                            <a:latin typeface="Cambria Math" panose="02040503050406030204" pitchFamily="18" charset="0"/>
+                          </a:rPr>
+                          <m:t>∈</m:t>
+                        </m:r>
+                        <m:r>
+                          <a:rPr lang="en-US" sz="3200" b="0" i="1" smtClean="0">
+                            <a:solidFill>
+                              <a:srgbClr val="C00000"/>
+                            </a:solidFill>
+                            <a:latin typeface="Cambria Math" panose="02040503050406030204" pitchFamily="18" charset="0"/>
+                          </a:rPr>
+                          <m:t>𝑋</m:t>
+                        </m:r>
+                      </m:sub>
+                      <m:sup/>
+                      <m:e>
+                        <m:sSup>
+                          <m:sSupPr>
+                            <m:ctrlPr>
+                              <a:rPr lang="en-US" sz="3200" i="1">
+                                <a:solidFill>
+                                  <a:srgbClr val="C00000"/>
+                                </a:solidFill>
+                                <a:latin typeface="Cambria Math" panose="02040503050406030204" pitchFamily="18" charset="0"/>
+                              </a:rPr>
+                            </m:ctrlPr>
+                          </m:sSupPr>
+                          <m:e>
+                            <m:d>
+                              <m:dPr>
+                                <m:ctrlPr>
+                                  <a:rPr lang="en-US" sz="3200" i="1">
+                                    <a:solidFill>
+                                      <a:srgbClr val="C00000"/>
+                                    </a:solidFill>
+                                    <a:latin typeface="Cambria Math" panose="02040503050406030204" pitchFamily="18" charset="0"/>
+                                  </a:rPr>
+                                </m:ctrlPr>
+                              </m:dPr>
+                              <m:e>
+                                <m:r>
+                                  <m:rPr>
+                                    <m:sty m:val="p"/>
+                                  </m:rPr>
+                                  <a:rPr lang="en-US" sz="3200">
+                                    <a:solidFill>
+                                      <a:srgbClr val="C00000"/>
+                                    </a:solidFill>
+                                    <a:latin typeface="Cambria Math" panose="02040503050406030204" pitchFamily="18" charset="0"/>
+                                  </a:rPr>
+                                  <m:t>dist</m:t>
+                                </m:r>
+                                <m:d>
+                                  <m:dPr>
+                                    <m:ctrlPr>
+                                      <a:rPr lang="en-US" sz="3200" i="1">
+                                        <a:solidFill>
+                                          <a:srgbClr val="C00000"/>
+                                        </a:solidFill>
+                                        <a:latin typeface="Cambria Math" panose="02040503050406030204" pitchFamily="18" charset="0"/>
+                                      </a:rPr>
+                                    </m:ctrlPr>
+                                  </m:dPr>
+                                  <m:e>
+                                    <m:r>
+                                      <a:rPr lang="en-US" sz="3200" i="1">
+                                        <a:solidFill>
+                                          <a:srgbClr val="C00000"/>
+                                        </a:solidFill>
+                                        <a:latin typeface="Cambria Math" panose="02040503050406030204" pitchFamily="18" charset="0"/>
+                                      </a:rPr>
+                                      <m:t>𝑥</m:t>
+                                    </m:r>
+                                    <m:r>
+                                      <a:rPr lang="en-US" sz="3200" i="1">
+                                        <a:solidFill>
+                                          <a:srgbClr val="C00000"/>
+                                        </a:solidFill>
+                                        <a:latin typeface="Cambria Math" panose="02040503050406030204" pitchFamily="18" charset="0"/>
+                                      </a:rPr>
+                                      <m:t>,</m:t>
+                                    </m:r>
+                                    <m:r>
+                                      <a:rPr lang="en-US" sz="3200" i="1">
+                                        <a:solidFill>
+                                          <a:srgbClr val="C00000"/>
+                                        </a:solidFill>
+                                        <a:latin typeface="Cambria Math" panose="02040503050406030204" pitchFamily="18" charset="0"/>
+                                      </a:rPr>
+                                      <m:t>𝐶</m:t>
+                                    </m:r>
+                                  </m:e>
+                                </m:d>
+                              </m:e>
+                            </m:d>
+                          </m:e>
+                          <m:sup>
+                            <m:r>
+                              <a:rPr lang="en-US" sz="3200" b="0" i="1" smtClean="0">
+                                <a:solidFill>
+                                  <a:srgbClr val="C00000"/>
+                                </a:solidFill>
+                                <a:latin typeface="Cambria Math" panose="02040503050406030204" pitchFamily="18" charset="0"/>
+                              </a:rPr>
+                              <m:t>𝑧</m:t>
+                            </m:r>
+                          </m:sup>
+                        </m:sSup>
+                      </m:e>
+                    </m:nary>
+                  </m:oMath>
+                </a14:m>
+                <a:endParaRPr lang="en-US" sz="3200" dirty="0"/>
+              </a:p>
+              <a:p>
+                <a:pPr marL="0" indent="0">
+                  <a:buClr>
+                    <a:schemeClr val="tx1"/>
+                  </a:buClr>
+                  <a:buNone/>
+                </a:pPr>
+                <a:endParaRPr lang="en-US" sz="3200" dirty="0"/>
+              </a:p>
+              <a:p>
+                <a:pPr marL="0" indent="0">
+                  <a:buClr>
+                    <a:schemeClr val="tx1"/>
+                  </a:buClr>
+                  <a:buNone/>
+                </a:pPr>
+                <a:r>
+                  <a:rPr lang="en-US" sz="3200" dirty="0">
+                    <a:solidFill>
+                      <a:srgbClr val="00B050"/>
+                    </a:solidFill>
+                  </a:rPr>
+                  <a:t>Goal</a:t>
+                </a:r>
+                <a:r>
+                  <a:rPr lang="en-US" sz="3200" dirty="0"/>
+                  <a:t>: Find a set </a:t>
+                </a:r>
+                <a14:m>
+                  <m:oMath xmlns:m="http://schemas.openxmlformats.org/officeDocument/2006/math">
+                    <m:r>
+                      <a:rPr lang="en-US" sz="3200" i="1" smtClean="0">
+                        <a:solidFill>
+                          <a:srgbClr val="C00000"/>
+                        </a:solidFill>
+                        <a:latin typeface="Cambria Math" panose="02040503050406030204" pitchFamily="18" charset="0"/>
+                      </a:rPr>
+                      <m:t>𝐶</m:t>
+                    </m:r>
+                  </m:oMath>
+                </a14:m>
+                <a:r>
+                  <a:rPr lang="en-US" sz="3200" dirty="0"/>
+                  <a:t> of </a:t>
+                </a:r>
+                <a14:m>
+                  <m:oMath xmlns:m="http://schemas.openxmlformats.org/officeDocument/2006/math">
+                    <m:r>
+                      <a:rPr lang="en-US" sz="3200" b="0" i="1" smtClean="0">
+                        <a:solidFill>
+                          <a:srgbClr val="C00000"/>
+                        </a:solidFill>
+                        <a:latin typeface="Cambria Math" panose="02040503050406030204" pitchFamily="18" charset="0"/>
+                      </a:rPr>
+                      <m:t>𝑘</m:t>
+                    </m:r>
+                  </m:oMath>
+                </a14:m>
+                <a:r>
+                  <a:rPr lang="en-US" sz="3200" dirty="0"/>
+                  <a:t> centers that achieves a </a:t>
+                </a:r>
+                <a14:m>
+                  <m:oMath xmlns:m="http://schemas.openxmlformats.org/officeDocument/2006/math">
+                    <m:d>
+                      <m:dPr>
+                        <m:ctrlPr>
+                          <a:rPr lang="en-US" sz="3200" b="0" i="1" smtClean="0">
+                            <a:solidFill>
+                              <a:srgbClr val="C00000"/>
+                            </a:solidFill>
+                            <a:latin typeface="Cambria Math" panose="02040503050406030204" pitchFamily="18" charset="0"/>
+                          </a:rPr>
+                        </m:ctrlPr>
+                      </m:dPr>
+                      <m:e>
+                        <m:r>
+                          <a:rPr lang="en-US" sz="3200" b="0" i="1" smtClean="0">
+                            <a:solidFill>
+                              <a:srgbClr val="C00000"/>
+                            </a:solidFill>
+                            <a:latin typeface="Cambria Math" panose="02040503050406030204" pitchFamily="18" charset="0"/>
+                          </a:rPr>
+                          <m:t>1+</m:t>
+                        </m:r>
+                        <m:r>
+                          <a:rPr lang="en-US" sz="3200" b="0" i="1" smtClean="0">
+                            <a:solidFill>
+                              <a:srgbClr val="C00000"/>
+                            </a:solidFill>
+                            <a:latin typeface="Cambria Math" panose="02040503050406030204" pitchFamily="18" charset="0"/>
+                          </a:rPr>
+                          <m:t>𝜀</m:t>
+                        </m:r>
+                      </m:e>
+                    </m:d>
+                  </m:oMath>
+                </a14:m>
+                <a:r>
+                  <a:rPr lang="en-US" sz="3200" dirty="0"/>
+                  <a:t>-approximation to </a:t>
+                </a:r>
+              </a:p>
+              <a:p>
+                <a:pPr marL="0" indent="0">
+                  <a:buClr>
+                    <a:schemeClr val="tx1"/>
+                  </a:buClr>
+                  <a:buNone/>
+                </a:pPr>
+                <a:endParaRPr lang="en-US" sz="3200" dirty="0"/>
+              </a:p>
+            </p:txBody>
+          </p:sp>
+        </mc:Choice>
+        <mc:Fallback xmlns="">
+          <p:sp>
+            <p:nvSpPr>
+              <p:cNvPr id="3" name="Content Placeholder 3">
+                <a:extLst>
+                  <a:ext uri="{FF2B5EF4-FFF2-40B4-BE49-F238E27FC236}">
+                    <a16:creationId xmlns:a16="http://schemas.microsoft.com/office/drawing/2014/main" id="{1CCBE68A-7706-4EBA-1BEC-882286515D0A}"/>
+                  </a:ext>
+                </a:extLst>
+              </p:cNvPr>
+              <p:cNvSpPr txBox="1">
+                <a:spLocks noRot="1" noChangeAspect="1" noMove="1" noResize="1" noEditPoints="1" noAdjustHandles="1" noChangeArrowheads="1" noChangeShapeType="1" noTextEdit="1"/>
+              </p:cNvSpPr>
+              <p:nvPr/>
+            </p:nvSpPr>
+            <p:spPr>
+              <a:xfrm>
+                <a:off x="986246" y="4470971"/>
+                <a:ext cx="10515600" cy="11478495"/>
+              </a:xfrm>
+              <a:prstGeom prst="rect">
+                <a:avLst/>
+              </a:prstGeom>
+              <a:blipFill>
+                <a:blip r:embed="rId8"/>
+                <a:stretch>
+                  <a:fillRect l="-1507" t="-1062"/>
+                </a:stretch>
+              </a:blipFill>
+            </p:spPr>
+            <p:txBody>
+              <a:bodyPr/>
+              <a:lstStyle/>
+              <a:p>
+                <a:r>
+                  <a:rPr lang="en-US">
+                    <a:noFill/>
+                  </a:rPr>
+                  <a:t> </a:t>
+                </a:r>
+              </a:p>
+            </p:txBody>
+          </p:sp>
+        </mc:Fallback>
+      </mc:AlternateContent>
+      <mc:AlternateContent xmlns:mc="http://schemas.openxmlformats.org/markup-compatibility/2006" xmlns:a14="http://schemas.microsoft.com/office/drawing/2010/main">
+        <mc:Choice Requires="a14">
+          <p:sp>
+            <p:nvSpPr>
+              <p:cNvPr id="4" name="TextBox 3">
+                <a:extLst>
+                  <a:ext uri="{FF2B5EF4-FFF2-40B4-BE49-F238E27FC236}">
+                    <a16:creationId xmlns:a16="http://schemas.microsoft.com/office/drawing/2014/main" id="{8DCCB362-5940-2517-D6D9-6B8A9C0476B3}"/>
+                  </a:ext>
+                </a:extLst>
+              </p:cNvPr>
+              <p:cNvSpPr txBox="1"/>
+              <p:nvPr/>
+            </p:nvSpPr>
+            <p:spPr>
+              <a:xfrm>
+                <a:off x="2974379" y="8822077"/>
+                <a:ext cx="6094602" cy="584775"/>
+              </a:xfrm>
+              <a:prstGeom prst="rect">
+                <a:avLst/>
+              </a:prstGeom>
+              <a:noFill/>
+            </p:spPr>
+            <p:txBody>
+              <a:bodyPr wrap="square">
+                <a:spAutoFit/>
+              </a:bodyPr>
+              <a:lstStyle/>
+              <a:p>
+                <a:pPr/>
+                <a14:m>
+                  <m:oMathPara xmlns:m="http://schemas.openxmlformats.org/officeDocument/2006/math">
+                    <m:oMathParaPr>
+                      <m:jc m:val="centerGroup"/>
+                    </m:oMathParaPr>
+                    <m:oMath xmlns:m="http://schemas.openxmlformats.org/officeDocument/2006/math">
+                      <m:r>
+                        <a:rPr lang="en-US" sz="3200" b="0" i="1" smtClean="0">
+                          <a:solidFill>
+                            <a:srgbClr val="C00000"/>
+                          </a:solidFill>
+                          <a:latin typeface="Cambria Math" panose="02040503050406030204" pitchFamily="18" charset="0"/>
+                        </a:rPr>
+                        <m:t>𝑘</m:t>
+                      </m:r>
+                      <m:r>
+                        <a:rPr lang="en-US" sz="3200" b="0" i="1" smtClean="0">
+                          <a:solidFill>
+                            <a:srgbClr val="C00000"/>
+                          </a:solidFill>
+                          <a:latin typeface="Cambria Math" panose="02040503050406030204" pitchFamily="18" charset="0"/>
+                        </a:rPr>
+                        <m:t>=3</m:t>
+                      </m:r>
+                    </m:oMath>
+                  </m:oMathPara>
+                </a14:m>
+                <a:endParaRPr lang="en-US" sz="3200" dirty="0"/>
+              </a:p>
+            </p:txBody>
+          </p:sp>
+        </mc:Choice>
+        <mc:Fallback xmlns="">
+          <p:sp>
+            <p:nvSpPr>
+              <p:cNvPr id="4" name="TextBox 3">
+                <a:extLst>
+                  <a:ext uri="{FF2B5EF4-FFF2-40B4-BE49-F238E27FC236}">
+                    <a16:creationId xmlns:a16="http://schemas.microsoft.com/office/drawing/2014/main" id="{8DCCB362-5940-2517-D6D9-6B8A9C0476B3}"/>
+                  </a:ext>
+                </a:extLst>
+              </p:cNvPr>
+              <p:cNvSpPr txBox="1">
+                <a:spLocks noRot="1" noChangeAspect="1" noMove="1" noResize="1" noEditPoints="1" noAdjustHandles="1" noChangeArrowheads="1" noChangeShapeType="1" noTextEdit="1"/>
+              </p:cNvSpPr>
+              <p:nvPr/>
+            </p:nvSpPr>
+            <p:spPr>
+              <a:xfrm>
+                <a:off x="2974379" y="8822077"/>
+                <a:ext cx="6094602" cy="584775"/>
+              </a:xfrm>
+              <a:prstGeom prst="rect">
+                <a:avLst/>
+              </a:prstGeom>
+              <a:blipFill>
+                <a:blip r:embed="rId9"/>
+                <a:stretch>
+                  <a:fillRect/>
+                </a:stretch>
+              </a:blipFill>
+            </p:spPr>
+            <p:txBody>
+              <a:bodyPr/>
+              <a:lstStyle/>
+              <a:p>
+                <a:r>
+                  <a:rPr lang="en-US">
+                    <a:noFill/>
+                  </a:rPr>
+                  <a:t> </a:t>
+                </a:r>
+              </a:p>
+            </p:txBody>
+          </p:sp>
+        </mc:Fallback>
+      </mc:AlternateContent>
+      <p:sp>
+        <p:nvSpPr>
+          <p:cNvPr id="5" name="Oval 4">
+            <a:extLst>
+              <a:ext uri="{FF2B5EF4-FFF2-40B4-BE49-F238E27FC236}">
+                <a16:creationId xmlns:a16="http://schemas.microsoft.com/office/drawing/2014/main" id="{1DE20050-C004-060A-DD5B-C2DBE82C5F46}"/>
+              </a:ext>
+            </a:extLst>
+          </p:cNvPr>
+          <p:cNvSpPr/>
+          <p:nvPr/>
+        </p:nvSpPr>
+        <p:spPr>
+          <a:xfrm>
+            <a:off x="9207119" y="11729020"/>
+            <a:ext cx="159390" cy="156970"/>
+          </a:xfrm>
+          <a:prstGeom prst="ellipse">
+            <a:avLst/>
+          </a:prstGeom>
+          <a:solidFill>
+            <a:schemeClr val="accent4">
+              <a:lumMod val="40000"/>
+              <a:lumOff val="60000"/>
+            </a:schemeClr>
+          </a:solidFill>
+          <a:ln w="28575">
+            <a:solidFill>
+              <a:schemeClr val="tx1"/>
+            </a:solidFill>
+          </a:ln>
+        </p:spPr>
+        <p:style>
+          <a:lnRef idx="2">
+            <a:schemeClr val="accent1">
+              <a:shade val="15000"/>
+            </a:schemeClr>
+          </a:lnRef>
+          <a:fillRef idx="1">
+            <a:schemeClr val="accent1"/>
+          </a:fillRef>
+          <a:effectRef idx="0">
+            <a:schemeClr val="accent1"/>
+          </a:effectRef>
+          <a:fontRef idx="minor">
+            <a:schemeClr val="lt1"/>
+          </a:fontRef>
+        </p:style>
+        <p:txBody>
+          <a:bodyPr rtlCol="0" anchor="ctr"/>
+          <a:lstStyle/>
+          <a:p>
+            <a:pPr algn="ctr"/>
+            <a:endParaRPr lang="en-US"/>
+          </a:p>
+        </p:txBody>
+      </p:sp>
+      <p:sp>
+        <p:nvSpPr>
+          <p:cNvPr id="8" name="Oval 7">
+            <a:extLst>
+              <a:ext uri="{FF2B5EF4-FFF2-40B4-BE49-F238E27FC236}">
+                <a16:creationId xmlns:a16="http://schemas.microsoft.com/office/drawing/2014/main" id="{F0A29EBE-DB07-BFA1-61FB-65164302D7FA}"/>
+              </a:ext>
+            </a:extLst>
+          </p:cNvPr>
+          <p:cNvSpPr/>
+          <p:nvPr/>
+        </p:nvSpPr>
+        <p:spPr>
+          <a:xfrm>
+            <a:off x="8652953" y="11062662"/>
+            <a:ext cx="159390" cy="156970"/>
+          </a:xfrm>
+          <a:prstGeom prst="ellipse">
+            <a:avLst/>
+          </a:prstGeom>
+          <a:solidFill>
+            <a:schemeClr val="accent4">
+              <a:lumMod val="40000"/>
+              <a:lumOff val="60000"/>
+            </a:schemeClr>
+          </a:solidFill>
+          <a:ln w="28575">
+            <a:solidFill>
+              <a:schemeClr val="tx1"/>
+            </a:solidFill>
+          </a:ln>
+        </p:spPr>
+        <p:style>
+          <a:lnRef idx="2">
+            <a:schemeClr val="accent1">
+              <a:shade val="15000"/>
+            </a:schemeClr>
+          </a:lnRef>
+          <a:fillRef idx="1">
+            <a:schemeClr val="accent1"/>
+          </a:fillRef>
+          <a:effectRef idx="0">
+            <a:schemeClr val="accent1"/>
+          </a:effectRef>
+          <a:fontRef idx="minor">
+            <a:schemeClr val="lt1"/>
+          </a:fontRef>
+        </p:style>
+        <p:txBody>
+          <a:bodyPr rtlCol="0" anchor="ctr"/>
+          <a:lstStyle/>
+          <a:p>
+            <a:pPr algn="ctr"/>
+            <a:endParaRPr lang="en-US"/>
+          </a:p>
+        </p:txBody>
+      </p:sp>
+      <p:sp>
+        <p:nvSpPr>
+          <p:cNvPr id="9" name="Oval 8">
+            <a:extLst>
+              <a:ext uri="{FF2B5EF4-FFF2-40B4-BE49-F238E27FC236}">
+                <a16:creationId xmlns:a16="http://schemas.microsoft.com/office/drawing/2014/main" id="{C65328FC-6396-5BC5-7D63-5B3CEC3A6BBE}"/>
+              </a:ext>
+            </a:extLst>
+          </p:cNvPr>
+          <p:cNvSpPr/>
+          <p:nvPr/>
+        </p:nvSpPr>
+        <p:spPr>
+          <a:xfrm>
+            <a:off x="10445831" y="13155715"/>
+            <a:ext cx="159390" cy="156970"/>
+          </a:xfrm>
+          <a:prstGeom prst="ellipse">
+            <a:avLst/>
+          </a:prstGeom>
+          <a:solidFill>
+            <a:schemeClr val="accent4">
+              <a:lumMod val="40000"/>
+              <a:lumOff val="60000"/>
+            </a:schemeClr>
+          </a:solidFill>
+          <a:ln w="28575">
+            <a:solidFill>
+              <a:schemeClr val="tx1"/>
+            </a:solidFill>
+          </a:ln>
+        </p:spPr>
+        <p:style>
+          <a:lnRef idx="2">
+            <a:schemeClr val="accent1">
+              <a:shade val="15000"/>
+            </a:schemeClr>
+          </a:lnRef>
+          <a:fillRef idx="1">
+            <a:schemeClr val="accent1"/>
+          </a:fillRef>
+          <a:effectRef idx="0">
+            <a:schemeClr val="accent1"/>
+          </a:effectRef>
+          <a:fontRef idx="minor">
+            <a:schemeClr val="lt1"/>
+          </a:fontRef>
+        </p:style>
+        <p:txBody>
+          <a:bodyPr rtlCol="0" anchor="ctr"/>
+          <a:lstStyle/>
+          <a:p>
+            <a:pPr algn="ctr"/>
+            <a:endParaRPr lang="en-US"/>
+          </a:p>
+        </p:txBody>
+      </p:sp>
+      <p:sp>
+        <p:nvSpPr>
+          <p:cNvPr id="10" name="Oval 9">
+            <a:extLst>
+              <a:ext uri="{FF2B5EF4-FFF2-40B4-BE49-F238E27FC236}">
+                <a16:creationId xmlns:a16="http://schemas.microsoft.com/office/drawing/2014/main" id="{8303D05B-673E-CDDD-B3D6-2CF0E9DEEDAB}"/>
+              </a:ext>
+            </a:extLst>
+          </p:cNvPr>
+          <p:cNvSpPr/>
+          <p:nvPr/>
+        </p:nvSpPr>
+        <p:spPr>
+          <a:xfrm>
+            <a:off x="9366509" y="10463331"/>
+            <a:ext cx="159390" cy="156970"/>
+          </a:xfrm>
+          <a:prstGeom prst="ellipse">
+            <a:avLst/>
+          </a:prstGeom>
+          <a:solidFill>
+            <a:schemeClr val="accent4">
+              <a:lumMod val="40000"/>
+              <a:lumOff val="60000"/>
+            </a:schemeClr>
+          </a:solidFill>
+          <a:ln w="28575">
+            <a:solidFill>
+              <a:schemeClr val="tx1"/>
+            </a:solidFill>
+          </a:ln>
+        </p:spPr>
+        <p:style>
+          <a:lnRef idx="2">
+            <a:schemeClr val="accent1">
+              <a:shade val="15000"/>
+            </a:schemeClr>
+          </a:lnRef>
+          <a:fillRef idx="1">
+            <a:schemeClr val="accent1"/>
+          </a:fillRef>
+          <a:effectRef idx="0">
+            <a:schemeClr val="accent1"/>
+          </a:effectRef>
+          <a:fontRef idx="minor">
+            <a:schemeClr val="lt1"/>
+          </a:fontRef>
+        </p:style>
+        <p:txBody>
+          <a:bodyPr rtlCol="0" anchor="ctr"/>
+          <a:lstStyle/>
+          <a:p>
+            <a:pPr algn="ctr"/>
+            <a:endParaRPr lang="en-US"/>
+          </a:p>
+        </p:txBody>
+      </p:sp>
+      <p:sp>
+        <p:nvSpPr>
+          <p:cNvPr id="11" name="Oval 10">
+            <a:extLst>
+              <a:ext uri="{FF2B5EF4-FFF2-40B4-BE49-F238E27FC236}">
+                <a16:creationId xmlns:a16="http://schemas.microsoft.com/office/drawing/2014/main" id="{FB0BDEFC-C94D-41B3-B627-70CCD048DBCB}"/>
+              </a:ext>
+            </a:extLst>
+          </p:cNvPr>
+          <p:cNvSpPr/>
+          <p:nvPr/>
+        </p:nvSpPr>
+        <p:spPr>
+          <a:xfrm>
+            <a:off x="10414322" y="9678179"/>
+            <a:ext cx="159390" cy="156970"/>
+          </a:xfrm>
+          <a:prstGeom prst="ellipse">
+            <a:avLst/>
+          </a:prstGeom>
+          <a:solidFill>
+            <a:schemeClr val="accent4">
+              <a:lumMod val="40000"/>
+              <a:lumOff val="60000"/>
+            </a:schemeClr>
+          </a:solidFill>
+          <a:ln w="28575">
+            <a:solidFill>
+              <a:schemeClr val="tx1"/>
+            </a:solidFill>
+          </a:ln>
+        </p:spPr>
+        <p:style>
+          <a:lnRef idx="2">
+            <a:schemeClr val="accent1">
+              <a:shade val="15000"/>
+            </a:schemeClr>
+          </a:lnRef>
+          <a:fillRef idx="1">
+            <a:schemeClr val="accent1"/>
+          </a:fillRef>
+          <a:effectRef idx="0">
+            <a:schemeClr val="accent1"/>
+          </a:effectRef>
+          <a:fontRef idx="minor">
+            <a:schemeClr val="lt1"/>
+          </a:fontRef>
+        </p:style>
+        <p:txBody>
+          <a:bodyPr rtlCol="0" anchor="ctr"/>
+          <a:lstStyle/>
+          <a:p>
+            <a:pPr algn="ctr"/>
+            <a:endParaRPr lang="en-US"/>
+          </a:p>
+        </p:txBody>
+      </p:sp>
+      <p:sp>
+        <p:nvSpPr>
+          <p:cNvPr id="12" name="Isosceles Triangle 11">
+            <a:extLst>
+              <a:ext uri="{FF2B5EF4-FFF2-40B4-BE49-F238E27FC236}">
+                <a16:creationId xmlns:a16="http://schemas.microsoft.com/office/drawing/2014/main" id="{892E13A7-3097-7128-BB31-AED93A5079C3}"/>
+              </a:ext>
+            </a:extLst>
+          </p:cNvPr>
+          <p:cNvSpPr/>
+          <p:nvPr/>
+        </p:nvSpPr>
+        <p:spPr>
+          <a:xfrm>
+            <a:off x="10239526" y="11022397"/>
+            <a:ext cx="254491" cy="190648"/>
+          </a:xfrm>
+          <a:prstGeom prst="triangle">
+            <a:avLst/>
+          </a:prstGeom>
+          <a:solidFill>
+            <a:srgbClr val="7030A0"/>
+          </a:solidFill>
+          <a:ln w="38100">
+            <a:solidFill>
+              <a:schemeClr val="tx1"/>
+            </a:solidFill>
+          </a:ln>
+        </p:spPr>
+        <p:style>
+          <a:lnRef idx="2">
+            <a:schemeClr val="accent1">
+              <a:shade val="15000"/>
+            </a:schemeClr>
+          </a:lnRef>
+          <a:fillRef idx="1">
+            <a:schemeClr val="accent1"/>
+          </a:fillRef>
+          <a:effectRef idx="0">
+            <a:schemeClr val="accent1"/>
+          </a:effectRef>
+          <a:fontRef idx="minor">
+            <a:schemeClr val="lt1"/>
+          </a:fontRef>
+        </p:style>
+        <p:txBody>
+          <a:bodyPr rtlCol="0" anchor="ctr"/>
+          <a:lstStyle/>
+          <a:p>
+            <a:pPr algn="ctr"/>
+            <a:endParaRPr lang="en-US"/>
+          </a:p>
+        </p:txBody>
+      </p:sp>
+      <p:cxnSp>
+        <p:nvCxnSpPr>
+          <p:cNvPr id="13" name="Straight Connector 12">
+            <a:extLst>
+              <a:ext uri="{FF2B5EF4-FFF2-40B4-BE49-F238E27FC236}">
+                <a16:creationId xmlns:a16="http://schemas.microsoft.com/office/drawing/2014/main" id="{B464092F-202F-03E3-1249-3C5E82FE9AF5}"/>
+              </a:ext>
+            </a:extLst>
+          </p:cNvPr>
+          <p:cNvCxnSpPr/>
+          <p:nvPr/>
+        </p:nvCxnSpPr>
+        <p:spPr>
+          <a:xfrm>
+            <a:off x="10366772" y="11213045"/>
+            <a:ext cx="158754" cy="1942670"/>
+          </a:xfrm>
+          <a:prstGeom prst="line">
+            <a:avLst/>
+          </a:prstGeom>
+          <a:ln w="38100"/>
+        </p:spPr>
+        <p:style>
+          <a:lnRef idx="1">
+            <a:schemeClr val="accent1"/>
+          </a:lnRef>
+          <a:fillRef idx="0">
+            <a:schemeClr val="accent1"/>
+          </a:fillRef>
+          <a:effectRef idx="0">
+            <a:schemeClr val="accent1"/>
+          </a:effectRef>
+          <a:fontRef idx="minor">
+            <a:schemeClr val="tx1"/>
+          </a:fontRef>
+        </p:style>
+      </p:cxnSp>
+      <p:cxnSp>
+        <p:nvCxnSpPr>
+          <p:cNvPr id="14" name="Straight Connector 13">
+            <a:extLst>
+              <a:ext uri="{FF2B5EF4-FFF2-40B4-BE49-F238E27FC236}">
+                <a16:creationId xmlns:a16="http://schemas.microsoft.com/office/drawing/2014/main" id="{F0E7C5C6-AD25-B19B-7018-E1C5ACFD540B}"/>
+              </a:ext>
+            </a:extLst>
+          </p:cNvPr>
+          <p:cNvCxnSpPr>
+            <a:cxnSpLocks/>
+            <a:stCxn id="12" idx="4"/>
+          </p:cNvCxnSpPr>
+          <p:nvPr/>
+        </p:nvCxnSpPr>
+        <p:spPr>
+          <a:xfrm>
+            <a:off x="10494017" y="11213045"/>
+            <a:ext cx="909192" cy="359005"/>
+          </a:xfrm>
+          <a:prstGeom prst="line">
+            <a:avLst/>
+          </a:prstGeom>
+          <a:ln w="38100"/>
+        </p:spPr>
+        <p:style>
+          <a:lnRef idx="1">
+            <a:schemeClr val="accent1"/>
+          </a:lnRef>
+          <a:fillRef idx="0">
+            <a:schemeClr val="accent1"/>
+          </a:fillRef>
+          <a:effectRef idx="0">
+            <a:schemeClr val="accent1"/>
+          </a:effectRef>
+          <a:fontRef idx="minor">
+            <a:schemeClr val="tx1"/>
+          </a:fontRef>
+        </p:style>
+      </p:cxnSp>
+      <p:cxnSp>
+        <p:nvCxnSpPr>
+          <p:cNvPr id="15" name="Straight Connector 14">
+            <a:extLst>
+              <a:ext uri="{FF2B5EF4-FFF2-40B4-BE49-F238E27FC236}">
+                <a16:creationId xmlns:a16="http://schemas.microsoft.com/office/drawing/2014/main" id="{F70CAFB8-E611-BE37-0DC8-69BF32931F27}"/>
+              </a:ext>
+            </a:extLst>
+          </p:cNvPr>
+          <p:cNvCxnSpPr>
+            <a:cxnSpLocks/>
+            <a:stCxn id="12" idx="5"/>
+          </p:cNvCxnSpPr>
+          <p:nvPr/>
+        </p:nvCxnSpPr>
+        <p:spPr>
+          <a:xfrm flipV="1">
+            <a:off x="10430394" y="10605854"/>
+            <a:ext cx="990256" cy="511867"/>
+          </a:xfrm>
+          <a:prstGeom prst="line">
+            <a:avLst/>
+          </a:prstGeom>
+          <a:ln w="38100"/>
+        </p:spPr>
+        <p:style>
+          <a:lnRef idx="1">
+            <a:schemeClr val="accent1"/>
+          </a:lnRef>
+          <a:fillRef idx="0">
+            <a:schemeClr val="accent1"/>
+          </a:fillRef>
+          <a:effectRef idx="0">
+            <a:schemeClr val="accent1"/>
+          </a:effectRef>
+          <a:fontRef idx="minor">
+            <a:schemeClr val="tx1"/>
+          </a:fontRef>
+        </p:style>
+      </p:cxnSp>
+      <p:cxnSp>
+        <p:nvCxnSpPr>
+          <p:cNvPr id="16" name="Straight Connector 15">
+            <a:extLst>
+              <a:ext uri="{FF2B5EF4-FFF2-40B4-BE49-F238E27FC236}">
+                <a16:creationId xmlns:a16="http://schemas.microsoft.com/office/drawing/2014/main" id="{54500030-1F40-7C19-8C28-04D1E248DB84}"/>
+              </a:ext>
+            </a:extLst>
+          </p:cNvPr>
+          <p:cNvCxnSpPr>
+            <a:cxnSpLocks/>
+            <a:stCxn id="12" idx="2"/>
+            <a:endCxn id="5" idx="7"/>
+          </p:cNvCxnSpPr>
+          <p:nvPr/>
+        </p:nvCxnSpPr>
+        <p:spPr>
+          <a:xfrm flipH="1">
+            <a:off x="9343167" y="11213045"/>
+            <a:ext cx="896359" cy="538963"/>
+          </a:xfrm>
+          <a:prstGeom prst="line">
+            <a:avLst/>
+          </a:prstGeom>
+          <a:ln w="38100"/>
+        </p:spPr>
+        <p:style>
+          <a:lnRef idx="1">
+            <a:schemeClr val="accent1"/>
+          </a:lnRef>
+          <a:fillRef idx="0">
+            <a:schemeClr val="accent1"/>
+          </a:fillRef>
+          <a:effectRef idx="0">
+            <a:schemeClr val="accent1"/>
+          </a:effectRef>
+          <a:fontRef idx="minor">
+            <a:schemeClr val="tx1"/>
+          </a:fontRef>
+        </p:style>
+      </p:cxnSp>
+      <p:cxnSp>
+        <p:nvCxnSpPr>
+          <p:cNvPr id="17" name="Straight Connector 16">
+            <a:extLst>
+              <a:ext uri="{FF2B5EF4-FFF2-40B4-BE49-F238E27FC236}">
+                <a16:creationId xmlns:a16="http://schemas.microsoft.com/office/drawing/2014/main" id="{E67ED06E-1802-1159-70E8-5226FB271521}"/>
+              </a:ext>
+            </a:extLst>
+          </p:cNvPr>
+          <p:cNvCxnSpPr>
+            <a:cxnSpLocks/>
+            <a:stCxn id="12" idx="0"/>
+            <a:endCxn id="11" idx="5"/>
+          </p:cNvCxnSpPr>
+          <p:nvPr/>
+        </p:nvCxnSpPr>
+        <p:spPr>
+          <a:xfrm flipV="1">
+            <a:off x="10366772" y="9812161"/>
+            <a:ext cx="183598" cy="1210236"/>
+          </a:xfrm>
+          <a:prstGeom prst="line">
+            <a:avLst/>
+          </a:prstGeom>
+          <a:ln w="38100"/>
+        </p:spPr>
+        <p:style>
+          <a:lnRef idx="1">
+            <a:schemeClr val="accent1"/>
+          </a:lnRef>
+          <a:fillRef idx="0">
+            <a:schemeClr val="accent1"/>
+          </a:fillRef>
+          <a:effectRef idx="0">
+            <a:schemeClr val="accent1"/>
+          </a:effectRef>
+          <a:fontRef idx="minor">
+            <a:schemeClr val="tx1"/>
+          </a:fontRef>
+        </p:style>
+      </p:cxnSp>
+      <p:cxnSp>
+        <p:nvCxnSpPr>
+          <p:cNvPr id="18" name="Straight Connector 17">
+            <a:extLst>
+              <a:ext uri="{FF2B5EF4-FFF2-40B4-BE49-F238E27FC236}">
+                <a16:creationId xmlns:a16="http://schemas.microsoft.com/office/drawing/2014/main" id="{AFA84540-9BEE-DC43-2C2E-48AF0F2F81D2}"/>
+              </a:ext>
+            </a:extLst>
+          </p:cNvPr>
+          <p:cNvCxnSpPr>
+            <a:cxnSpLocks/>
+            <a:stCxn id="10" idx="5"/>
+            <a:endCxn id="12" idx="1"/>
+          </p:cNvCxnSpPr>
+          <p:nvPr/>
+        </p:nvCxnSpPr>
+        <p:spPr>
+          <a:xfrm>
+            <a:off x="9502557" y="10597313"/>
+            <a:ext cx="800592" cy="520408"/>
+          </a:xfrm>
+          <a:prstGeom prst="line">
+            <a:avLst/>
+          </a:prstGeom>
+          <a:ln w="38100"/>
+        </p:spPr>
+        <p:style>
+          <a:lnRef idx="1">
+            <a:schemeClr val="accent1"/>
+          </a:lnRef>
+          <a:fillRef idx="0">
+            <a:schemeClr val="accent1"/>
+          </a:fillRef>
+          <a:effectRef idx="0">
+            <a:schemeClr val="accent1"/>
+          </a:effectRef>
+          <a:fontRef idx="minor">
+            <a:schemeClr val="tx1"/>
+          </a:fontRef>
+        </p:style>
+      </p:cxnSp>
+      <p:cxnSp>
+        <p:nvCxnSpPr>
+          <p:cNvPr id="19" name="Straight Connector 18">
+            <a:extLst>
+              <a:ext uri="{FF2B5EF4-FFF2-40B4-BE49-F238E27FC236}">
+                <a16:creationId xmlns:a16="http://schemas.microsoft.com/office/drawing/2014/main" id="{D2700D61-4F0D-3159-BA05-C5D12960619F}"/>
+              </a:ext>
+            </a:extLst>
+          </p:cNvPr>
+          <p:cNvCxnSpPr>
+            <a:cxnSpLocks/>
+            <a:stCxn id="12" idx="2"/>
+            <a:endCxn id="8" idx="6"/>
+          </p:cNvCxnSpPr>
+          <p:nvPr/>
+        </p:nvCxnSpPr>
+        <p:spPr>
+          <a:xfrm flipH="1" flipV="1">
+            <a:off x="8812343" y="11141147"/>
+            <a:ext cx="1427183" cy="71898"/>
+          </a:xfrm>
+          <a:prstGeom prst="line">
+            <a:avLst/>
+          </a:prstGeom>
+          <a:ln w="38100"/>
+        </p:spPr>
+        <p:style>
+          <a:lnRef idx="1">
+            <a:schemeClr val="accent1"/>
+          </a:lnRef>
+          <a:fillRef idx="0">
+            <a:schemeClr val="accent1"/>
+          </a:fillRef>
+          <a:effectRef idx="0">
+            <a:schemeClr val="accent1"/>
+          </a:effectRef>
+          <a:fontRef idx="minor">
+            <a:schemeClr val="tx1"/>
+          </a:fontRef>
+        </p:style>
+      </p:cxnSp>
+      <mc:AlternateContent xmlns:mc="http://schemas.openxmlformats.org/markup-compatibility/2006" xmlns:a14="http://schemas.microsoft.com/office/drawing/2010/main">
+        <mc:Choice Requires="a14">
+          <p:sp>
+            <p:nvSpPr>
+              <p:cNvPr id="20" name="TextBox 19">
+                <a:extLst>
+                  <a:ext uri="{FF2B5EF4-FFF2-40B4-BE49-F238E27FC236}">
+                    <a16:creationId xmlns:a16="http://schemas.microsoft.com/office/drawing/2014/main" id="{DEA22F54-765B-024E-B417-14B29B0CC717}"/>
+                  </a:ext>
+                </a:extLst>
+              </p:cNvPr>
+              <p:cNvSpPr txBox="1"/>
+              <p:nvPr/>
+            </p:nvSpPr>
+            <p:spPr>
+              <a:xfrm>
+                <a:off x="9791346" y="12236730"/>
+                <a:ext cx="2008094" cy="369332"/>
+              </a:xfrm>
+              <a:prstGeom prst="rect">
+                <a:avLst/>
+              </a:prstGeom>
+              <a:noFill/>
+            </p:spPr>
+            <p:txBody>
+              <a:bodyPr wrap="square">
+                <a:spAutoFit/>
+              </a:bodyPr>
+              <a:lstStyle/>
+              <a:p>
+                <a:pPr/>
+                <a14:m>
+                  <m:oMathPara xmlns:m="http://schemas.openxmlformats.org/officeDocument/2006/math">
+                    <m:oMathParaPr>
+                      <m:jc m:val="centerGroup"/>
+                    </m:oMathParaPr>
+                    <m:oMath xmlns:m="http://schemas.openxmlformats.org/officeDocument/2006/math">
+                      <m:sSup>
+                        <m:sSupPr>
+                          <m:ctrlPr>
+                            <a:rPr lang="en-US" sz="1800" b="0" i="1" smtClean="0">
+                              <a:solidFill>
+                                <a:srgbClr val="C00000"/>
+                              </a:solidFill>
+                              <a:latin typeface="Cambria Math" panose="02040503050406030204" pitchFamily="18" charset="0"/>
+                            </a:rPr>
+                          </m:ctrlPr>
+                        </m:sSupPr>
+                        <m:e>
+                          <m:d>
+                            <m:dPr>
+                              <m:ctrlPr>
+                                <a:rPr lang="en-US" sz="1800" b="0" i="1" smtClean="0">
+                                  <a:solidFill>
+                                    <a:srgbClr val="C00000"/>
+                                  </a:solidFill>
+                                  <a:latin typeface="Cambria Math" panose="02040503050406030204" pitchFamily="18" charset="0"/>
+                                </a:rPr>
+                              </m:ctrlPr>
+                            </m:dPr>
+                            <m:e>
+                              <m:r>
+                                <a:rPr lang="en-US" sz="1800" b="0" i="1" smtClean="0">
+                                  <a:solidFill>
+                                    <a:srgbClr val="C00000"/>
+                                  </a:solidFill>
+                                  <a:latin typeface="Cambria Math" panose="02040503050406030204" pitchFamily="18" charset="0"/>
+                                </a:rPr>
+                                <m:t>⋅</m:t>
+                              </m:r>
+                            </m:e>
+                          </m:d>
+                        </m:e>
+                        <m:sup>
+                          <m:r>
+                            <a:rPr lang="en-US" sz="1800" b="0" i="1" smtClean="0">
+                              <a:solidFill>
+                                <a:srgbClr val="C00000"/>
+                              </a:solidFill>
+                              <a:latin typeface="Cambria Math" panose="02040503050406030204" pitchFamily="18" charset="0"/>
+                            </a:rPr>
+                            <m:t>𝑧</m:t>
+                          </m:r>
+                        </m:sup>
+                      </m:sSup>
+                    </m:oMath>
+                  </m:oMathPara>
+                </a14:m>
+                <a:endParaRPr lang="en-US" dirty="0"/>
+              </a:p>
+            </p:txBody>
+          </p:sp>
+        </mc:Choice>
+        <mc:Fallback xmlns="">
+          <p:sp>
+            <p:nvSpPr>
+              <p:cNvPr id="20" name="TextBox 19">
+                <a:extLst>
+                  <a:ext uri="{FF2B5EF4-FFF2-40B4-BE49-F238E27FC236}">
+                    <a16:creationId xmlns:a16="http://schemas.microsoft.com/office/drawing/2014/main" id="{DEA22F54-765B-024E-B417-14B29B0CC717}"/>
+                  </a:ext>
+                </a:extLst>
+              </p:cNvPr>
+              <p:cNvSpPr txBox="1">
+                <a:spLocks noRot="1" noChangeAspect="1" noMove="1" noResize="1" noEditPoints="1" noAdjustHandles="1" noChangeArrowheads="1" noChangeShapeType="1" noTextEdit="1"/>
+              </p:cNvSpPr>
+              <p:nvPr/>
+            </p:nvSpPr>
+            <p:spPr>
+              <a:xfrm>
+                <a:off x="9791346" y="12236730"/>
+                <a:ext cx="2008094" cy="369332"/>
+              </a:xfrm>
+              <a:prstGeom prst="rect">
+                <a:avLst/>
+              </a:prstGeom>
+              <a:blipFill>
+                <a:blip r:embed="rId10"/>
+                <a:stretch>
+                  <a:fillRect/>
+                </a:stretch>
+              </a:blipFill>
+            </p:spPr>
+            <p:txBody>
+              <a:bodyPr/>
+              <a:lstStyle/>
+              <a:p>
+                <a:r>
+                  <a:rPr lang="en-US">
+                    <a:noFill/>
+                  </a:rPr>
+                  <a:t> </a:t>
+                </a:r>
+              </a:p>
+            </p:txBody>
+          </p:sp>
+        </mc:Fallback>
+      </mc:AlternateContent>
+      <mc:AlternateContent xmlns:mc="http://schemas.openxmlformats.org/markup-compatibility/2006" xmlns:a14="http://schemas.microsoft.com/office/drawing/2010/main">
+        <mc:Choice Requires="a14">
+          <p:sp>
+            <p:nvSpPr>
+              <p:cNvPr id="21" name="TextBox 20">
+                <a:extLst>
+                  <a:ext uri="{FF2B5EF4-FFF2-40B4-BE49-F238E27FC236}">
+                    <a16:creationId xmlns:a16="http://schemas.microsoft.com/office/drawing/2014/main" id="{6CF56FBA-FE6F-48AD-2C3A-2B00D171EB11}"/>
+                  </a:ext>
+                </a:extLst>
+              </p:cNvPr>
+              <p:cNvSpPr txBox="1"/>
+              <p:nvPr/>
+            </p:nvSpPr>
+            <p:spPr>
+              <a:xfrm>
+                <a:off x="9235479" y="10040143"/>
+                <a:ext cx="2008094" cy="369332"/>
+              </a:xfrm>
+              <a:prstGeom prst="rect">
+                <a:avLst/>
+              </a:prstGeom>
+              <a:noFill/>
+            </p:spPr>
+            <p:txBody>
+              <a:bodyPr wrap="square">
+                <a:spAutoFit/>
+              </a:bodyPr>
+              <a:lstStyle/>
+              <a:p>
+                <a:pPr/>
+                <a14:m>
+                  <m:oMathPara xmlns:m="http://schemas.openxmlformats.org/officeDocument/2006/math">
+                    <m:oMathParaPr>
+                      <m:jc m:val="centerGroup"/>
+                    </m:oMathParaPr>
+                    <m:oMath xmlns:m="http://schemas.openxmlformats.org/officeDocument/2006/math">
+                      <m:sSup>
+                        <m:sSupPr>
+                          <m:ctrlPr>
+                            <a:rPr lang="en-US" sz="1800" b="0" i="1" smtClean="0">
+                              <a:solidFill>
+                                <a:srgbClr val="C00000"/>
+                              </a:solidFill>
+                              <a:latin typeface="Cambria Math" panose="02040503050406030204" pitchFamily="18" charset="0"/>
+                            </a:rPr>
+                          </m:ctrlPr>
+                        </m:sSupPr>
+                        <m:e>
+                          <m:d>
+                            <m:dPr>
+                              <m:ctrlPr>
+                                <a:rPr lang="en-US" sz="1800" b="0" i="1" smtClean="0">
+                                  <a:solidFill>
+                                    <a:srgbClr val="C00000"/>
+                                  </a:solidFill>
+                                  <a:latin typeface="Cambria Math" panose="02040503050406030204" pitchFamily="18" charset="0"/>
+                                </a:rPr>
+                              </m:ctrlPr>
+                            </m:dPr>
+                            <m:e>
+                              <m:r>
+                                <a:rPr lang="en-US" sz="1800" b="0" i="1" smtClean="0">
+                                  <a:solidFill>
+                                    <a:srgbClr val="C00000"/>
+                                  </a:solidFill>
+                                  <a:latin typeface="Cambria Math" panose="02040503050406030204" pitchFamily="18" charset="0"/>
+                                </a:rPr>
+                                <m:t>⋅</m:t>
+                              </m:r>
+                            </m:e>
+                          </m:d>
+                        </m:e>
+                        <m:sup>
+                          <m:r>
+                            <a:rPr lang="en-US" sz="1800" b="0" i="1" smtClean="0">
+                              <a:solidFill>
+                                <a:srgbClr val="C00000"/>
+                              </a:solidFill>
+                              <a:latin typeface="Cambria Math" panose="02040503050406030204" pitchFamily="18" charset="0"/>
+                            </a:rPr>
+                            <m:t>𝑧</m:t>
+                          </m:r>
+                        </m:sup>
+                      </m:sSup>
+                    </m:oMath>
+                  </m:oMathPara>
+                </a14:m>
+                <a:endParaRPr lang="en-US" dirty="0"/>
+              </a:p>
+            </p:txBody>
+          </p:sp>
+        </mc:Choice>
+        <mc:Fallback xmlns="">
+          <p:sp>
+            <p:nvSpPr>
+              <p:cNvPr id="21" name="TextBox 20">
+                <a:extLst>
+                  <a:ext uri="{FF2B5EF4-FFF2-40B4-BE49-F238E27FC236}">
+                    <a16:creationId xmlns:a16="http://schemas.microsoft.com/office/drawing/2014/main" id="{6CF56FBA-FE6F-48AD-2C3A-2B00D171EB11}"/>
+                  </a:ext>
+                </a:extLst>
+              </p:cNvPr>
+              <p:cNvSpPr txBox="1">
+                <a:spLocks noRot="1" noChangeAspect="1" noMove="1" noResize="1" noEditPoints="1" noAdjustHandles="1" noChangeArrowheads="1" noChangeShapeType="1" noTextEdit="1"/>
+              </p:cNvSpPr>
+              <p:nvPr/>
+            </p:nvSpPr>
+            <p:spPr>
+              <a:xfrm>
+                <a:off x="9235479" y="10040143"/>
+                <a:ext cx="2008094" cy="369332"/>
+              </a:xfrm>
+              <a:prstGeom prst="rect">
+                <a:avLst/>
+              </a:prstGeom>
+              <a:blipFill>
+                <a:blip r:embed="rId11"/>
+                <a:stretch>
+                  <a:fillRect/>
+                </a:stretch>
+              </a:blipFill>
+            </p:spPr>
+            <p:txBody>
+              <a:bodyPr/>
+              <a:lstStyle/>
+              <a:p>
+                <a:r>
+                  <a:rPr lang="en-US">
+                    <a:noFill/>
+                  </a:rPr>
+                  <a:t> </a:t>
+                </a:r>
+              </a:p>
+            </p:txBody>
+          </p:sp>
+        </mc:Fallback>
+      </mc:AlternateContent>
+      <mc:AlternateContent xmlns:mc="http://schemas.openxmlformats.org/markup-compatibility/2006" xmlns:a14="http://schemas.microsoft.com/office/drawing/2010/main">
+        <mc:Choice Requires="a14">
+          <p:sp>
+            <p:nvSpPr>
+              <p:cNvPr id="22" name="TextBox 21">
+                <a:extLst>
+                  <a:ext uri="{FF2B5EF4-FFF2-40B4-BE49-F238E27FC236}">
+                    <a16:creationId xmlns:a16="http://schemas.microsoft.com/office/drawing/2014/main" id="{E794CD93-6054-3ACF-46E5-A27233A2BBFE}"/>
+                  </a:ext>
+                </a:extLst>
+              </p:cNvPr>
+              <p:cNvSpPr txBox="1"/>
+              <p:nvPr/>
+            </p:nvSpPr>
+            <p:spPr>
+              <a:xfrm>
+                <a:off x="8805849" y="11567342"/>
+                <a:ext cx="2008094" cy="369332"/>
+              </a:xfrm>
+              <a:prstGeom prst="rect">
+                <a:avLst/>
+              </a:prstGeom>
+              <a:noFill/>
+            </p:spPr>
+            <p:txBody>
+              <a:bodyPr wrap="square">
+                <a:spAutoFit/>
+              </a:bodyPr>
+              <a:lstStyle/>
+              <a:p>
+                <a:pPr/>
+                <a14:m>
+                  <m:oMathPara xmlns:m="http://schemas.openxmlformats.org/officeDocument/2006/math">
+                    <m:oMathParaPr>
+                      <m:jc m:val="centerGroup"/>
+                    </m:oMathParaPr>
+                    <m:oMath xmlns:m="http://schemas.openxmlformats.org/officeDocument/2006/math">
+                      <m:sSup>
+                        <m:sSupPr>
+                          <m:ctrlPr>
+                            <a:rPr lang="en-US" sz="1800" b="0" i="1" smtClean="0">
+                              <a:solidFill>
+                                <a:srgbClr val="C00000"/>
+                              </a:solidFill>
+                              <a:latin typeface="Cambria Math" panose="02040503050406030204" pitchFamily="18" charset="0"/>
+                            </a:rPr>
+                          </m:ctrlPr>
+                        </m:sSupPr>
+                        <m:e>
+                          <m:d>
+                            <m:dPr>
+                              <m:ctrlPr>
+                                <a:rPr lang="en-US" sz="1800" b="0" i="1" smtClean="0">
+                                  <a:solidFill>
+                                    <a:srgbClr val="C00000"/>
+                                  </a:solidFill>
+                                  <a:latin typeface="Cambria Math" panose="02040503050406030204" pitchFamily="18" charset="0"/>
+                                </a:rPr>
+                              </m:ctrlPr>
+                            </m:dPr>
+                            <m:e>
+                              <m:r>
+                                <a:rPr lang="en-US" sz="1800" b="0" i="1" smtClean="0">
+                                  <a:solidFill>
+                                    <a:srgbClr val="C00000"/>
+                                  </a:solidFill>
+                                  <a:latin typeface="Cambria Math" panose="02040503050406030204" pitchFamily="18" charset="0"/>
+                                </a:rPr>
+                                <m:t>⋅</m:t>
+                              </m:r>
+                            </m:e>
+                          </m:d>
+                        </m:e>
+                        <m:sup>
+                          <m:r>
+                            <a:rPr lang="en-US" sz="1800" b="0" i="1" smtClean="0">
+                              <a:solidFill>
+                                <a:srgbClr val="C00000"/>
+                              </a:solidFill>
+                              <a:latin typeface="Cambria Math" panose="02040503050406030204" pitchFamily="18" charset="0"/>
+                            </a:rPr>
+                            <m:t>𝑧</m:t>
+                          </m:r>
+                        </m:sup>
+                      </m:sSup>
+                    </m:oMath>
+                  </m:oMathPara>
+                </a14:m>
+                <a:endParaRPr lang="en-US" dirty="0"/>
+              </a:p>
+            </p:txBody>
+          </p:sp>
+        </mc:Choice>
+        <mc:Fallback xmlns="">
+          <p:sp>
+            <p:nvSpPr>
+              <p:cNvPr id="22" name="TextBox 21">
+                <a:extLst>
+                  <a:ext uri="{FF2B5EF4-FFF2-40B4-BE49-F238E27FC236}">
+                    <a16:creationId xmlns:a16="http://schemas.microsoft.com/office/drawing/2014/main" id="{E794CD93-6054-3ACF-46E5-A27233A2BBFE}"/>
+                  </a:ext>
+                </a:extLst>
+              </p:cNvPr>
+              <p:cNvSpPr txBox="1">
+                <a:spLocks noRot="1" noChangeAspect="1" noMove="1" noResize="1" noEditPoints="1" noAdjustHandles="1" noChangeArrowheads="1" noChangeShapeType="1" noTextEdit="1"/>
+              </p:cNvSpPr>
+              <p:nvPr/>
+            </p:nvSpPr>
+            <p:spPr>
+              <a:xfrm>
+                <a:off x="8805849" y="11567342"/>
+                <a:ext cx="2008094" cy="369332"/>
+              </a:xfrm>
+              <a:prstGeom prst="rect">
+                <a:avLst/>
+              </a:prstGeom>
+              <a:blipFill>
+                <a:blip r:embed="rId12"/>
+                <a:stretch>
+                  <a:fillRect/>
+                </a:stretch>
+              </a:blipFill>
+            </p:spPr>
+            <p:txBody>
+              <a:bodyPr/>
+              <a:lstStyle/>
+              <a:p>
+                <a:r>
+                  <a:rPr lang="en-US">
+                    <a:noFill/>
+                  </a:rPr>
+                  <a:t> </a:t>
+                </a:r>
+              </a:p>
+            </p:txBody>
+          </p:sp>
+        </mc:Fallback>
+      </mc:AlternateContent>
+      <mc:AlternateContent xmlns:mc="http://schemas.openxmlformats.org/markup-compatibility/2006" xmlns:a14="http://schemas.microsoft.com/office/drawing/2010/main">
+        <mc:Choice Requires="a14">
+          <p:sp>
+            <p:nvSpPr>
+              <p:cNvPr id="23" name="TextBox 22">
+                <a:extLst>
+                  <a:ext uri="{FF2B5EF4-FFF2-40B4-BE49-F238E27FC236}">
+                    <a16:creationId xmlns:a16="http://schemas.microsoft.com/office/drawing/2014/main" id="{0AABDD89-9A0E-0BCC-FA19-C32F1EB4F4D8}"/>
+                  </a:ext>
+                </a:extLst>
+              </p:cNvPr>
+              <p:cNvSpPr txBox="1"/>
+              <p:nvPr/>
+            </p:nvSpPr>
+            <p:spPr>
+              <a:xfrm>
+                <a:off x="9015621" y="10480196"/>
+                <a:ext cx="2008094" cy="369332"/>
+              </a:xfrm>
+              <a:prstGeom prst="rect">
+                <a:avLst/>
+              </a:prstGeom>
+              <a:noFill/>
+            </p:spPr>
+            <p:txBody>
+              <a:bodyPr wrap="square">
+                <a:spAutoFit/>
+              </a:bodyPr>
+              <a:lstStyle/>
+              <a:p>
+                <a:pPr/>
+                <a14:m>
+                  <m:oMathPara xmlns:m="http://schemas.openxmlformats.org/officeDocument/2006/math">
+                    <m:oMathParaPr>
+                      <m:jc m:val="centerGroup"/>
+                    </m:oMathParaPr>
+                    <m:oMath xmlns:m="http://schemas.openxmlformats.org/officeDocument/2006/math">
+                      <m:sSup>
+                        <m:sSupPr>
+                          <m:ctrlPr>
+                            <a:rPr lang="en-US" sz="1800" b="0" i="1" smtClean="0">
+                              <a:solidFill>
+                                <a:srgbClr val="C00000"/>
+                              </a:solidFill>
+                              <a:latin typeface="Cambria Math" panose="02040503050406030204" pitchFamily="18" charset="0"/>
+                            </a:rPr>
+                          </m:ctrlPr>
+                        </m:sSupPr>
+                        <m:e>
+                          <m:d>
+                            <m:dPr>
+                              <m:ctrlPr>
+                                <a:rPr lang="en-US" sz="1800" b="0" i="1" smtClean="0">
+                                  <a:solidFill>
+                                    <a:srgbClr val="C00000"/>
+                                  </a:solidFill>
+                                  <a:latin typeface="Cambria Math" panose="02040503050406030204" pitchFamily="18" charset="0"/>
+                                </a:rPr>
+                              </m:ctrlPr>
+                            </m:dPr>
+                            <m:e>
+                              <m:r>
+                                <a:rPr lang="en-US" sz="1800" b="0" i="1" smtClean="0">
+                                  <a:solidFill>
+                                    <a:srgbClr val="C00000"/>
+                                  </a:solidFill>
+                                  <a:latin typeface="Cambria Math" panose="02040503050406030204" pitchFamily="18" charset="0"/>
+                                </a:rPr>
+                                <m:t>⋅</m:t>
+                              </m:r>
+                            </m:e>
+                          </m:d>
+                        </m:e>
+                        <m:sup>
+                          <m:r>
+                            <a:rPr lang="en-US" sz="1800" b="0" i="1" smtClean="0">
+                              <a:solidFill>
+                                <a:srgbClr val="C00000"/>
+                              </a:solidFill>
+                              <a:latin typeface="Cambria Math" panose="02040503050406030204" pitchFamily="18" charset="0"/>
+                            </a:rPr>
+                            <m:t>𝑧</m:t>
+                          </m:r>
+                        </m:sup>
+                      </m:sSup>
+                    </m:oMath>
+                  </m:oMathPara>
+                </a14:m>
+                <a:endParaRPr lang="en-US" dirty="0"/>
+              </a:p>
+            </p:txBody>
+          </p:sp>
+        </mc:Choice>
+        <mc:Fallback xmlns="">
+          <p:sp>
+            <p:nvSpPr>
+              <p:cNvPr id="23" name="TextBox 22">
+                <a:extLst>
+                  <a:ext uri="{FF2B5EF4-FFF2-40B4-BE49-F238E27FC236}">
+                    <a16:creationId xmlns:a16="http://schemas.microsoft.com/office/drawing/2014/main" id="{0AABDD89-9A0E-0BCC-FA19-C32F1EB4F4D8}"/>
+                  </a:ext>
+                </a:extLst>
+              </p:cNvPr>
+              <p:cNvSpPr txBox="1">
+                <a:spLocks noRot="1" noChangeAspect="1" noMove="1" noResize="1" noEditPoints="1" noAdjustHandles="1" noChangeArrowheads="1" noChangeShapeType="1" noTextEdit="1"/>
+              </p:cNvSpPr>
+              <p:nvPr/>
+            </p:nvSpPr>
+            <p:spPr>
+              <a:xfrm>
+                <a:off x="9015621" y="10480196"/>
+                <a:ext cx="2008094" cy="369332"/>
+              </a:xfrm>
+              <a:prstGeom prst="rect">
+                <a:avLst/>
+              </a:prstGeom>
+              <a:blipFill>
+                <a:blip r:embed="rId13"/>
+                <a:stretch>
+                  <a:fillRect/>
+                </a:stretch>
+              </a:blipFill>
+            </p:spPr>
+            <p:txBody>
+              <a:bodyPr/>
+              <a:lstStyle/>
+              <a:p>
+                <a:r>
+                  <a:rPr lang="en-US">
+                    <a:noFill/>
+                  </a:rPr>
+                  <a:t> </a:t>
+                </a:r>
+              </a:p>
+            </p:txBody>
+          </p:sp>
+        </mc:Fallback>
+      </mc:AlternateContent>
+      <mc:AlternateContent xmlns:mc="http://schemas.openxmlformats.org/markup-compatibility/2006" xmlns:a14="http://schemas.microsoft.com/office/drawing/2010/main">
+        <mc:Choice Requires="a14">
+          <p:sp>
+            <p:nvSpPr>
+              <p:cNvPr id="25" name="TextBox 24">
+                <a:extLst>
+                  <a:ext uri="{FF2B5EF4-FFF2-40B4-BE49-F238E27FC236}">
+                    <a16:creationId xmlns:a16="http://schemas.microsoft.com/office/drawing/2014/main" id="{0A73E10E-B044-A527-C68C-F6BFFE6A3613}"/>
+                  </a:ext>
+                </a:extLst>
+              </p:cNvPr>
+              <p:cNvSpPr txBox="1"/>
+              <p:nvPr/>
+            </p:nvSpPr>
+            <p:spPr>
+              <a:xfrm>
+                <a:off x="1182694" y="15046993"/>
+                <a:ext cx="9765919" cy="898436"/>
+              </a:xfrm>
+              <a:prstGeom prst="rect">
+                <a:avLst/>
+              </a:prstGeom>
+              <a:noFill/>
+              <a:ln w="12700" cap="flat">
+                <a:noFill/>
+                <a:miter lim="400000"/>
+              </a:ln>
+              <a:effectLst/>
+              <a:sp3d/>
+            </p:spPr>
+            <p:style>
+              <a:lnRef idx="0">
+                <a:scrgbClr r="0" g="0" b="0"/>
+              </a:lnRef>
+              <a:fillRef idx="0">
+                <a:scrgbClr r="0" g="0" b="0"/>
+              </a:fillRef>
+              <a:effectRef idx="0">
+                <a:scrgbClr r="0" g="0" b="0"/>
+              </a:effectRef>
+              <a:fontRef idx="none"/>
+            </p:style>
+            <p:txBody>
+              <a:bodyPr wrap="square">
+                <a:spAutoFit/>
+              </a:bodyPr>
+              <a:lstStyle/>
+              <a:p>
+                <a:pPr/>
+                <a14:m>
+                  <m:oMathPara xmlns:m="http://schemas.openxmlformats.org/officeDocument/2006/math">
+                    <m:oMathParaPr>
+                      <m:jc m:val="centerGroup"/>
+                    </m:oMathParaPr>
+                    <m:oMath xmlns:m="http://schemas.openxmlformats.org/officeDocument/2006/math">
+                      <m:limLow>
+                        <m:limLowPr>
+                          <m:ctrlPr>
+                            <a:rPr lang="en-US" sz="3200" b="0" i="1" smtClean="0">
+                              <a:solidFill>
+                                <a:srgbClr val="C00000"/>
+                              </a:solidFill>
+                              <a:latin typeface="Cambria Math" panose="02040503050406030204" pitchFamily="18" charset="0"/>
+                            </a:rPr>
+                          </m:ctrlPr>
+                        </m:limLowPr>
+                        <m:e>
+                          <m:r>
+                            <m:rPr>
+                              <m:sty m:val="p"/>
+                            </m:rPr>
+                            <a:rPr lang="en-US" sz="3200" b="0" i="0" smtClean="0">
+                              <a:solidFill>
+                                <a:srgbClr val="C00000"/>
+                              </a:solidFill>
+                              <a:latin typeface="Cambria Math" panose="02040503050406030204" pitchFamily="18" charset="0"/>
+                            </a:rPr>
+                            <m:t>min</m:t>
+                          </m:r>
+                        </m:e>
+                        <m:lim>
+                          <m:r>
+                            <a:rPr lang="en-US" sz="3200" b="0" i="1" smtClean="0">
+                              <a:solidFill>
+                                <a:srgbClr val="C00000"/>
+                              </a:solidFill>
+                              <a:latin typeface="Cambria Math" panose="02040503050406030204" pitchFamily="18" charset="0"/>
+                            </a:rPr>
+                            <m:t>𝐶</m:t>
+                          </m:r>
+                          <m:r>
+                            <a:rPr lang="en-US" sz="3200" b="0" i="1" smtClean="0">
+                              <a:solidFill>
+                                <a:srgbClr val="C00000"/>
+                              </a:solidFill>
+                              <a:latin typeface="Cambria Math" panose="02040503050406030204" pitchFamily="18" charset="0"/>
+                            </a:rPr>
+                            <m:t>:</m:t>
+                          </m:r>
+                          <m:d>
+                            <m:dPr>
+                              <m:begChr m:val="|"/>
+                              <m:endChr m:val="|"/>
+                              <m:ctrlPr>
+                                <a:rPr lang="en-US" sz="3200" b="0" i="1" smtClean="0">
+                                  <a:solidFill>
+                                    <a:srgbClr val="C00000"/>
+                                  </a:solidFill>
+                                  <a:latin typeface="Cambria Math" panose="02040503050406030204" pitchFamily="18" charset="0"/>
+                                </a:rPr>
+                              </m:ctrlPr>
+                            </m:dPr>
+                            <m:e>
+                              <m:r>
+                                <a:rPr lang="en-US" sz="3200" b="0" i="1" smtClean="0">
+                                  <a:solidFill>
+                                    <a:srgbClr val="C00000"/>
+                                  </a:solidFill>
+                                  <a:latin typeface="Cambria Math" panose="02040503050406030204" pitchFamily="18" charset="0"/>
+                                </a:rPr>
+                                <m:t>𝐶</m:t>
+                              </m:r>
+                            </m:e>
+                          </m:d>
+                          <m:r>
+                            <a:rPr lang="en-US" sz="3200" b="0" i="1" smtClean="0">
+                              <a:solidFill>
+                                <a:srgbClr val="C00000"/>
+                              </a:solidFill>
+                              <a:latin typeface="Cambria Math" panose="02040503050406030204" pitchFamily="18" charset="0"/>
+                            </a:rPr>
+                            <m:t>≤</m:t>
+                          </m:r>
+                          <m:r>
+                            <a:rPr lang="en-US" sz="3200" b="0" i="1" smtClean="0">
+                              <a:solidFill>
+                                <a:srgbClr val="C00000"/>
+                              </a:solidFill>
+                              <a:latin typeface="Cambria Math" panose="02040503050406030204" pitchFamily="18" charset="0"/>
+                            </a:rPr>
+                            <m:t>𝑘</m:t>
+                          </m:r>
+                        </m:lim>
+                      </m:limLow>
+                      <m:r>
+                        <a:rPr lang="en-US" sz="3200" b="0" i="1" smtClean="0">
+                          <a:solidFill>
+                            <a:srgbClr val="C00000"/>
+                          </a:solidFill>
+                          <a:latin typeface="Cambria Math" panose="02040503050406030204" pitchFamily="18" charset="0"/>
+                        </a:rPr>
+                        <m:t> </m:t>
+                      </m:r>
+                      <m:r>
+                        <m:rPr>
+                          <m:sty m:val="p"/>
+                        </m:rPr>
+                        <a:rPr lang="en-US" sz="3200">
+                          <a:solidFill>
+                            <a:srgbClr val="C00000"/>
+                          </a:solidFill>
+                          <a:latin typeface="Cambria Math" panose="02040503050406030204" pitchFamily="18" charset="0"/>
+                        </a:rPr>
+                        <m:t>Cost</m:t>
+                      </m:r>
+                      <m:d>
+                        <m:dPr>
+                          <m:ctrlPr>
+                            <a:rPr lang="en-US" sz="3200" i="1">
+                              <a:solidFill>
+                                <a:srgbClr val="C00000"/>
+                              </a:solidFill>
+                              <a:latin typeface="Cambria Math" panose="02040503050406030204" pitchFamily="18" charset="0"/>
+                            </a:rPr>
+                          </m:ctrlPr>
+                        </m:dPr>
+                        <m:e>
+                          <m:r>
+                            <a:rPr lang="en-US" sz="3200" i="1">
+                              <a:solidFill>
+                                <a:srgbClr val="C00000"/>
+                              </a:solidFill>
+                              <a:latin typeface="Cambria Math" panose="02040503050406030204" pitchFamily="18" charset="0"/>
+                            </a:rPr>
+                            <m:t>𝑋</m:t>
+                          </m:r>
+                          <m:r>
+                            <a:rPr lang="en-US" sz="3200" i="1">
+                              <a:solidFill>
+                                <a:srgbClr val="C00000"/>
+                              </a:solidFill>
+                              <a:latin typeface="Cambria Math" panose="02040503050406030204" pitchFamily="18" charset="0"/>
+                            </a:rPr>
+                            <m:t>,</m:t>
+                          </m:r>
+                          <m:r>
+                            <a:rPr lang="en-US" sz="3200" i="1">
+                              <a:solidFill>
+                                <a:srgbClr val="C00000"/>
+                              </a:solidFill>
+                              <a:latin typeface="Cambria Math" panose="02040503050406030204" pitchFamily="18" charset="0"/>
+                            </a:rPr>
+                            <m:t>𝐶</m:t>
+                          </m:r>
+                        </m:e>
+                      </m:d>
+                      <m:r>
+                        <a:rPr lang="en-US" sz="3200" b="0" i="1" smtClean="0">
+                          <a:solidFill>
+                            <a:srgbClr val="C00000"/>
+                          </a:solidFill>
+                          <a:latin typeface="Cambria Math" panose="02040503050406030204" pitchFamily="18" charset="0"/>
+                        </a:rPr>
+                        <m:t>=</m:t>
+                      </m:r>
+                      <m:limLow>
+                        <m:limLowPr>
+                          <m:ctrlPr>
+                            <a:rPr lang="en-US" sz="3200" i="1">
+                              <a:solidFill>
+                                <a:srgbClr val="C00000"/>
+                              </a:solidFill>
+                              <a:latin typeface="Cambria Math" panose="02040503050406030204" pitchFamily="18" charset="0"/>
+                            </a:rPr>
+                          </m:ctrlPr>
+                        </m:limLowPr>
+                        <m:e>
+                          <m:r>
+                            <m:rPr>
+                              <m:sty m:val="p"/>
+                            </m:rPr>
+                            <a:rPr lang="en-US" sz="3200">
+                              <a:solidFill>
+                                <a:srgbClr val="C00000"/>
+                              </a:solidFill>
+                              <a:latin typeface="Cambria Math" panose="02040503050406030204" pitchFamily="18" charset="0"/>
+                            </a:rPr>
+                            <m:t>min</m:t>
+                          </m:r>
+                        </m:e>
+                        <m:lim>
+                          <m:r>
+                            <a:rPr lang="en-US" sz="3200" i="1">
+                              <a:solidFill>
+                                <a:srgbClr val="C00000"/>
+                              </a:solidFill>
+                              <a:latin typeface="Cambria Math" panose="02040503050406030204" pitchFamily="18" charset="0"/>
+                            </a:rPr>
+                            <m:t>𝐶</m:t>
+                          </m:r>
+                          <m:r>
+                            <a:rPr lang="en-US" sz="3200" i="1">
+                              <a:solidFill>
+                                <a:srgbClr val="C00000"/>
+                              </a:solidFill>
+                              <a:latin typeface="Cambria Math" panose="02040503050406030204" pitchFamily="18" charset="0"/>
+                            </a:rPr>
+                            <m:t>:</m:t>
+                          </m:r>
+                          <m:d>
+                            <m:dPr>
+                              <m:begChr m:val="|"/>
+                              <m:endChr m:val="|"/>
+                              <m:ctrlPr>
+                                <a:rPr lang="en-US" sz="3200" i="1">
+                                  <a:solidFill>
+                                    <a:srgbClr val="C00000"/>
+                                  </a:solidFill>
+                                  <a:latin typeface="Cambria Math" panose="02040503050406030204" pitchFamily="18" charset="0"/>
+                                </a:rPr>
+                              </m:ctrlPr>
+                            </m:dPr>
+                            <m:e>
+                              <m:r>
+                                <a:rPr lang="en-US" sz="3200" i="1">
+                                  <a:solidFill>
+                                    <a:srgbClr val="C00000"/>
+                                  </a:solidFill>
+                                  <a:latin typeface="Cambria Math" panose="02040503050406030204" pitchFamily="18" charset="0"/>
+                                </a:rPr>
+                                <m:t>𝐶</m:t>
+                              </m:r>
+                            </m:e>
+                          </m:d>
+                          <m:r>
+                            <a:rPr lang="en-US" sz="3200" i="1">
+                              <a:solidFill>
+                                <a:srgbClr val="C00000"/>
+                              </a:solidFill>
+                              <a:latin typeface="Cambria Math" panose="02040503050406030204" pitchFamily="18" charset="0"/>
+                            </a:rPr>
+                            <m:t>≤</m:t>
+                          </m:r>
+                          <m:r>
+                            <a:rPr lang="en-US" sz="3200" i="1">
+                              <a:solidFill>
+                                <a:srgbClr val="C00000"/>
+                              </a:solidFill>
+                              <a:latin typeface="Cambria Math" panose="02040503050406030204" pitchFamily="18" charset="0"/>
+                            </a:rPr>
+                            <m:t>𝑘</m:t>
+                          </m:r>
+                        </m:lim>
+                      </m:limLow>
+                      <m:sSup>
+                        <m:sSupPr>
+                          <m:ctrlPr>
+                            <a:rPr lang="en-US" sz="3200" i="1">
+                              <a:solidFill>
+                                <a:srgbClr val="C00000"/>
+                              </a:solidFill>
+                              <a:latin typeface="Cambria Math" panose="02040503050406030204" pitchFamily="18" charset="0"/>
+                            </a:rPr>
+                          </m:ctrlPr>
+                        </m:sSupPr>
+                        <m:e>
+                          <m:sSub>
+                            <m:sSubPr>
+                              <m:ctrlPr>
+                                <a:rPr lang="en-US" sz="3200" i="1">
+                                  <a:solidFill>
+                                    <a:srgbClr val="C00000"/>
+                                  </a:solidFill>
+                                  <a:latin typeface="Cambria Math" panose="02040503050406030204" pitchFamily="18" charset="0"/>
+                                </a:rPr>
+                              </m:ctrlPr>
+                            </m:sSubPr>
+                            <m:e>
+                              <m:r>
+                                <m:rPr>
+                                  <m:sty m:val="p"/>
+                                </m:rPr>
+                                <a:rPr lang="en-US" sz="3200">
+                                  <a:solidFill>
+                                    <a:srgbClr val="C00000"/>
+                                  </a:solidFill>
+                                  <a:latin typeface="Cambria Math" panose="02040503050406030204" pitchFamily="18" charset="0"/>
+                                </a:rPr>
+                                <m:t>Σ</m:t>
+                              </m:r>
+                            </m:e>
+                            <m:sub>
+                              <m:r>
+                                <m:rPr>
+                                  <m:brk m:alnAt="7"/>
+                                </m:rPr>
+                                <a:rPr lang="en-US" sz="3200" i="1">
+                                  <a:solidFill>
+                                    <a:srgbClr val="C00000"/>
+                                  </a:solidFill>
+                                  <a:latin typeface="Cambria Math" panose="02040503050406030204" pitchFamily="18" charset="0"/>
+                                </a:rPr>
+                                <m:t>𝑥</m:t>
+                              </m:r>
+                              <m:r>
+                                <a:rPr lang="en-US" sz="3200" i="1">
+                                  <a:solidFill>
+                                    <a:srgbClr val="C00000"/>
+                                  </a:solidFill>
+                                  <a:latin typeface="Cambria Math" panose="02040503050406030204" pitchFamily="18" charset="0"/>
+                                </a:rPr>
+                                <m:t>∈</m:t>
+                              </m:r>
+                              <m:r>
+                                <a:rPr lang="en-US" sz="3200" i="1">
+                                  <a:solidFill>
+                                    <a:srgbClr val="C00000"/>
+                                  </a:solidFill>
+                                  <a:latin typeface="Cambria Math" panose="02040503050406030204" pitchFamily="18" charset="0"/>
+                                </a:rPr>
+                                <m:t>𝑋</m:t>
+                              </m:r>
+                            </m:sub>
+                          </m:sSub>
+                          <m:d>
+                            <m:dPr>
+                              <m:ctrlPr>
+                                <a:rPr lang="en-US" sz="3200" i="1">
+                                  <a:solidFill>
+                                    <a:srgbClr val="C00000"/>
+                                  </a:solidFill>
+                                  <a:latin typeface="Cambria Math" panose="02040503050406030204" pitchFamily="18" charset="0"/>
+                                </a:rPr>
+                              </m:ctrlPr>
+                            </m:dPr>
+                            <m:e>
+                              <m:r>
+                                <m:rPr>
+                                  <m:sty m:val="p"/>
+                                </m:rPr>
+                                <a:rPr lang="en-US" sz="3200">
+                                  <a:solidFill>
+                                    <a:srgbClr val="C00000"/>
+                                  </a:solidFill>
+                                  <a:latin typeface="Cambria Math" panose="02040503050406030204" pitchFamily="18" charset="0"/>
+                                </a:rPr>
+                                <m:t>dist</m:t>
+                              </m:r>
+                              <m:d>
+                                <m:dPr>
+                                  <m:ctrlPr>
+                                    <a:rPr lang="en-US" sz="3200" i="1">
+                                      <a:solidFill>
+                                        <a:srgbClr val="C00000"/>
+                                      </a:solidFill>
+                                      <a:latin typeface="Cambria Math" panose="02040503050406030204" pitchFamily="18" charset="0"/>
+                                    </a:rPr>
+                                  </m:ctrlPr>
+                                </m:dPr>
+                                <m:e>
+                                  <m:r>
+                                    <a:rPr lang="en-US" sz="3200" i="1">
+                                      <a:solidFill>
+                                        <a:srgbClr val="C00000"/>
+                                      </a:solidFill>
+                                      <a:latin typeface="Cambria Math" panose="02040503050406030204" pitchFamily="18" charset="0"/>
+                                    </a:rPr>
+                                    <m:t>𝑥</m:t>
+                                  </m:r>
+                                  <m:r>
+                                    <a:rPr lang="en-US" sz="3200" i="1">
+                                      <a:solidFill>
+                                        <a:srgbClr val="C00000"/>
+                                      </a:solidFill>
+                                      <a:latin typeface="Cambria Math" panose="02040503050406030204" pitchFamily="18" charset="0"/>
+                                    </a:rPr>
+                                    <m:t>,</m:t>
+                                  </m:r>
+                                  <m:r>
+                                    <a:rPr lang="en-US" sz="3200" i="1">
+                                      <a:solidFill>
+                                        <a:srgbClr val="C00000"/>
+                                      </a:solidFill>
+                                      <a:latin typeface="Cambria Math" panose="02040503050406030204" pitchFamily="18" charset="0"/>
+                                    </a:rPr>
+                                    <m:t>𝐶</m:t>
+                                  </m:r>
+                                </m:e>
+                              </m:d>
+                            </m:e>
+                          </m:d>
+                        </m:e>
+                        <m:sup>
+                          <m:r>
+                            <a:rPr lang="en-US" sz="3200" i="1">
+                              <a:solidFill>
+                                <a:srgbClr val="C00000"/>
+                              </a:solidFill>
+                              <a:latin typeface="Cambria Math" panose="02040503050406030204" pitchFamily="18" charset="0"/>
+                            </a:rPr>
+                            <m:t>𝑧</m:t>
+                          </m:r>
+                        </m:sup>
+                      </m:sSup>
+                    </m:oMath>
+                  </m:oMathPara>
+                </a14:m>
+                <a:endParaRPr lang="en-US" dirty="0"/>
+              </a:p>
+            </p:txBody>
+          </p:sp>
+        </mc:Choice>
+        <mc:Fallback xmlns="">
+          <p:sp>
+            <p:nvSpPr>
+              <p:cNvPr id="25" name="TextBox 24">
+                <a:extLst>
+                  <a:ext uri="{FF2B5EF4-FFF2-40B4-BE49-F238E27FC236}">
+                    <a16:creationId xmlns:a16="http://schemas.microsoft.com/office/drawing/2014/main" id="{0A73E10E-B044-A527-C68C-F6BFFE6A3613}"/>
+                  </a:ext>
+                </a:extLst>
+              </p:cNvPr>
+              <p:cNvSpPr txBox="1">
+                <a:spLocks noRot="1" noChangeAspect="1" noMove="1" noResize="1" noEditPoints="1" noAdjustHandles="1" noChangeArrowheads="1" noChangeShapeType="1" noTextEdit="1"/>
+              </p:cNvSpPr>
+              <p:nvPr/>
+            </p:nvSpPr>
+            <p:spPr>
+              <a:xfrm>
+                <a:off x="1182694" y="15046993"/>
+                <a:ext cx="9765919" cy="898436"/>
+              </a:xfrm>
+              <a:prstGeom prst="rect">
+                <a:avLst/>
+              </a:prstGeom>
+              <a:blipFill>
+                <a:blip r:embed="rId14"/>
+                <a:stretch>
+                  <a:fillRect/>
+                </a:stretch>
+              </a:blipFill>
+              <a:ln w="12700" cap="flat">
+                <a:noFill/>
+                <a:miter lim="400000"/>
+              </a:ln>
+              <a:effectLst/>
+            </p:spPr>
+            <p:txBody>
+              <a:bodyPr/>
+              <a:lstStyle/>
+              <a:p>
+                <a:r>
+                  <a:rPr lang="en-US">
+                    <a:noFill/>
+                  </a:rPr>
+                  <a:t> </a:t>
+                </a:r>
+              </a:p>
+            </p:txBody>
+          </p:sp>
+        </mc:Fallback>
+      </mc:AlternateContent>
+      <mc:AlternateContent xmlns:mc="http://schemas.openxmlformats.org/markup-compatibility/2006">
+        <mc:Choice xmlns:a14="http://schemas.microsoft.com/office/drawing/2010/main" Requires="a14">
+          <p:sp>
+            <p:nvSpPr>
+              <p:cNvPr id="55" name="TextBox 54">
+                <a:extLst>
+                  <a:ext uri="{FF2B5EF4-FFF2-40B4-BE49-F238E27FC236}">
+                    <a16:creationId xmlns:a16="http://schemas.microsoft.com/office/drawing/2014/main" id="{E2B5B449-F82F-779E-0D5C-D91938A4AC8C}"/>
+                  </a:ext>
+                </a:extLst>
+              </p:cNvPr>
+              <p:cNvSpPr txBox="1"/>
+              <p:nvPr/>
+            </p:nvSpPr>
+            <p:spPr>
+              <a:xfrm>
+                <a:off x="1007882" y="17412682"/>
+                <a:ext cx="10206319" cy="3539430"/>
+              </a:xfrm>
+              <a:prstGeom prst="rect">
+                <a:avLst/>
+              </a:prstGeom>
+              <a:noFill/>
+              <a:ln w="12700" cap="flat">
+                <a:noFill/>
+                <a:miter lim="400000"/>
+              </a:ln>
+              <a:effectLst/>
+              <a:sp3d/>
+            </p:spPr>
+            <p:style>
+              <a:lnRef idx="0">
+                <a:scrgbClr r="0" g="0" b="0"/>
+              </a:lnRef>
+              <a:fillRef idx="0">
+                <a:scrgbClr r="0" g="0" b="0"/>
+              </a:fillRef>
+              <a:effectRef idx="0">
+                <a:scrgbClr r="0" g="0" b="0"/>
+              </a:effectRef>
+              <a:fontRef idx="none"/>
+            </p:style>
+            <p:txBody>
+              <a:bodyPr wrap="square">
+                <a:spAutoFit/>
+              </a:bodyPr>
+              <a:lstStyle/>
+              <a:p>
+                <a:pPr>
+                  <a:buClr>
+                    <a:schemeClr val="tx1"/>
+                  </a:buClr>
+                </a:pPr>
+                <a:r>
+                  <a:rPr lang="en-US" sz="3200" dirty="0">
+                    <a:solidFill>
+                      <a:srgbClr val="00B050"/>
+                    </a:solidFill>
+                  </a:rPr>
+                  <a:t>Input</a:t>
+                </a:r>
+                <a:r>
+                  <a:rPr lang="en-US" sz="3200" dirty="0"/>
+                  <a:t>: Elements of an underlying data set </a:t>
+                </a:r>
+                <a14:m>
+                  <m:oMath xmlns:m="http://schemas.openxmlformats.org/officeDocument/2006/math">
+                    <m:r>
+                      <a:rPr lang="en-US" sz="3200" i="1">
+                        <a:solidFill>
+                          <a:srgbClr val="C00000"/>
+                        </a:solidFill>
+                        <a:latin typeface="Cambria Math" panose="02040503050406030204" pitchFamily="18" charset="0"/>
+                      </a:rPr>
+                      <m:t>𝑆</m:t>
+                    </m:r>
+                  </m:oMath>
+                </a14:m>
+                <a:r>
+                  <a:rPr lang="en-US" sz="3200" dirty="0"/>
+                  <a:t>, which arrives sequentially</a:t>
+                </a:r>
+              </a:p>
+              <a:p>
+                <a:pPr>
+                  <a:buClr>
+                    <a:schemeClr val="tx1"/>
+                  </a:buClr>
+                </a:pPr>
+                <a:r>
+                  <a:rPr lang="en-US" sz="3200" dirty="0">
+                    <a:solidFill>
+                      <a:srgbClr val="00B050"/>
+                    </a:solidFill>
+                  </a:rPr>
+                  <a:t>Output</a:t>
+                </a:r>
+                <a:r>
+                  <a:rPr lang="en-US" sz="3200" dirty="0"/>
+                  <a:t>: Evaluation (or approximation) of a given function</a:t>
+                </a:r>
+              </a:p>
+              <a:p>
+                <a:pPr>
+                  <a:buClr>
+                    <a:schemeClr val="tx1"/>
+                  </a:buClr>
+                </a:pPr>
+                <a:r>
+                  <a:rPr lang="en-US" sz="3200" dirty="0">
+                    <a:solidFill>
+                      <a:srgbClr val="00B050"/>
+                    </a:solidFill>
+                  </a:rPr>
+                  <a:t>Goal</a:t>
+                </a:r>
+                <a:r>
+                  <a:rPr lang="en-US" sz="3200" dirty="0"/>
+                  <a:t>: Use space </a:t>
+                </a:r>
+                <a:r>
+                  <a:rPr lang="en-US" sz="3200" i="1" dirty="0">
+                    <a:solidFill>
+                      <a:srgbClr val="7030A0"/>
+                    </a:solidFill>
+                  </a:rPr>
+                  <a:t>sublinear</a:t>
+                </a:r>
+                <a:r>
+                  <a:rPr lang="en-US" sz="3200" i="1" dirty="0"/>
+                  <a:t> </a:t>
+                </a:r>
+                <a:r>
+                  <a:rPr lang="en-US" sz="3200" dirty="0"/>
+                  <a:t>in the size </a:t>
+                </a:r>
+                <a14:m>
+                  <m:oMath xmlns:m="http://schemas.openxmlformats.org/officeDocument/2006/math">
+                    <m:r>
+                      <a:rPr lang="en-US" sz="3200" i="1">
+                        <a:solidFill>
+                          <a:srgbClr val="C00000"/>
+                        </a:solidFill>
+                        <a:latin typeface="Cambria Math" panose="02040503050406030204" pitchFamily="18" charset="0"/>
+                      </a:rPr>
+                      <m:t>𝑚</m:t>
+                    </m:r>
+                    <m:r>
+                      <a:rPr lang="en-US" sz="3200" i="1">
+                        <a:solidFill>
+                          <a:srgbClr val="C00000"/>
+                        </a:solidFill>
+                        <a:latin typeface="Cambria Math" panose="02040503050406030204" pitchFamily="18" charset="0"/>
+                      </a:rPr>
+                      <m:t> </m:t>
+                    </m:r>
+                  </m:oMath>
+                </a14:m>
+                <a:r>
+                  <a:rPr lang="en-US" sz="3200" dirty="0"/>
+                  <a:t>of the input </a:t>
+                </a:r>
+                <a14:m>
+                  <m:oMath xmlns:m="http://schemas.openxmlformats.org/officeDocument/2006/math">
+                    <m:r>
+                      <a:rPr lang="en-US" sz="3200" i="1">
+                        <a:solidFill>
+                          <a:srgbClr val="C00000"/>
+                        </a:solidFill>
+                        <a:latin typeface="Cambria Math" panose="02040503050406030204" pitchFamily="18" charset="0"/>
+                      </a:rPr>
+                      <m:t>𝑆</m:t>
+                    </m:r>
+                  </m:oMath>
+                </a14:m>
+                <a:endParaRPr lang="en-US" sz="3200" dirty="0">
+                  <a:solidFill>
+                    <a:srgbClr val="C00000"/>
+                  </a:solidFill>
+                </a:endParaRPr>
+              </a:p>
+              <a:p>
+                <a:pPr>
+                  <a:buClr>
+                    <a:schemeClr val="tx1"/>
+                  </a:buClr>
+                </a:pPr>
+                <a:r>
+                  <a:rPr lang="en-US" sz="3200" dirty="0">
+                    <a:solidFill>
+                      <a:srgbClr val="00B050"/>
+                    </a:solidFill>
+                  </a:rPr>
+                  <a:t>Sliding Window</a:t>
+                </a:r>
+                <a:r>
+                  <a:rPr lang="en-US" sz="3200" dirty="0"/>
+                  <a:t>: “Only the </a:t>
+                </a:r>
+                <a14:m>
+                  <m:oMath xmlns:m="http://schemas.openxmlformats.org/officeDocument/2006/math">
+                    <m:r>
+                      <a:rPr lang="en-US" sz="3200" i="1">
+                        <a:solidFill>
+                          <a:srgbClr val="C00000"/>
+                        </a:solidFill>
+                        <a:latin typeface="Cambria Math" panose="02040503050406030204" pitchFamily="18" charset="0"/>
+                      </a:rPr>
+                      <m:t>𝑚</m:t>
+                    </m:r>
+                  </m:oMath>
+                </a14:m>
+                <a:r>
+                  <a:rPr lang="en-US" sz="3200" dirty="0"/>
+                  <a:t> most recent updates form the underlying data set </a:t>
+                </a:r>
+                <a14:m>
+                  <m:oMath xmlns:m="http://schemas.openxmlformats.org/officeDocument/2006/math">
+                    <m:r>
+                      <a:rPr lang="en-US" sz="3200" i="1">
+                        <a:solidFill>
+                          <a:srgbClr val="C00000"/>
+                        </a:solidFill>
+                        <a:latin typeface="Cambria Math" panose="02040503050406030204" pitchFamily="18" charset="0"/>
+                      </a:rPr>
+                      <m:t>𝑆</m:t>
+                    </m:r>
+                  </m:oMath>
+                </a14:m>
+                <a:r>
+                  <a:rPr lang="en-US" sz="3200" dirty="0"/>
+                  <a:t>”</a:t>
+                </a:r>
+              </a:p>
+              <a:p>
+                <a:pPr>
+                  <a:buClr>
+                    <a:schemeClr val="tx1"/>
+                  </a:buClr>
+                </a:pPr>
+                <a:endParaRPr lang="en-US" sz="3200" dirty="0">
+                  <a:solidFill>
+                    <a:srgbClr val="C00000"/>
+                  </a:solidFill>
+                </a:endParaRPr>
+              </a:p>
+            </p:txBody>
+          </p:sp>
+        </mc:Choice>
+        <mc:Fallback>
+          <p:sp>
+            <p:nvSpPr>
+              <p:cNvPr id="55" name="TextBox 54">
+                <a:extLst>
+                  <a:ext uri="{FF2B5EF4-FFF2-40B4-BE49-F238E27FC236}">
+                    <a16:creationId xmlns:a16="http://schemas.microsoft.com/office/drawing/2014/main" id="{E2B5B449-F82F-779E-0D5C-D91938A4AC8C}"/>
+                  </a:ext>
+                </a:extLst>
+              </p:cNvPr>
+              <p:cNvSpPr txBox="1">
+                <a:spLocks noRot="1" noChangeAspect="1" noMove="1" noResize="1" noEditPoints="1" noAdjustHandles="1" noChangeArrowheads="1" noChangeShapeType="1" noTextEdit="1"/>
+              </p:cNvSpPr>
+              <p:nvPr/>
+            </p:nvSpPr>
+            <p:spPr>
+              <a:xfrm>
+                <a:off x="1007882" y="17412682"/>
+                <a:ext cx="10206319" cy="3539430"/>
+              </a:xfrm>
+              <a:prstGeom prst="rect">
+                <a:avLst/>
+              </a:prstGeom>
+              <a:blipFill>
+                <a:blip r:embed="rId15"/>
+                <a:stretch>
+                  <a:fillRect l="-1493" t="-2065" r="-657"/>
+                </a:stretch>
+              </a:blipFill>
+              <a:ln w="12700" cap="flat">
+                <a:noFill/>
+                <a:miter lim="400000"/>
+              </a:ln>
+              <a:effectLst/>
+            </p:spPr>
+            <p:txBody>
+              <a:bodyPr/>
+              <a:lstStyle/>
+              <a:p>
+                <a:r>
+                  <a:rPr lang="en-US">
+                    <a:noFill/>
+                  </a:rPr>
+                  <a:t> </a:t>
+                </a:r>
+              </a:p>
+            </p:txBody>
+          </p:sp>
+        </mc:Fallback>
+      </mc:AlternateContent>
+      <p:sp>
+        <p:nvSpPr>
+          <p:cNvPr id="56" name="TextBox 55">
+            <a:extLst>
+              <a:ext uri="{FF2B5EF4-FFF2-40B4-BE49-F238E27FC236}">
+                <a16:creationId xmlns:a16="http://schemas.microsoft.com/office/drawing/2014/main" id="{296E9EAB-F983-80C9-A7EC-142960C1AAFC}"/>
+              </a:ext>
+            </a:extLst>
+          </p:cNvPr>
+          <p:cNvSpPr txBox="1"/>
+          <p:nvPr/>
+        </p:nvSpPr>
+        <p:spPr>
+          <a:xfrm>
+            <a:off x="5930312" y="20731735"/>
+            <a:ext cx="3820277" cy="707886"/>
+          </a:xfrm>
+          <a:prstGeom prst="rect">
+            <a:avLst/>
+          </a:prstGeom>
+          <a:noFill/>
         </p:spPr>
         <p:txBody>
-          <a:bodyPr lIns="45719" rIns="45719">
+          <a:bodyPr wrap="none" rtlCol="0">
             <a:spAutoFit/>
           </a:bodyPr>
-          <a:lstStyle>
-            <a:lvl1pPr>
-              <a:lnSpc>
-                <a:spcPct val="120000"/>
-              </a:lnSpc>
-              <a:defRPr sz="2100">
-                <a:solidFill>
-                  <a:srgbClr val="344854"/>
-                </a:solidFill>
-                <a:latin typeface="Arial"/>
-                <a:ea typeface="Arial"/>
-                <a:cs typeface="Arial"/>
-                <a:sym typeface="Arial"/>
-              </a:defRPr>
-            </a:lvl1pPr>
-          </a:lstStyle>
+          <a:lstStyle/>
           <a:p>
             <a:r>
-              <a:t>This section is an example of a paragraph.  When creating sections, regardless of whether you're putting in text or images, always try to align to the edges of the yellow guidelines. This poster canvas is broken into 3 columns, and aligning to the edges will make it much easier for viewers to differentiate sections and read information.</a:t>
+              <a:rPr lang="en-US" sz="4000" dirty="0"/>
+              <a:t>1 0 1 1 1 0 0 1 1 0</a:t>
             </a:r>
           </a:p>
         </p:txBody>
       </p:sp>
       <p:sp>
         <p:nvSpPr>
-          <p:cNvPr id="42" name="TextBox 51"/>
+          <p:cNvPr id="57" name="Rectangle 56">
+            <a:extLst>
+              <a:ext uri="{FF2B5EF4-FFF2-40B4-BE49-F238E27FC236}">
+                <a16:creationId xmlns:a16="http://schemas.microsoft.com/office/drawing/2014/main" id="{EDDB5C30-E9A1-8F03-3F2E-E0B960AC54A2}"/>
+              </a:ext>
+            </a:extLst>
+          </p:cNvPr>
+          <p:cNvSpPr/>
+          <p:nvPr/>
+        </p:nvSpPr>
+        <p:spPr>
+          <a:xfrm>
+            <a:off x="6743112" y="20731735"/>
+            <a:ext cx="2926374" cy="718928"/>
+          </a:xfrm>
+          <a:prstGeom prst="rect">
+            <a:avLst/>
+          </a:prstGeom>
+          <a:noFill/>
+          <a:ln w="57150">
+            <a:prstDash val="sysDash"/>
+          </a:ln>
+        </p:spPr>
+        <p:style>
+          <a:lnRef idx="2">
+            <a:schemeClr val="accent1">
+              <a:shade val="50000"/>
+            </a:schemeClr>
+          </a:lnRef>
+          <a:fillRef idx="1">
+            <a:schemeClr val="accent1"/>
+          </a:fillRef>
+          <a:effectRef idx="0">
+            <a:schemeClr val="accent1"/>
+          </a:effectRef>
+          <a:fontRef idx="minor">
+            <a:schemeClr val="lt1"/>
+          </a:fontRef>
+        </p:style>
+        <p:txBody>
+          <a:bodyPr rtlCol="0" anchor="ctr"/>
+          <a:lstStyle/>
+          <a:p>
+            <a:pPr algn="ctr"/>
+            <a:endParaRPr lang="en-US"/>
+          </a:p>
+        </p:txBody>
+      </p:sp>
+      <p:pic>
+        <p:nvPicPr>
+          <p:cNvPr id="59" name="Picture 58">
+            <a:extLst>
+              <a:ext uri="{FF2B5EF4-FFF2-40B4-BE49-F238E27FC236}">
+                <a16:creationId xmlns:a16="http://schemas.microsoft.com/office/drawing/2014/main" id="{93443F80-914B-E767-A6AC-7B2D076E83D4}"/>
+              </a:ext>
+            </a:extLst>
+          </p:cNvPr>
+          <p:cNvPicPr>
+            <a:picLocks noChangeAspect="1"/>
+          </p:cNvPicPr>
+          <p:nvPr/>
+        </p:nvPicPr>
+        <p:blipFill>
+          <a:blip r:embed="rId16"/>
+          <a:stretch>
+            <a:fillRect/>
+          </a:stretch>
+        </p:blipFill>
+        <p:spPr>
+          <a:xfrm>
+            <a:off x="11822356" y="3826567"/>
+            <a:ext cx="12031426" cy="3547579"/>
+          </a:xfrm>
+          <a:prstGeom prst="rect">
+            <a:avLst/>
+          </a:prstGeom>
+        </p:spPr>
+      </p:pic>
+      <p:sp>
+        <p:nvSpPr>
+          <p:cNvPr id="62" name="TextBox 43">
+            <a:extLst>
+              <a:ext uri="{FF2B5EF4-FFF2-40B4-BE49-F238E27FC236}">
+                <a16:creationId xmlns:a16="http://schemas.microsoft.com/office/drawing/2014/main" id="{E5D97AEE-0BE2-DD06-E8BE-FD52E0710686}"/>
+              </a:ext>
+            </a:extLst>
+          </p:cNvPr>
           <p:cNvSpPr txBox="1"/>
           <p:nvPr/>
         </p:nvSpPr>
         <p:spPr>
           <a:xfrm>
-            <a:off x="22928580" y="11375924"/>
-            <a:ext cx="9029701" cy="572614"/>
+            <a:off x="11856775" y="7565879"/>
+            <a:ext cx="9064533" cy="830997"/>
           </a:xfrm>
           <a:prstGeom prst="rect">
             <a:avLst/>
@@ -2413,21 +5512,2332 @@
           </a:lstStyle>
           <a:p>
             <a:r>
-              <a:t>Section header in 34pt font</a:t>
+              <a:rPr lang="en-US" sz="4800" dirty="0"/>
+              <a:t>Our Results</a:t>
             </a:r>
+            <a:endParaRPr sz="4800" dirty="0"/>
           </a:p>
         </p:txBody>
       </p:sp>
+      <mc:AlternateContent xmlns:mc="http://schemas.openxmlformats.org/markup-compatibility/2006">
+        <mc:Choice xmlns:a14="http://schemas.microsoft.com/office/drawing/2010/main" Requires="a14">
+          <p:sp>
+            <p:nvSpPr>
+              <p:cNvPr id="64" name="TextBox 63">
+                <a:extLst>
+                  <a:ext uri="{FF2B5EF4-FFF2-40B4-BE49-F238E27FC236}">
+                    <a16:creationId xmlns:a16="http://schemas.microsoft.com/office/drawing/2014/main" id="{F6D6CE8F-481B-8A3E-41E4-4A165F8690FD}"/>
+                  </a:ext>
+                </a:extLst>
+              </p:cNvPr>
+              <p:cNvSpPr txBox="1"/>
+              <p:nvPr/>
+            </p:nvSpPr>
+            <p:spPr>
+              <a:xfrm>
+                <a:off x="11856775" y="8493681"/>
+                <a:ext cx="12361362" cy="8612038"/>
+              </a:xfrm>
+              <a:prstGeom prst="rect">
+                <a:avLst/>
+              </a:prstGeom>
+              <a:noFill/>
+              <a:ln w="12700" cap="flat">
+                <a:noFill/>
+                <a:miter lim="400000"/>
+              </a:ln>
+              <a:effectLst/>
+              <a:sp3d/>
+            </p:spPr>
+            <p:style>
+              <a:lnRef idx="0">
+                <a:scrgbClr r="0" g="0" b="0"/>
+              </a:lnRef>
+              <a:fillRef idx="0">
+                <a:scrgbClr r="0" g="0" b="0"/>
+              </a:fillRef>
+              <a:effectRef idx="0">
+                <a:scrgbClr r="0" g="0" b="0"/>
+              </a:effectRef>
+              <a:fontRef idx="none"/>
+            </p:style>
+            <p:txBody>
+              <a:bodyPr wrap="square">
+                <a:spAutoFit/>
+              </a:bodyPr>
+              <a:lstStyle/>
+              <a:p>
+                <a:r>
+                  <a:rPr lang="en-US" sz="3200" dirty="0">
+                    <a:solidFill>
+                      <a:srgbClr val="00B050"/>
+                    </a:solidFill>
+                  </a:rPr>
+                  <a:t>Theorem</a:t>
+                </a:r>
+                <a:r>
+                  <a:rPr lang="en-US" sz="3200" dirty="0"/>
+                  <a:t>: There exists an algorithm that samples</a:t>
+                </a:r>
+                <a:r>
+                  <a:rPr lang="en-US" sz="3200" b="0" dirty="0">
+                    <a:solidFill>
+                      <a:srgbClr val="C00000"/>
+                    </a:solidFill>
+                  </a:rPr>
+                  <a:t> </a:t>
+                </a:r>
+                <a14:m>
+                  <m:oMath xmlns:m="http://schemas.openxmlformats.org/officeDocument/2006/math">
+                    <m:f>
+                      <m:fPr>
+                        <m:ctrlPr>
+                          <a:rPr lang="en-US" sz="3200" b="0" i="1" smtClean="0">
+                            <a:solidFill>
+                              <a:srgbClr val="C00000"/>
+                            </a:solidFill>
+                            <a:latin typeface="Cambria Math" panose="02040503050406030204" pitchFamily="18" charset="0"/>
+                          </a:rPr>
+                        </m:ctrlPr>
+                      </m:fPr>
+                      <m:num>
+                        <m:r>
+                          <a:rPr lang="en-US" sz="3200" b="0" i="1" smtClean="0">
+                            <a:solidFill>
+                              <a:srgbClr val="C00000"/>
+                            </a:solidFill>
+                            <a:latin typeface="Cambria Math" panose="02040503050406030204" pitchFamily="18" charset="0"/>
+                          </a:rPr>
+                          <m:t>𝑘</m:t>
+                        </m:r>
+                      </m:num>
+                      <m:den>
+                        <m:r>
+                          <m:rPr>
+                            <m:sty m:val="p"/>
+                          </m:rPr>
+                          <a:rPr lang="en-US" sz="3200" b="0" i="0" smtClean="0">
+                            <a:solidFill>
+                              <a:srgbClr val="C00000"/>
+                            </a:solidFill>
+                            <a:latin typeface="Cambria Math" panose="02040503050406030204" pitchFamily="18" charset="0"/>
+                          </a:rPr>
+                          <m:t>min</m:t>
+                        </m:r>
+                        <m:r>
+                          <a:rPr lang="en-US" sz="3200" b="0" i="0" smtClean="0">
+                            <a:solidFill>
+                              <a:srgbClr val="C00000"/>
+                            </a:solidFill>
+                            <a:latin typeface="Cambria Math" panose="02040503050406030204" pitchFamily="18" charset="0"/>
+                          </a:rPr>
+                          <m:t>(</m:t>
+                        </m:r>
+                        <m:sSup>
+                          <m:sSupPr>
+                            <m:ctrlPr>
+                              <a:rPr lang="en-US" sz="3200" b="0" i="1" smtClean="0">
+                                <a:solidFill>
+                                  <a:srgbClr val="C00000"/>
+                                </a:solidFill>
+                                <a:latin typeface="Cambria Math" panose="02040503050406030204" pitchFamily="18" charset="0"/>
+                              </a:rPr>
+                            </m:ctrlPr>
+                          </m:sSupPr>
+                          <m:e>
+                            <m:r>
+                              <a:rPr lang="en-US" sz="3200" b="0" i="1" smtClean="0">
+                                <a:solidFill>
+                                  <a:srgbClr val="C00000"/>
+                                </a:solidFill>
+                                <a:latin typeface="Cambria Math" panose="02040503050406030204" pitchFamily="18" charset="0"/>
+                              </a:rPr>
+                              <m:t>𝜀</m:t>
+                            </m:r>
+                          </m:e>
+                          <m:sup>
+                            <m:r>
+                              <a:rPr lang="en-US" sz="3200" b="0" i="1" smtClean="0">
+                                <a:solidFill>
+                                  <a:srgbClr val="C00000"/>
+                                </a:solidFill>
+                                <a:latin typeface="Cambria Math" panose="02040503050406030204" pitchFamily="18" charset="0"/>
+                              </a:rPr>
+                              <m:t>4</m:t>
+                            </m:r>
+                          </m:sup>
+                        </m:sSup>
+                        <m:r>
+                          <a:rPr lang="en-US" sz="3200" b="0" i="1" smtClean="0">
+                            <a:solidFill>
+                              <a:srgbClr val="C00000"/>
+                            </a:solidFill>
+                            <a:latin typeface="Cambria Math" panose="02040503050406030204" pitchFamily="18" charset="0"/>
+                          </a:rPr>
+                          <m:t>,</m:t>
+                        </m:r>
+                        <m:sSup>
+                          <m:sSupPr>
+                            <m:ctrlPr>
+                              <a:rPr lang="en-US" sz="3200" b="0" i="1" smtClean="0">
+                                <a:solidFill>
+                                  <a:srgbClr val="C00000"/>
+                                </a:solidFill>
+                                <a:latin typeface="Cambria Math" panose="02040503050406030204" pitchFamily="18" charset="0"/>
+                              </a:rPr>
+                            </m:ctrlPr>
+                          </m:sSupPr>
+                          <m:e>
+                            <m:r>
+                              <a:rPr lang="en-US" sz="3200" b="0" i="1" smtClean="0">
+                                <a:solidFill>
+                                  <a:srgbClr val="C00000"/>
+                                </a:solidFill>
+                                <a:latin typeface="Cambria Math" panose="02040503050406030204" pitchFamily="18" charset="0"/>
+                              </a:rPr>
+                              <m:t>𝜀</m:t>
+                            </m:r>
+                          </m:e>
+                          <m:sup>
+                            <m:r>
+                              <a:rPr lang="en-US" sz="3200" b="0" i="1" smtClean="0">
+                                <a:solidFill>
+                                  <a:srgbClr val="C00000"/>
+                                </a:solidFill>
+                                <a:latin typeface="Cambria Math" panose="02040503050406030204" pitchFamily="18" charset="0"/>
+                              </a:rPr>
+                              <m:t>2+</m:t>
+                            </m:r>
+                            <m:r>
+                              <a:rPr lang="en-US" sz="3200" b="0" i="1" smtClean="0">
+                                <a:solidFill>
+                                  <a:srgbClr val="C00000"/>
+                                </a:solidFill>
+                                <a:latin typeface="Cambria Math" panose="02040503050406030204" pitchFamily="18" charset="0"/>
+                              </a:rPr>
+                              <m:t>𝑧</m:t>
+                            </m:r>
+                          </m:sup>
+                        </m:sSup>
+                        <m:r>
+                          <a:rPr lang="en-US" sz="3200" b="0" i="1" smtClean="0">
+                            <a:solidFill>
+                              <a:srgbClr val="C00000"/>
+                            </a:solidFill>
+                            <a:latin typeface="Cambria Math" panose="02040503050406030204" pitchFamily="18" charset="0"/>
+                          </a:rPr>
+                          <m:t>)</m:t>
+                        </m:r>
+                      </m:den>
+                    </m:f>
+                    <m:r>
+                      <m:rPr>
+                        <m:sty m:val="p"/>
+                      </m:rPr>
+                      <a:rPr lang="en-US" sz="3200" b="0" i="0" smtClean="0">
+                        <a:solidFill>
+                          <a:srgbClr val="C00000"/>
+                        </a:solidFill>
+                        <a:latin typeface="Cambria Math" panose="02040503050406030204" pitchFamily="18" charset="0"/>
+                      </a:rPr>
+                      <m:t>polylog</m:t>
+                    </m:r>
+                    <m:f>
+                      <m:fPr>
+                        <m:ctrlPr>
+                          <a:rPr lang="en-US" sz="3200" b="0" i="1" smtClean="0">
+                            <a:solidFill>
+                              <a:srgbClr val="C00000"/>
+                            </a:solidFill>
+                            <a:latin typeface="Cambria Math" panose="02040503050406030204" pitchFamily="18" charset="0"/>
+                          </a:rPr>
+                        </m:ctrlPr>
+                      </m:fPr>
+                      <m:num>
+                        <m:r>
+                          <a:rPr lang="en-US" sz="3200" b="0" i="1" smtClean="0">
+                            <a:solidFill>
+                              <a:srgbClr val="C00000"/>
+                            </a:solidFill>
+                            <a:latin typeface="Cambria Math" panose="02040503050406030204" pitchFamily="18" charset="0"/>
+                          </a:rPr>
+                          <m:t>𝑛</m:t>
+                        </m:r>
+                        <m:r>
+                          <m:rPr>
+                            <m:sty m:val="p"/>
+                          </m:rPr>
+                          <a:rPr lang="en-US" sz="3200" b="0" i="0" smtClean="0">
+                            <a:solidFill>
+                              <a:srgbClr val="C00000"/>
+                            </a:solidFill>
+                            <a:latin typeface="Cambria Math" panose="02040503050406030204" pitchFamily="18" charset="0"/>
+                          </a:rPr>
+                          <m:t>Δ</m:t>
+                        </m:r>
+                      </m:num>
+                      <m:den>
+                        <m:r>
+                          <a:rPr lang="en-US" sz="3200" b="0" i="1" smtClean="0">
+                            <a:solidFill>
+                              <a:srgbClr val="C00000"/>
+                            </a:solidFill>
+                            <a:latin typeface="Cambria Math" panose="02040503050406030204" pitchFamily="18" charset="0"/>
+                          </a:rPr>
+                          <m:t>𝜀</m:t>
+                        </m:r>
+                      </m:den>
+                    </m:f>
+                  </m:oMath>
+                </a14:m>
+                <a:r>
+                  <a:rPr lang="en-US" sz="3200" dirty="0"/>
+                  <a:t> points and with high probability, outputs a </a:t>
+                </a:r>
+                <a14:m>
+                  <m:oMath xmlns:m="http://schemas.openxmlformats.org/officeDocument/2006/math">
+                    <m:d>
+                      <m:dPr>
+                        <m:ctrlPr>
+                          <a:rPr lang="en-US" sz="3200" b="0" i="1" smtClean="0">
+                            <a:solidFill>
+                              <a:srgbClr val="C00000"/>
+                            </a:solidFill>
+                            <a:latin typeface="Cambria Math" panose="02040503050406030204" pitchFamily="18" charset="0"/>
+                          </a:rPr>
+                        </m:ctrlPr>
+                      </m:dPr>
+                      <m:e>
+                        <m:r>
+                          <a:rPr lang="en-US" sz="3200" b="0" i="1" smtClean="0">
+                            <a:solidFill>
+                              <a:srgbClr val="C00000"/>
+                            </a:solidFill>
+                            <a:latin typeface="Cambria Math" panose="02040503050406030204" pitchFamily="18" charset="0"/>
+                          </a:rPr>
+                          <m:t>1+</m:t>
+                        </m:r>
+                        <m:r>
+                          <a:rPr lang="en-US" sz="3200" b="0" i="1" smtClean="0">
+                            <a:solidFill>
+                              <a:srgbClr val="C00000"/>
+                            </a:solidFill>
+                            <a:latin typeface="Cambria Math" panose="02040503050406030204" pitchFamily="18" charset="0"/>
+                          </a:rPr>
+                          <m:t>𝜀</m:t>
+                        </m:r>
+                      </m:e>
+                    </m:d>
+                  </m:oMath>
+                </a14:m>
+                <a:r>
+                  <a:rPr lang="en-US" sz="3200" dirty="0"/>
+                  <a:t>-approximation to </a:t>
+                </a:r>
+                <a14:m>
+                  <m:oMath xmlns:m="http://schemas.openxmlformats.org/officeDocument/2006/math">
+                    <m:r>
+                      <a:rPr lang="en-US" sz="3200" b="0" i="1" smtClean="0">
+                        <a:solidFill>
+                          <a:srgbClr val="C00000"/>
+                        </a:solidFill>
+                        <a:latin typeface="Cambria Math" panose="02040503050406030204" pitchFamily="18" charset="0"/>
+                      </a:rPr>
+                      <m:t>(</m:t>
+                    </m:r>
+                    <m:r>
+                      <a:rPr lang="en-US" sz="3200" b="0" i="1" smtClean="0">
+                        <a:solidFill>
+                          <a:srgbClr val="C00000"/>
+                        </a:solidFill>
+                        <a:latin typeface="Cambria Math" panose="02040503050406030204" pitchFamily="18" charset="0"/>
+                      </a:rPr>
+                      <m:t>𝑘</m:t>
+                    </m:r>
+                    <m:r>
+                      <a:rPr lang="en-US" sz="3200" b="0" i="1" smtClean="0">
+                        <a:solidFill>
+                          <a:srgbClr val="C00000"/>
+                        </a:solidFill>
+                        <a:latin typeface="Cambria Math" panose="02040503050406030204" pitchFamily="18" charset="0"/>
+                      </a:rPr>
+                      <m:t>,</m:t>
+                    </m:r>
+                    <m:r>
+                      <a:rPr lang="en-US" sz="3200" b="0" i="1" smtClean="0">
+                        <a:solidFill>
+                          <a:srgbClr val="C00000"/>
+                        </a:solidFill>
+                        <a:latin typeface="Cambria Math" panose="02040503050406030204" pitchFamily="18" charset="0"/>
+                      </a:rPr>
+                      <m:t>𝑧</m:t>
+                    </m:r>
+                    <m:r>
+                      <a:rPr lang="en-US" sz="3200" b="0" i="1" smtClean="0">
+                        <a:solidFill>
+                          <a:srgbClr val="C00000"/>
+                        </a:solidFill>
+                        <a:latin typeface="Cambria Math" panose="02040503050406030204" pitchFamily="18" charset="0"/>
+                      </a:rPr>
+                      <m:t>)</m:t>
+                    </m:r>
+                  </m:oMath>
+                </a14:m>
+                <a:r>
+                  <a:rPr lang="en-US" sz="3200" dirty="0"/>
+                  <a:t>-clustering for the Euclidean distance on </a:t>
+                </a:r>
+                <a14:m>
+                  <m:oMath xmlns:m="http://schemas.openxmlformats.org/officeDocument/2006/math">
+                    <m:sSup>
+                      <m:sSupPr>
+                        <m:ctrlPr>
+                          <a:rPr lang="en-US" sz="3200" b="0" i="1" smtClean="0">
+                            <a:solidFill>
+                              <a:srgbClr val="C00000"/>
+                            </a:solidFill>
+                            <a:latin typeface="Cambria Math" panose="02040503050406030204" pitchFamily="18" charset="0"/>
+                          </a:rPr>
+                        </m:ctrlPr>
+                      </m:sSupPr>
+                      <m:e>
+                        <m:d>
+                          <m:dPr>
+                            <m:begChr m:val="["/>
+                            <m:endChr m:val="]"/>
+                            <m:ctrlPr>
+                              <a:rPr lang="en-US" sz="3200" b="0" i="1" smtClean="0">
+                                <a:solidFill>
+                                  <a:srgbClr val="C00000"/>
+                                </a:solidFill>
+                                <a:latin typeface="Cambria Math" panose="02040503050406030204" pitchFamily="18" charset="0"/>
+                              </a:rPr>
+                            </m:ctrlPr>
+                          </m:dPr>
+                          <m:e>
+                            <m:r>
+                              <m:rPr>
+                                <m:sty m:val="p"/>
+                              </m:rPr>
+                              <a:rPr lang="en-US" sz="3200" b="0" i="0" smtClean="0">
+                                <a:solidFill>
+                                  <a:srgbClr val="C00000"/>
+                                </a:solidFill>
+                                <a:latin typeface="Cambria Math" panose="02040503050406030204" pitchFamily="18" charset="0"/>
+                              </a:rPr>
+                              <m:t>Δ</m:t>
+                            </m:r>
+                          </m:e>
+                        </m:d>
+                      </m:e>
+                      <m:sup>
+                        <m:r>
+                          <a:rPr lang="en-US" sz="3200" b="0" i="1" smtClean="0">
+                            <a:solidFill>
+                              <a:srgbClr val="C00000"/>
+                            </a:solidFill>
+                            <a:latin typeface="Cambria Math" panose="02040503050406030204" pitchFamily="18" charset="0"/>
+                          </a:rPr>
+                          <m:t>𝑑</m:t>
+                        </m:r>
+                      </m:sup>
+                    </m:sSup>
+                  </m:oMath>
+                </a14:m>
+                <a:r>
+                  <a:rPr lang="en-US" sz="3200" dirty="0"/>
+                  <a:t> in the sliding window model</a:t>
+                </a:r>
+              </a:p>
+              <a:p>
+                <a:r>
+                  <a:rPr lang="en-US" sz="3200" dirty="0">
+                    <a:solidFill>
+                      <a:srgbClr val="00B050"/>
+                    </a:solidFill>
+                  </a:rPr>
+                  <a:t>Theorem</a:t>
+                </a:r>
+                <a:r>
+                  <a:rPr lang="en-US" sz="3200" dirty="0"/>
+                  <a:t>: There exists an algorithm that samples</a:t>
+                </a:r>
+                <a:r>
+                  <a:rPr lang="en-US" sz="3200" b="0" dirty="0">
+                    <a:solidFill>
+                      <a:srgbClr val="C00000"/>
+                    </a:solidFill>
+                  </a:rPr>
+                  <a:t> </a:t>
+                </a:r>
+                <a14:m>
+                  <m:oMath xmlns:m="http://schemas.openxmlformats.org/officeDocument/2006/math">
+                    <m:f>
+                      <m:fPr>
+                        <m:ctrlPr>
+                          <a:rPr lang="en-US" sz="3200" b="0" i="1" smtClean="0">
+                            <a:solidFill>
+                              <a:srgbClr val="C00000"/>
+                            </a:solidFill>
+                            <a:latin typeface="Cambria Math" panose="02040503050406030204" pitchFamily="18" charset="0"/>
+                          </a:rPr>
+                        </m:ctrlPr>
+                      </m:fPr>
+                      <m:num>
+                        <m:r>
+                          <a:rPr lang="en-US" sz="3200" b="0" i="1" smtClean="0">
+                            <a:solidFill>
+                              <a:srgbClr val="C00000"/>
+                            </a:solidFill>
+                            <a:latin typeface="Cambria Math" panose="02040503050406030204" pitchFamily="18" charset="0"/>
+                          </a:rPr>
+                          <m:t>𝑘</m:t>
+                        </m:r>
+                      </m:num>
+                      <m:den>
+                        <m:r>
+                          <m:rPr>
+                            <m:sty m:val="p"/>
+                          </m:rPr>
+                          <a:rPr lang="en-US" sz="3200" b="0" i="0" smtClean="0">
+                            <a:solidFill>
+                              <a:srgbClr val="C00000"/>
+                            </a:solidFill>
+                            <a:latin typeface="Cambria Math" panose="02040503050406030204" pitchFamily="18" charset="0"/>
+                          </a:rPr>
+                          <m:t>min</m:t>
+                        </m:r>
+                        <m:r>
+                          <a:rPr lang="en-US" sz="3200" b="0" i="0" smtClean="0">
+                            <a:solidFill>
+                              <a:srgbClr val="C00000"/>
+                            </a:solidFill>
+                            <a:latin typeface="Cambria Math" panose="02040503050406030204" pitchFamily="18" charset="0"/>
+                          </a:rPr>
+                          <m:t>(</m:t>
+                        </m:r>
+                        <m:sSup>
+                          <m:sSupPr>
+                            <m:ctrlPr>
+                              <a:rPr lang="en-US" sz="3200" b="0" i="1" smtClean="0">
+                                <a:solidFill>
+                                  <a:srgbClr val="C00000"/>
+                                </a:solidFill>
+                                <a:latin typeface="Cambria Math" panose="02040503050406030204" pitchFamily="18" charset="0"/>
+                              </a:rPr>
+                            </m:ctrlPr>
+                          </m:sSupPr>
+                          <m:e>
+                            <m:r>
+                              <a:rPr lang="en-US" sz="3200" b="0" i="1" smtClean="0">
+                                <a:solidFill>
+                                  <a:srgbClr val="C00000"/>
+                                </a:solidFill>
+                                <a:latin typeface="Cambria Math" panose="02040503050406030204" pitchFamily="18" charset="0"/>
+                              </a:rPr>
+                              <m:t>𝜀</m:t>
+                            </m:r>
+                          </m:e>
+                          <m:sup>
+                            <m:r>
+                              <a:rPr lang="en-US" sz="3200" b="0" i="1" smtClean="0">
+                                <a:solidFill>
+                                  <a:srgbClr val="C00000"/>
+                                </a:solidFill>
+                                <a:latin typeface="Cambria Math" panose="02040503050406030204" pitchFamily="18" charset="0"/>
+                              </a:rPr>
+                              <m:t>4</m:t>
+                            </m:r>
+                          </m:sup>
+                        </m:sSup>
+                        <m:r>
+                          <a:rPr lang="en-US" sz="3200" b="0" i="1" smtClean="0">
+                            <a:solidFill>
+                              <a:srgbClr val="C00000"/>
+                            </a:solidFill>
+                            <a:latin typeface="Cambria Math" panose="02040503050406030204" pitchFamily="18" charset="0"/>
+                          </a:rPr>
+                          <m:t>,</m:t>
+                        </m:r>
+                        <m:sSup>
+                          <m:sSupPr>
+                            <m:ctrlPr>
+                              <a:rPr lang="en-US" sz="3200" b="0" i="1" smtClean="0">
+                                <a:solidFill>
+                                  <a:srgbClr val="C00000"/>
+                                </a:solidFill>
+                                <a:latin typeface="Cambria Math" panose="02040503050406030204" pitchFamily="18" charset="0"/>
+                              </a:rPr>
+                            </m:ctrlPr>
+                          </m:sSupPr>
+                          <m:e>
+                            <m:r>
+                              <a:rPr lang="en-US" sz="3200" b="0" i="1" smtClean="0">
+                                <a:solidFill>
+                                  <a:srgbClr val="C00000"/>
+                                </a:solidFill>
+                                <a:latin typeface="Cambria Math" panose="02040503050406030204" pitchFamily="18" charset="0"/>
+                              </a:rPr>
+                              <m:t>𝜀</m:t>
+                            </m:r>
+                          </m:e>
+                          <m:sup>
+                            <m:r>
+                              <a:rPr lang="en-US" sz="3200" b="0" i="1" smtClean="0">
+                                <a:solidFill>
+                                  <a:srgbClr val="C00000"/>
+                                </a:solidFill>
+                                <a:latin typeface="Cambria Math" panose="02040503050406030204" pitchFamily="18" charset="0"/>
+                              </a:rPr>
+                              <m:t>2+</m:t>
+                            </m:r>
+                            <m:r>
+                              <a:rPr lang="en-US" sz="3200" b="0" i="1" smtClean="0">
+                                <a:solidFill>
+                                  <a:srgbClr val="C00000"/>
+                                </a:solidFill>
+                                <a:latin typeface="Cambria Math" panose="02040503050406030204" pitchFamily="18" charset="0"/>
+                              </a:rPr>
+                              <m:t>𝑧</m:t>
+                            </m:r>
+                          </m:sup>
+                        </m:sSup>
+                        <m:r>
+                          <a:rPr lang="en-US" sz="3200" b="0" i="1" smtClean="0">
+                            <a:solidFill>
+                              <a:srgbClr val="C00000"/>
+                            </a:solidFill>
+                            <a:latin typeface="Cambria Math" panose="02040503050406030204" pitchFamily="18" charset="0"/>
+                          </a:rPr>
+                          <m:t>)</m:t>
+                        </m:r>
+                      </m:den>
+                    </m:f>
+                    <m:r>
+                      <m:rPr>
+                        <m:sty m:val="p"/>
+                      </m:rPr>
+                      <a:rPr lang="en-US" sz="3200" b="0" i="0" smtClean="0">
+                        <a:solidFill>
+                          <a:srgbClr val="C00000"/>
+                        </a:solidFill>
+                        <a:latin typeface="Cambria Math" panose="02040503050406030204" pitchFamily="18" charset="0"/>
+                      </a:rPr>
+                      <m:t>polylog</m:t>
+                    </m:r>
+                    <m:f>
+                      <m:fPr>
+                        <m:ctrlPr>
+                          <a:rPr lang="en-US" sz="3200" b="0" i="1" smtClean="0">
+                            <a:solidFill>
+                              <a:srgbClr val="C00000"/>
+                            </a:solidFill>
+                            <a:latin typeface="Cambria Math" panose="02040503050406030204" pitchFamily="18" charset="0"/>
+                          </a:rPr>
+                        </m:ctrlPr>
+                      </m:fPr>
+                      <m:num>
+                        <m:r>
+                          <a:rPr lang="en-US" sz="3200" b="0" i="1" smtClean="0">
+                            <a:solidFill>
+                              <a:srgbClr val="C00000"/>
+                            </a:solidFill>
+                            <a:latin typeface="Cambria Math" panose="02040503050406030204" pitchFamily="18" charset="0"/>
+                          </a:rPr>
+                          <m:t>𝑛</m:t>
+                        </m:r>
+                        <m:r>
+                          <m:rPr>
+                            <m:sty m:val="p"/>
+                          </m:rPr>
+                          <a:rPr lang="en-US" sz="3200" b="0" i="0" smtClean="0">
+                            <a:solidFill>
+                              <a:srgbClr val="C00000"/>
+                            </a:solidFill>
+                            <a:latin typeface="Cambria Math" panose="02040503050406030204" pitchFamily="18" charset="0"/>
+                          </a:rPr>
+                          <m:t>Δ</m:t>
+                        </m:r>
+                      </m:num>
+                      <m:den>
+                        <m:r>
+                          <a:rPr lang="en-US" sz="3200" b="0" i="1" smtClean="0">
+                            <a:solidFill>
+                              <a:srgbClr val="C00000"/>
+                            </a:solidFill>
+                            <a:latin typeface="Cambria Math" panose="02040503050406030204" pitchFamily="18" charset="0"/>
+                          </a:rPr>
+                          <m:t>𝜀</m:t>
+                        </m:r>
+                      </m:den>
+                    </m:f>
+                  </m:oMath>
+                </a14:m>
+                <a:r>
+                  <a:rPr lang="en-US" sz="3200" dirty="0"/>
+                  <a:t> points and with high probability, outputs a </a:t>
+                </a:r>
+                <a14:m>
+                  <m:oMath xmlns:m="http://schemas.openxmlformats.org/officeDocument/2006/math">
+                    <m:d>
+                      <m:dPr>
+                        <m:ctrlPr>
+                          <a:rPr lang="en-US" sz="3200" b="0" i="1" smtClean="0">
+                            <a:solidFill>
+                              <a:srgbClr val="C00000"/>
+                            </a:solidFill>
+                            <a:latin typeface="Cambria Math" panose="02040503050406030204" pitchFamily="18" charset="0"/>
+                          </a:rPr>
+                        </m:ctrlPr>
+                      </m:dPr>
+                      <m:e>
+                        <m:r>
+                          <a:rPr lang="en-US" sz="3200" b="0" i="1" smtClean="0">
+                            <a:solidFill>
+                              <a:srgbClr val="C00000"/>
+                            </a:solidFill>
+                            <a:latin typeface="Cambria Math" panose="02040503050406030204" pitchFamily="18" charset="0"/>
+                          </a:rPr>
+                          <m:t>1+</m:t>
+                        </m:r>
+                        <m:r>
+                          <a:rPr lang="en-US" sz="3200" b="0" i="1" smtClean="0">
+                            <a:solidFill>
+                              <a:srgbClr val="C00000"/>
+                            </a:solidFill>
+                            <a:latin typeface="Cambria Math" panose="02040503050406030204" pitchFamily="18" charset="0"/>
+                          </a:rPr>
+                          <m:t>𝜀</m:t>
+                        </m:r>
+                      </m:e>
+                    </m:d>
+                  </m:oMath>
+                </a14:m>
+                <a:r>
+                  <a:rPr lang="en-US" sz="3200" dirty="0"/>
+                  <a:t>-coreset to </a:t>
+                </a:r>
+                <a14:m>
+                  <m:oMath xmlns:m="http://schemas.openxmlformats.org/officeDocument/2006/math">
+                    <m:r>
+                      <a:rPr lang="en-US" sz="3200" b="0" i="1" smtClean="0">
+                        <a:solidFill>
+                          <a:srgbClr val="C00000"/>
+                        </a:solidFill>
+                        <a:latin typeface="Cambria Math" panose="02040503050406030204" pitchFamily="18" charset="0"/>
+                      </a:rPr>
+                      <m:t>(</m:t>
+                    </m:r>
+                    <m:r>
+                      <a:rPr lang="en-US" sz="3200" b="0" i="1" smtClean="0">
+                        <a:solidFill>
+                          <a:srgbClr val="C00000"/>
+                        </a:solidFill>
+                        <a:latin typeface="Cambria Math" panose="02040503050406030204" pitchFamily="18" charset="0"/>
+                      </a:rPr>
+                      <m:t>𝑘</m:t>
+                    </m:r>
+                    <m:r>
+                      <a:rPr lang="en-US" sz="3200" b="0" i="1" smtClean="0">
+                        <a:solidFill>
+                          <a:srgbClr val="C00000"/>
+                        </a:solidFill>
+                        <a:latin typeface="Cambria Math" panose="02040503050406030204" pitchFamily="18" charset="0"/>
+                      </a:rPr>
+                      <m:t>,</m:t>
+                    </m:r>
+                    <m:r>
+                      <a:rPr lang="en-US" sz="3200" b="0" i="1" smtClean="0">
+                        <a:solidFill>
+                          <a:srgbClr val="C00000"/>
+                        </a:solidFill>
+                        <a:latin typeface="Cambria Math" panose="02040503050406030204" pitchFamily="18" charset="0"/>
+                      </a:rPr>
+                      <m:t>𝑧</m:t>
+                    </m:r>
+                    <m:r>
+                      <a:rPr lang="en-US" sz="3200" b="0" i="1" smtClean="0">
+                        <a:solidFill>
+                          <a:srgbClr val="C00000"/>
+                        </a:solidFill>
+                        <a:latin typeface="Cambria Math" panose="02040503050406030204" pitchFamily="18" charset="0"/>
+                      </a:rPr>
+                      <m:t>)</m:t>
+                    </m:r>
+                  </m:oMath>
+                </a14:m>
+                <a:r>
+                  <a:rPr lang="en-US" sz="3200" dirty="0"/>
+                  <a:t>-clustering on </a:t>
+                </a:r>
+                <a14:m>
+                  <m:oMath xmlns:m="http://schemas.openxmlformats.org/officeDocument/2006/math">
+                    <m:sSup>
+                      <m:sSupPr>
+                        <m:ctrlPr>
+                          <a:rPr lang="en-US" sz="3200" b="0" i="1" smtClean="0">
+                            <a:solidFill>
+                              <a:srgbClr val="C00000"/>
+                            </a:solidFill>
+                            <a:latin typeface="Cambria Math" panose="02040503050406030204" pitchFamily="18" charset="0"/>
+                          </a:rPr>
+                        </m:ctrlPr>
+                      </m:sSupPr>
+                      <m:e>
+                        <m:d>
+                          <m:dPr>
+                            <m:begChr m:val="["/>
+                            <m:endChr m:val="]"/>
+                            <m:ctrlPr>
+                              <a:rPr lang="en-US" sz="3200" b="0" i="1" smtClean="0">
+                                <a:solidFill>
+                                  <a:srgbClr val="C00000"/>
+                                </a:solidFill>
+                                <a:latin typeface="Cambria Math" panose="02040503050406030204" pitchFamily="18" charset="0"/>
+                              </a:rPr>
+                            </m:ctrlPr>
+                          </m:dPr>
+                          <m:e>
+                            <m:r>
+                              <m:rPr>
+                                <m:sty m:val="p"/>
+                              </m:rPr>
+                              <a:rPr lang="en-US" sz="3200" b="0" i="0" smtClean="0">
+                                <a:solidFill>
+                                  <a:srgbClr val="C00000"/>
+                                </a:solidFill>
+                                <a:latin typeface="Cambria Math" panose="02040503050406030204" pitchFamily="18" charset="0"/>
+                              </a:rPr>
+                              <m:t>Δ</m:t>
+                            </m:r>
+                          </m:e>
+                        </m:d>
+                      </m:e>
+                      <m:sup>
+                        <m:r>
+                          <a:rPr lang="en-US" sz="3200" b="0" i="1" smtClean="0">
+                            <a:solidFill>
+                              <a:srgbClr val="C00000"/>
+                            </a:solidFill>
+                            <a:latin typeface="Cambria Math" panose="02040503050406030204" pitchFamily="18" charset="0"/>
+                          </a:rPr>
+                          <m:t>𝑑</m:t>
+                        </m:r>
+                      </m:sup>
+                    </m:sSup>
+                  </m:oMath>
+                </a14:m>
+                <a:r>
+                  <a:rPr lang="en-US" sz="3200" dirty="0"/>
+                  <a:t> in the sliding window model</a:t>
+                </a:r>
+              </a:p>
+              <a:p>
+                <a:r>
+                  <a:rPr lang="en-US" sz="3200" dirty="0">
+                    <a:solidFill>
+                      <a:srgbClr val="00B050"/>
+                    </a:solidFill>
+                  </a:rPr>
+                  <a:t>Theorem</a:t>
+                </a:r>
+                <a:r>
+                  <a:rPr lang="en-US" sz="3200" dirty="0"/>
+                  <a:t>: There exists an algorithm that samples</a:t>
+                </a:r>
+                <a:r>
+                  <a:rPr lang="en-US" sz="3200" b="0" dirty="0">
+                    <a:solidFill>
+                      <a:srgbClr val="C00000"/>
+                    </a:solidFill>
+                  </a:rPr>
+                  <a:t> </a:t>
+                </a:r>
+                <a14:m>
+                  <m:oMath xmlns:m="http://schemas.openxmlformats.org/officeDocument/2006/math">
+                    <m:f>
+                      <m:fPr>
+                        <m:ctrlPr>
+                          <a:rPr lang="en-US" sz="3200" b="0" i="1" smtClean="0">
+                            <a:solidFill>
+                              <a:srgbClr val="C00000"/>
+                            </a:solidFill>
+                            <a:latin typeface="Cambria Math" panose="02040503050406030204" pitchFamily="18" charset="0"/>
+                          </a:rPr>
+                        </m:ctrlPr>
+                      </m:fPr>
+                      <m:num>
+                        <m:r>
+                          <a:rPr lang="en-US" sz="3200" b="0" i="1" smtClean="0">
+                            <a:solidFill>
+                              <a:srgbClr val="C00000"/>
+                            </a:solidFill>
+                            <a:latin typeface="Cambria Math" panose="02040503050406030204" pitchFamily="18" charset="0"/>
+                          </a:rPr>
+                          <m:t>𝑘</m:t>
+                        </m:r>
+                      </m:num>
+                      <m:den>
+                        <m:r>
+                          <m:rPr>
+                            <m:sty m:val="p"/>
+                          </m:rPr>
+                          <a:rPr lang="en-US" sz="3200" b="0" i="0" smtClean="0">
+                            <a:solidFill>
+                              <a:srgbClr val="C00000"/>
+                            </a:solidFill>
+                            <a:latin typeface="Cambria Math" panose="02040503050406030204" pitchFamily="18" charset="0"/>
+                          </a:rPr>
+                          <m:t>min</m:t>
+                        </m:r>
+                        <m:r>
+                          <a:rPr lang="en-US" sz="3200" b="0" i="0" smtClean="0">
+                            <a:solidFill>
+                              <a:srgbClr val="C00000"/>
+                            </a:solidFill>
+                            <a:latin typeface="Cambria Math" panose="02040503050406030204" pitchFamily="18" charset="0"/>
+                          </a:rPr>
+                          <m:t>(</m:t>
+                        </m:r>
+                        <m:sSup>
+                          <m:sSupPr>
+                            <m:ctrlPr>
+                              <a:rPr lang="en-US" sz="3200" b="0" i="1" smtClean="0">
+                                <a:solidFill>
+                                  <a:srgbClr val="C00000"/>
+                                </a:solidFill>
+                                <a:latin typeface="Cambria Math" panose="02040503050406030204" pitchFamily="18" charset="0"/>
+                              </a:rPr>
+                            </m:ctrlPr>
+                          </m:sSupPr>
+                          <m:e>
+                            <m:r>
+                              <a:rPr lang="en-US" sz="3200" b="0" i="1" smtClean="0">
+                                <a:solidFill>
+                                  <a:srgbClr val="C00000"/>
+                                </a:solidFill>
+                                <a:latin typeface="Cambria Math" panose="02040503050406030204" pitchFamily="18" charset="0"/>
+                              </a:rPr>
+                              <m:t>𝜀</m:t>
+                            </m:r>
+                          </m:e>
+                          <m:sup>
+                            <m:r>
+                              <a:rPr lang="en-US" sz="3200" b="0" i="1" smtClean="0">
+                                <a:solidFill>
+                                  <a:srgbClr val="C00000"/>
+                                </a:solidFill>
+                                <a:latin typeface="Cambria Math" panose="02040503050406030204" pitchFamily="18" charset="0"/>
+                              </a:rPr>
+                              <m:t>4</m:t>
+                            </m:r>
+                          </m:sup>
+                        </m:sSup>
+                        <m:r>
+                          <a:rPr lang="en-US" sz="3200" b="0" i="1" smtClean="0">
+                            <a:solidFill>
+                              <a:srgbClr val="C00000"/>
+                            </a:solidFill>
+                            <a:latin typeface="Cambria Math" panose="02040503050406030204" pitchFamily="18" charset="0"/>
+                          </a:rPr>
+                          <m:t>,</m:t>
+                        </m:r>
+                        <m:sSup>
+                          <m:sSupPr>
+                            <m:ctrlPr>
+                              <a:rPr lang="en-US" sz="3200" b="0" i="1" smtClean="0">
+                                <a:solidFill>
+                                  <a:srgbClr val="C00000"/>
+                                </a:solidFill>
+                                <a:latin typeface="Cambria Math" panose="02040503050406030204" pitchFamily="18" charset="0"/>
+                              </a:rPr>
+                            </m:ctrlPr>
+                          </m:sSupPr>
+                          <m:e>
+                            <m:r>
+                              <a:rPr lang="en-US" sz="3200" b="0" i="1" smtClean="0">
+                                <a:solidFill>
+                                  <a:srgbClr val="C00000"/>
+                                </a:solidFill>
+                                <a:latin typeface="Cambria Math" panose="02040503050406030204" pitchFamily="18" charset="0"/>
+                              </a:rPr>
+                              <m:t>𝜀</m:t>
+                            </m:r>
+                          </m:e>
+                          <m:sup>
+                            <m:r>
+                              <a:rPr lang="en-US" sz="3200" b="0" i="1" smtClean="0">
+                                <a:solidFill>
+                                  <a:srgbClr val="C00000"/>
+                                </a:solidFill>
+                                <a:latin typeface="Cambria Math" panose="02040503050406030204" pitchFamily="18" charset="0"/>
+                              </a:rPr>
+                              <m:t>2+</m:t>
+                            </m:r>
+                            <m:r>
+                              <a:rPr lang="en-US" sz="3200" b="0" i="1" smtClean="0">
+                                <a:solidFill>
+                                  <a:srgbClr val="C00000"/>
+                                </a:solidFill>
+                                <a:latin typeface="Cambria Math" panose="02040503050406030204" pitchFamily="18" charset="0"/>
+                              </a:rPr>
+                              <m:t>𝑧</m:t>
+                            </m:r>
+                          </m:sup>
+                        </m:sSup>
+                        <m:r>
+                          <a:rPr lang="en-US" sz="3200" b="0" i="1" smtClean="0">
+                            <a:solidFill>
+                              <a:srgbClr val="C00000"/>
+                            </a:solidFill>
+                            <a:latin typeface="Cambria Math" panose="02040503050406030204" pitchFamily="18" charset="0"/>
+                          </a:rPr>
+                          <m:t>)</m:t>
+                        </m:r>
+                      </m:den>
+                    </m:f>
+                    <m:r>
+                      <m:rPr>
+                        <m:sty m:val="p"/>
+                      </m:rPr>
+                      <a:rPr lang="en-US" sz="3200" b="0" i="0" smtClean="0">
+                        <a:solidFill>
+                          <a:srgbClr val="C00000"/>
+                        </a:solidFill>
+                        <a:latin typeface="Cambria Math" panose="02040503050406030204" pitchFamily="18" charset="0"/>
+                      </a:rPr>
+                      <m:t>polylog</m:t>
+                    </m:r>
+                    <m:f>
+                      <m:fPr>
+                        <m:ctrlPr>
+                          <a:rPr lang="en-US" sz="3200" b="0" i="1" smtClean="0">
+                            <a:solidFill>
+                              <a:srgbClr val="C00000"/>
+                            </a:solidFill>
+                            <a:latin typeface="Cambria Math" panose="02040503050406030204" pitchFamily="18" charset="0"/>
+                          </a:rPr>
+                        </m:ctrlPr>
+                      </m:fPr>
+                      <m:num>
+                        <m:r>
+                          <a:rPr lang="en-US" sz="3200" b="0" i="1" smtClean="0">
+                            <a:solidFill>
+                              <a:srgbClr val="C00000"/>
+                            </a:solidFill>
+                            <a:latin typeface="Cambria Math" panose="02040503050406030204" pitchFamily="18" charset="0"/>
+                          </a:rPr>
+                          <m:t>𝑛</m:t>
+                        </m:r>
+                        <m:r>
+                          <m:rPr>
+                            <m:sty m:val="p"/>
+                          </m:rPr>
+                          <a:rPr lang="en-US" sz="3200" b="0" i="0" smtClean="0">
+                            <a:solidFill>
+                              <a:srgbClr val="C00000"/>
+                            </a:solidFill>
+                            <a:latin typeface="Cambria Math" panose="02040503050406030204" pitchFamily="18" charset="0"/>
+                          </a:rPr>
+                          <m:t>Δ</m:t>
+                        </m:r>
+                      </m:num>
+                      <m:den>
+                        <m:r>
+                          <a:rPr lang="en-US" sz="3200" b="0" i="1" smtClean="0">
+                            <a:solidFill>
+                              <a:srgbClr val="C00000"/>
+                            </a:solidFill>
+                            <a:latin typeface="Cambria Math" panose="02040503050406030204" pitchFamily="18" charset="0"/>
+                          </a:rPr>
+                          <m:t>𝜀</m:t>
+                        </m:r>
+                      </m:den>
+                    </m:f>
+                  </m:oMath>
+                </a14:m>
+                <a:r>
+                  <a:rPr lang="en-US" sz="3200" dirty="0"/>
+                  <a:t> points and with high probability, outputs a </a:t>
+                </a:r>
+                <a14:m>
+                  <m:oMath xmlns:m="http://schemas.openxmlformats.org/officeDocument/2006/math">
+                    <m:d>
+                      <m:dPr>
+                        <m:ctrlPr>
+                          <a:rPr lang="en-US" sz="3200" i="1">
+                            <a:solidFill>
+                              <a:srgbClr val="C00000"/>
+                            </a:solidFill>
+                            <a:latin typeface="Cambria Math" panose="02040503050406030204" pitchFamily="18" charset="0"/>
+                          </a:rPr>
+                        </m:ctrlPr>
+                      </m:dPr>
+                      <m:e>
+                        <m:r>
+                          <a:rPr lang="en-US" sz="3200" i="1">
+                            <a:solidFill>
+                              <a:srgbClr val="C00000"/>
+                            </a:solidFill>
+                            <a:latin typeface="Cambria Math" panose="02040503050406030204" pitchFamily="18" charset="0"/>
+                          </a:rPr>
+                          <m:t>1+</m:t>
+                        </m:r>
+                        <m:r>
+                          <a:rPr lang="en-US" sz="3200" i="1">
+                            <a:solidFill>
+                              <a:srgbClr val="C00000"/>
+                            </a:solidFill>
+                            <a:latin typeface="Cambria Math" panose="02040503050406030204" pitchFamily="18" charset="0"/>
+                          </a:rPr>
+                          <m:t>𝜀</m:t>
+                        </m:r>
+                      </m:e>
+                    </m:d>
+                  </m:oMath>
+                </a14:m>
+                <a:r>
+                  <a:rPr lang="en-US" sz="3200" dirty="0"/>
+                  <a:t>-online coreset to </a:t>
+                </a:r>
+                <a14:m>
+                  <m:oMath xmlns:m="http://schemas.openxmlformats.org/officeDocument/2006/math">
+                    <m:r>
+                      <a:rPr lang="en-US" sz="3200" i="1">
+                        <a:solidFill>
+                          <a:srgbClr val="C00000"/>
+                        </a:solidFill>
+                        <a:latin typeface="Cambria Math" panose="02040503050406030204" pitchFamily="18" charset="0"/>
+                      </a:rPr>
+                      <m:t>(</m:t>
+                    </m:r>
+                    <m:r>
+                      <a:rPr lang="en-US" sz="3200" i="1">
+                        <a:solidFill>
+                          <a:srgbClr val="C00000"/>
+                        </a:solidFill>
+                        <a:latin typeface="Cambria Math" panose="02040503050406030204" pitchFamily="18" charset="0"/>
+                      </a:rPr>
+                      <m:t>𝑘</m:t>
+                    </m:r>
+                    <m:r>
+                      <a:rPr lang="en-US" sz="3200" i="1">
+                        <a:solidFill>
+                          <a:srgbClr val="C00000"/>
+                        </a:solidFill>
+                        <a:latin typeface="Cambria Math" panose="02040503050406030204" pitchFamily="18" charset="0"/>
+                      </a:rPr>
+                      <m:t>,</m:t>
+                    </m:r>
+                    <m:r>
+                      <a:rPr lang="en-US" sz="3200" i="1">
+                        <a:solidFill>
+                          <a:srgbClr val="C00000"/>
+                        </a:solidFill>
+                        <a:latin typeface="Cambria Math" panose="02040503050406030204" pitchFamily="18" charset="0"/>
+                      </a:rPr>
+                      <m:t>𝑧</m:t>
+                    </m:r>
+                    <m:r>
+                      <a:rPr lang="en-US" sz="3200" i="1">
+                        <a:solidFill>
+                          <a:srgbClr val="C00000"/>
+                        </a:solidFill>
+                        <a:latin typeface="Cambria Math" panose="02040503050406030204" pitchFamily="18" charset="0"/>
+                      </a:rPr>
+                      <m:t>)</m:t>
+                    </m:r>
+                  </m:oMath>
+                </a14:m>
+                <a:r>
+                  <a:rPr lang="en-US" sz="3200" dirty="0"/>
+                  <a:t>-clustering on </a:t>
+                </a:r>
+                <a14:m>
+                  <m:oMath xmlns:m="http://schemas.openxmlformats.org/officeDocument/2006/math">
+                    <m:sSup>
+                      <m:sSupPr>
+                        <m:ctrlPr>
+                          <a:rPr lang="en-US" sz="3200" i="1">
+                            <a:solidFill>
+                              <a:srgbClr val="C00000"/>
+                            </a:solidFill>
+                            <a:latin typeface="Cambria Math" panose="02040503050406030204" pitchFamily="18" charset="0"/>
+                          </a:rPr>
+                        </m:ctrlPr>
+                      </m:sSupPr>
+                      <m:e>
+                        <m:d>
+                          <m:dPr>
+                            <m:begChr m:val="["/>
+                            <m:endChr m:val="]"/>
+                            <m:ctrlPr>
+                              <a:rPr lang="en-US" sz="3200" i="1">
+                                <a:solidFill>
+                                  <a:srgbClr val="C00000"/>
+                                </a:solidFill>
+                                <a:latin typeface="Cambria Math" panose="02040503050406030204" pitchFamily="18" charset="0"/>
+                              </a:rPr>
+                            </m:ctrlPr>
+                          </m:dPr>
+                          <m:e>
+                            <m:r>
+                              <m:rPr>
+                                <m:sty m:val="p"/>
+                              </m:rPr>
+                              <a:rPr lang="en-US" sz="3200">
+                                <a:solidFill>
+                                  <a:srgbClr val="C00000"/>
+                                </a:solidFill>
+                                <a:latin typeface="Cambria Math" panose="02040503050406030204" pitchFamily="18" charset="0"/>
+                              </a:rPr>
+                              <m:t>Δ</m:t>
+                            </m:r>
+                          </m:e>
+                        </m:d>
+                      </m:e>
+                      <m:sup>
+                        <m:r>
+                          <a:rPr lang="en-US" sz="3200" i="1">
+                            <a:solidFill>
+                              <a:srgbClr val="C00000"/>
+                            </a:solidFill>
+                            <a:latin typeface="Cambria Math" panose="02040503050406030204" pitchFamily="18" charset="0"/>
+                          </a:rPr>
+                          <m:t>𝑑</m:t>
+                        </m:r>
+                      </m:sup>
+                    </m:sSup>
+                  </m:oMath>
+                </a14:m>
+                <a:r>
+                  <a:rPr lang="en-US" sz="3200" dirty="0"/>
+                  <a:t> </a:t>
+                </a:r>
+              </a:p>
+              <a:p>
+                <a:r>
+                  <a:rPr lang="en-US" sz="3200" dirty="0">
+                    <a:solidFill>
+                      <a:srgbClr val="00B050"/>
+                    </a:solidFill>
+                  </a:rPr>
+                  <a:t>Theorem</a:t>
+                </a:r>
+                <a:r>
+                  <a:rPr lang="en-US" sz="3200" dirty="0"/>
+                  <a:t>: Let </a:t>
+                </a:r>
+                <a14:m>
+                  <m:oMath xmlns:m="http://schemas.openxmlformats.org/officeDocument/2006/math">
+                    <m:r>
+                      <a:rPr lang="en-US" sz="3200" i="1">
+                        <a:solidFill>
+                          <a:srgbClr val="C00000"/>
+                        </a:solidFill>
+                        <a:latin typeface="Cambria Math" panose="02040503050406030204" pitchFamily="18" charset="0"/>
+                      </a:rPr>
+                      <m:t>𝜀</m:t>
+                    </m:r>
+                    <m:r>
+                      <a:rPr lang="en-US" sz="3200" b="0" i="1" smtClean="0">
+                        <a:solidFill>
+                          <a:srgbClr val="C00000"/>
+                        </a:solidFill>
+                        <a:latin typeface="Cambria Math" panose="02040503050406030204" pitchFamily="18" charset="0"/>
+                      </a:rPr>
+                      <m:t>∈(0,1)</m:t>
+                    </m:r>
+                  </m:oMath>
+                </a14:m>
+                <a:r>
+                  <a:rPr lang="en-US" sz="3200" dirty="0"/>
+                  <a:t>. For sufficiently large </a:t>
+                </a:r>
+                <a14:m>
+                  <m:oMath xmlns:m="http://schemas.openxmlformats.org/officeDocument/2006/math">
+                    <m:r>
+                      <a:rPr lang="en-US" sz="3200" b="0" i="1" smtClean="0">
+                        <a:solidFill>
+                          <a:srgbClr val="C00000"/>
+                        </a:solidFill>
+                        <a:latin typeface="Cambria Math" panose="02040503050406030204" pitchFamily="18" charset="0"/>
+                      </a:rPr>
+                      <m:t>𝑛</m:t>
+                    </m:r>
+                  </m:oMath>
+                </a14:m>
+                <a:r>
+                  <a:rPr lang="en-US" sz="3200" dirty="0"/>
+                  <a:t>, </a:t>
+                </a:r>
+                <a14:m>
+                  <m:oMath xmlns:m="http://schemas.openxmlformats.org/officeDocument/2006/math">
+                    <m:r>
+                      <a:rPr lang="en-US" sz="3200" b="0" i="1" smtClean="0">
+                        <a:solidFill>
+                          <a:srgbClr val="C00000"/>
+                        </a:solidFill>
+                        <a:latin typeface="Cambria Math" panose="02040503050406030204" pitchFamily="18" charset="0"/>
+                      </a:rPr>
+                      <m:t>𝑑</m:t>
+                    </m:r>
+                  </m:oMath>
+                </a14:m>
+                <a:r>
+                  <a:rPr lang="en-US" sz="3200" dirty="0"/>
+                  <a:t>, and </a:t>
+                </a:r>
+                <a14:m>
+                  <m:oMath xmlns:m="http://schemas.openxmlformats.org/officeDocument/2006/math">
+                    <m:r>
+                      <m:rPr>
+                        <m:sty m:val="p"/>
+                      </m:rPr>
+                      <a:rPr lang="en-US" sz="3200" b="0" i="0" smtClean="0">
+                        <a:solidFill>
+                          <a:srgbClr val="C00000"/>
+                        </a:solidFill>
+                        <a:latin typeface="Cambria Math" panose="02040503050406030204" pitchFamily="18" charset="0"/>
+                      </a:rPr>
+                      <m:t>Δ</m:t>
+                    </m:r>
+                  </m:oMath>
+                </a14:m>
+                <a:r>
+                  <a:rPr lang="en-US" sz="3200" dirty="0"/>
+                  <a:t>, there exists a</a:t>
+                </a:r>
+                <a:r>
+                  <a:rPr lang="en-US" sz="3200" dirty="0">
+                    <a:solidFill>
+                      <a:srgbClr val="C00000"/>
+                    </a:solidFill>
+                  </a:rPr>
+                  <a:t> </a:t>
+                </a:r>
+                <a14:m>
+                  <m:oMath xmlns:m="http://schemas.openxmlformats.org/officeDocument/2006/math">
+                    <m:r>
+                      <a:rPr lang="en-US" sz="3200" b="0" i="1" smtClean="0">
+                        <a:solidFill>
+                          <a:srgbClr val="C00000"/>
+                        </a:solidFill>
+                        <a:latin typeface="Cambria Math" panose="02040503050406030204" pitchFamily="18" charset="0"/>
+                      </a:rPr>
+                      <m:t>𝑋</m:t>
+                    </m:r>
+                    <m:r>
+                      <a:rPr lang="en-US" sz="3200" b="0" i="1" smtClean="0">
+                        <a:solidFill>
+                          <a:srgbClr val="C00000"/>
+                        </a:solidFill>
+                        <a:latin typeface="Cambria Math" panose="02040503050406030204" pitchFamily="18" charset="0"/>
+                      </a:rPr>
+                      <m:t>⊂</m:t>
+                    </m:r>
+                    <m:sSup>
+                      <m:sSupPr>
+                        <m:ctrlPr>
+                          <a:rPr lang="en-US" sz="3200" b="0" i="1" smtClean="0">
+                            <a:solidFill>
+                              <a:srgbClr val="C00000"/>
+                            </a:solidFill>
+                            <a:latin typeface="Cambria Math" panose="02040503050406030204" pitchFamily="18" charset="0"/>
+                          </a:rPr>
+                        </m:ctrlPr>
+                      </m:sSupPr>
+                      <m:e>
+                        <m:d>
+                          <m:dPr>
+                            <m:begChr m:val="["/>
+                            <m:endChr m:val="]"/>
+                            <m:ctrlPr>
+                              <a:rPr lang="en-US" sz="3200" b="0" i="1" smtClean="0">
+                                <a:solidFill>
+                                  <a:srgbClr val="C00000"/>
+                                </a:solidFill>
+                                <a:latin typeface="Cambria Math" panose="02040503050406030204" pitchFamily="18" charset="0"/>
+                              </a:rPr>
+                            </m:ctrlPr>
+                          </m:dPr>
+                          <m:e>
+                            <m:r>
+                              <m:rPr>
+                                <m:sty m:val="p"/>
+                              </m:rPr>
+                              <a:rPr lang="en-US" sz="3200" b="0" i="0" smtClean="0">
+                                <a:solidFill>
+                                  <a:srgbClr val="C00000"/>
+                                </a:solidFill>
+                                <a:latin typeface="Cambria Math" panose="02040503050406030204" pitchFamily="18" charset="0"/>
+                              </a:rPr>
+                              <m:t>Δ</m:t>
+                            </m:r>
+                          </m:e>
+                        </m:d>
+                      </m:e>
+                      <m:sup>
+                        <m:r>
+                          <a:rPr lang="en-US" sz="3200" b="0" i="1" smtClean="0">
+                            <a:solidFill>
+                              <a:srgbClr val="C00000"/>
+                            </a:solidFill>
+                            <a:latin typeface="Cambria Math" panose="02040503050406030204" pitchFamily="18" charset="0"/>
+                          </a:rPr>
+                          <m:t>𝑑</m:t>
+                        </m:r>
+                      </m:sup>
+                    </m:sSup>
+                  </m:oMath>
+                </a14:m>
+                <a:r>
+                  <a:rPr lang="en-US" sz="3200" dirty="0"/>
+                  <a:t> of </a:t>
+                </a:r>
+                <a14:m>
+                  <m:oMath xmlns:m="http://schemas.openxmlformats.org/officeDocument/2006/math">
+                    <m:r>
+                      <a:rPr lang="en-US" sz="3200" b="0" i="1" smtClean="0">
+                        <a:solidFill>
+                          <a:srgbClr val="C00000"/>
+                        </a:solidFill>
+                        <a:latin typeface="Cambria Math" panose="02040503050406030204" pitchFamily="18" charset="0"/>
+                      </a:rPr>
+                      <m:t>𝑛</m:t>
+                    </m:r>
+                  </m:oMath>
+                </a14:m>
+                <a:r>
+                  <a:rPr lang="en-US" sz="3200" dirty="0"/>
+                  <a:t> points such that any </a:t>
+                </a:r>
+                <a14:m>
+                  <m:oMath xmlns:m="http://schemas.openxmlformats.org/officeDocument/2006/math">
+                    <m:d>
+                      <m:dPr>
+                        <m:ctrlPr>
+                          <a:rPr lang="en-US" sz="3200" i="1">
+                            <a:solidFill>
+                              <a:srgbClr val="C00000"/>
+                            </a:solidFill>
+                            <a:latin typeface="Cambria Math" panose="02040503050406030204" pitchFamily="18" charset="0"/>
+                          </a:rPr>
+                        </m:ctrlPr>
+                      </m:dPr>
+                      <m:e>
+                        <m:r>
+                          <a:rPr lang="en-US" sz="3200" i="1">
+                            <a:solidFill>
+                              <a:srgbClr val="C00000"/>
+                            </a:solidFill>
+                            <a:latin typeface="Cambria Math" panose="02040503050406030204" pitchFamily="18" charset="0"/>
+                          </a:rPr>
+                          <m:t>1+</m:t>
+                        </m:r>
+                        <m:r>
+                          <a:rPr lang="en-US" sz="3200" i="1">
+                            <a:solidFill>
+                              <a:srgbClr val="C00000"/>
+                            </a:solidFill>
+                            <a:latin typeface="Cambria Math" panose="02040503050406030204" pitchFamily="18" charset="0"/>
+                          </a:rPr>
+                          <m:t>𝜀</m:t>
+                        </m:r>
+                      </m:e>
+                    </m:d>
+                  </m:oMath>
+                </a14:m>
+                <a:r>
+                  <a:rPr lang="en-US" sz="3200" dirty="0"/>
+                  <a:t>-online coreset for </a:t>
+                </a:r>
+                <a14:m>
+                  <m:oMath xmlns:m="http://schemas.openxmlformats.org/officeDocument/2006/math">
+                    <m:r>
+                      <a:rPr lang="en-US" sz="3200" b="0" i="1" smtClean="0">
+                        <a:solidFill>
+                          <a:srgbClr val="C00000"/>
+                        </a:solidFill>
+                        <a:latin typeface="Cambria Math" panose="02040503050406030204" pitchFamily="18" charset="0"/>
+                      </a:rPr>
+                      <m:t>𝑘</m:t>
+                    </m:r>
+                  </m:oMath>
+                </a14:m>
+                <a:r>
+                  <a:rPr lang="en-US" sz="3200" dirty="0"/>
+                  <a:t>-means clustering on </a:t>
+                </a:r>
+                <a14:m>
+                  <m:oMath xmlns:m="http://schemas.openxmlformats.org/officeDocument/2006/math">
+                    <m:r>
+                      <a:rPr lang="en-US" sz="3200" b="0" i="1" smtClean="0">
+                        <a:solidFill>
+                          <a:srgbClr val="C00000"/>
+                        </a:solidFill>
+                        <a:latin typeface="Cambria Math" panose="02040503050406030204" pitchFamily="18" charset="0"/>
+                      </a:rPr>
+                      <m:t>𝑋</m:t>
+                    </m:r>
+                  </m:oMath>
+                </a14:m>
+                <a:r>
+                  <a:rPr lang="en-US" sz="3200" dirty="0"/>
+                  <a:t> requires </a:t>
+                </a:r>
+                <a14:m>
+                  <m:oMath xmlns:m="http://schemas.openxmlformats.org/officeDocument/2006/math">
+                    <m:r>
+                      <m:rPr>
+                        <m:sty m:val="p"/>
+                      </m:rPr>
+                      <a:rPr lang="en-US" sz="3200" b="0" i="0" smtClean="0">
+                        <a:solidFill>
+                          <a:srgbClr val="C00000"/>
+                        </a:solidFill>
+                        <a:latin typeface="Cambria Math" panose="02040503050406030204" pitchFamily="18" charset="0"/>
+                      </a:rPr>
+                      <m:t>Ω</m:t>
+                    </m:r>
+                    <m:d>
+                      <m:dPr>
+                        <m:ctrlPr>
+                          <a:rPr lang="en-US" sz="3200" b="0" i="1" smtClean="0">
+                            <a:solidFill>
+                              <a:srgbClr val="C00000"/>
+                            </a:solidFill>
+                            <a:latin typeface="Cambria Math" panose="02040503050406030204" pitchFamily="18" charset="0"/>
+                          </a:rPr>
+                        </m:ctrlPr>
+                      </m:dPr>
+                      <m:e>
+                        <m:f>
+                          <m:fPr>
+                            <m:ctrlPr>
+                              <a:rPr lang="en-US" sz="3200" b="0" i="1" smtClean="0">
+                                <a:solidFill>
+                                  <a:srgbClr val="C00000"/>
+                                </a:solidFill>
+                                <a:latin typeface="Cambria Math" panose="02040503050406030204" pitchFamily="18" charset="0"/>
+                              </a:rPr>
+                            </m:ctrlPr>
+                          </m:fPr>
+                          <m:num>
+                            <m:r>
+                              <a:rPr lang="en-US" sz="3200" b="0" i="1" smtClean="0">
+                                <a:solidFill>
+                                  <a:srgbClr val="C00000"/>
+                                </a:solidFill>
+                                <a:latin typeface="Cambria Math" panose="02040503050406030204" pitchFamily="18" charset="0"/>
+                              </a:rPr>
+                              <m:t>𝑘</m:t>
+                            </m:r>
+                          </m:num>
+                          <m:den>
+                            <m:sSup>
+                              <m:sSupPr>
+                                <m:ctrlPr>
+                                  <a:rPr lang="en-US" sz="3200" b="0" i="1" smtClean="0">
+                                    <a:solidFill>
+                                      <a:srgbClr val="C00000"/>
+                                    </a:solidFill>
+                                    <a:latin typeface="Cambria Math" panose="02040503050406030204" pitchFamily="18" charset="0"/>
+                                  </a:rPr>
+                                </m:ctrlPr>
+                              </m:sSupPr>
+                              <m:e>
+                                <m:r>
+                                  <a:rPr lang="en-US" sz="3200" b="0" i="1" smtClean="0">
+                                    <a:solidFill>
+                                      <a:srgbClr val="C00000"/>
+                                    </a:solidFill>
+                                    <a:latin typeface="Cambria Math" panose="02040503050406030204" pitchFamily="18" charset="0"/>
+                                  </a:rPr>
+                                  <m:t>𝜀</m:t>
+                                </m:r>
+                              </m:e>
+                              <m:sup>
+                                <m:r>
+                                  <a:rPr lang="en-US" sz="3200" b="0" i="1" smtClean="0">
+                                    <a:solidFill>
+                                      <a:srgbClr val="C00000"/>
+                                    </a:solidFill>
+                                    <a:latin typeface="Cambria Math" panose="02040503050406030204" pitchFamily="18" charset="0"/>
+                                  </a:rPr>
+                                  <m:t>2</m:t>
+                                </m:r>
+                              </m:sup>
+                            </m:sSup>
+                          </m:den>
+                        </m:f>
+                        <m:func>
+                          <m:funcPr>
+                            <m:ctrlPr>
+                              <a:rPr lang="en-US" sz="3200" b="0" i="1" smtClean="0">
+                                <a:solidFill>
+                                  <a:srgbClr val="C00000"/>
+                                </a:solidFill>
+                                <a:latin typeface="Cambria Math" panose="02040503050406030204" pitchFamily="18" charset="0"/>
+                              </a:rPr>
+                            </m:ctrlPr>
+                          </m:funcPr>
+                          <m:fName>
+                            <m:r>
+                              <m:rPr>
+                                <m:sty m:val="p"/>
+                              </m:rPr>
+                              <a:rPr lang="en-US" sz="3200" b="0" i="0" smtClean="0">
+                                <a:solidFill>
+                                  <a:srgbClr val="C00000"/>
+                                </a:solidFill>
+                                <a:latin typeface="Cambria Math" panose="02040503050406030204" pitchFamily="18" charset="0"/>
+                              </a:rPr>
+                              <m:t>log</m:t>
+                            </m:r>
+                          </m:fName>
+                          <m:e>
+                            <m:r>
+                              <a:rPr lang="en-US" sz="3200" b="0" i="1" smtClean="0">
+                                <a:solidFill>
+                                  <a:srgbClr val="C00000"/>
+                                </a:solidFill>
+                                <a:latin typeface="Cambria Math" panose="02040503050406030204" pitchFamily="18" charset="0"/>
+                              </a:rPr>
+                              <m:t>𝑛</m:t>
+                            </m:r>
+                          </m:e>
+                        </m:func>
+                      </m:e>
+                    </m:d>
+                  </m:oMath>
+                </a14:m>
+                <a:r>
+                  <a:rPr lang="en-US" sz="3200" dirty="0"/>
+                  <a:t> points</a:t>
+                </a:r>
+              </a:p>
+              <a:p>
+                <a:r>
+                  <a:rPr lang="en-US" sz="3200" dirty="0">
+                    <a:solidFill>
+                      <a:srgbClr val="00B050"/>
+                    </a:solidFill>
+                  </a:rPr>
+                  <a:t>Note</a:t>
+                </a:r>
+                <a:r>
+                  <a:rPr lang="en-US" sz="3200" dirty="0"/>
+                  <a:t>: Last theorem provides a separation from the offline setting, i.e</a:t>
+                </a:r>
+                <a:r>
+                  <a:rPr lang="en-US" sz="3200" dirty="0">
+                    <a:solidFill>
+                      <a:srgbClr val="C00000"/>
+                    </a:solidFill>
+                  </a:rPr>
+                  <a:t>., [CLSS22]</a:t>
+                </a:r>
+              </a:p>
+            </p:txBody>
+          </p:sp>
+        </mc:Choice>
+        <mc:Fallback>
+          <p:sp>
+            <p:nvSpPr>
+              <p:cNvPr id="64" name="TextBox 63">
+                <a:extLst>
+                  <a:ext uri="{FF2B5EF4-FFF2-40B4-BE49-F238E27FC236}">
+                    <a16:creationId xmlns:a16="http://schemas.microsoft.com/office/drawing/2014/main" id="{F6D6CE8F-481B-8A3E-41E4-4A165F8690FD}"/>
+                  </a:ext>
+                </a:extLst>
+              </p:cNvPr>
+              <p:cNvSpPr txBox="1">
+                <a:spLocks noRot="1" noChangeAspect="1" noMove="1" noResize="1" noEditPoints="1" noAdjustHandles="1" noChangeArrowheads="1" noChangeShapeType="1" noTextEdit="1"/>
+              </p:cNvSpPr>
+              <p:nvPr/>
+            </p:nvSpPr>
+            <p:spPr>
+              <a:xfrm>
+                <a:off x="11856775" y="8493681"/>
+                <a:ext cx="12361362" cy="8612038"/>
+              </a:xfrm>
+              <a:prstGeom prst="rect">
+                <a:avLst/>
+              </a:prstGeom>
+              <a:blipFill>
+                <a:blip r:embed="rId17"/>
+                <a:stretch>
+                  <a:fillRect l="-1233" r="-690" b="-1345"/>
+                </a:stretch>
+              </a:blipFill>
+              <a:ln w="12700" cap="flat">
+                <a:noFill/>
+                <a:miter lim="400000"/>
+              </a:ln>
+              <a:effectLst/>
+            </p:spPr>
+            <p:txBody>
+              <a:bodyPr/>
+              <a:lstStyle/>
+              <a:p>
+                <a:r>
+                  <a:rPr lang="en-US">
+                    <a:noFill/>
+                  </a:rPr>
+                  <a:t> </a:t>
+                </a:r>
+              </a:p>
+            </p:txBody>
+          </p:sp>
+        </mc:Fallback>
+      </mc:AlternateContent>
+      <mc:AlternateContent xmlns:mc="http://schemas.openxmlformats.org/markup-compatibility/2006">
+        <mc:Choice xmlns:a14="http://schemas.microsoft.com/office/drawing/2010/main" Requires="a14">
+          <p:sp>
+            <p:nvSpPr>
+              <p:cNvPr id="68" name="TextBox 67">
+                <a:extLst>
+                  <a:ext uri="{FF2B5EF4-FFF2-40B4-BE49-F238E27FC236}">
+                    <a16:creationId xmlns:a16="http://schemas.microsoft.com/office/drawing/2014/main" id="{464FEFE7-31EC-27D8-B722-D7D47538E6F5}"/>
+                  </a:ext>
+                </a:extLst>
+              </p:cNvPr>
+              <p:cNvSpPr txBox="1"/>
+              <p:nvPr/>
+            </p:nvSpPr>
+            <p:spPr>
+              <a:xfrm>
+                <a:off x="23807183" y="3932621"/>
+                <a:ext cx="9033480" cy="3539430"/>
+              </a:xfrm>
+              <a:prstGeom prst="rect">
+                <a:avLst/>
+              </a:prstGeom>
+              <a:noFill/>
+              <a:ln w="12700" cap="flat">
+                <a:noFill/>
+                <a:miter lim="400000"/>
+              </a:ln>
+              <a:effectLst/>
+              <a:sp3d/>
+            </p:spPr>
+            <p:style>
+              <a:lnRef idx="0">
+                <a:scrgbClr r="0" g="0" b="0"/>
+              </a:lnRef>
+              <a:fillRef idx="0">
+                <a:scrgbClr r="0" g="0" b="0"/>
+              </a:fillRef>
+              <a:effectRef idx="0">
+                <a:scrgbClr r="0" g="0" b="0"/>
+              </a:effectRef>
+              <a:fontRef idx="none"/>
+            </p:style>
+            <p:txBody>
+              <a:bodyPr wrap="square">
+                <a:spAutoFit/>
+              </a:bodyPr>
+              <a:lstStyle/>
+              <a:p>
+                <a:pPr>
+                  <a:buClr>
+                    <a:schemeClr val="tx1"/>
+                  </a:buClr>
+                </a:pPr>
+                <a:r>
+                  <a:rPr lang="en-US" sz="3200" dirty="0"/>
+                  <a:t>Subset </a:t>
+                </a:r>
+                <a14:m>
+                  <m:oMath xmlns:m="http://schemas.openxmlformats.org/officeDocument/2006/math">
+                    <m:r>
+                      <a:rPr lang="en-US" sz="3200" b="0" i="1" smtClean="0">
+                        <a:solidFill>
+                          <a:srgbClr val="C00000"/>
+                        </a:solidFill>
+                        <a:latin typeface="Cambria Math" panose="02040503050406030204" pitchFamily="18" charset="0"/>
+                      </a:rPr>
+                      <m:t>𝑋</m:t>
+                    </m:r>
+                    <m:r>
+                      <a:rPr lang="en-US" sz="3200" i="1">
+                        <a:solidFill>
+                          <a:srgbClr val="C00000"/>
+                        </a:solidFill>
+                        <a:latin typeface="Cambria Math" panose="02040503050406030204" pitchFamily="18" charset="0"/>
+                      </a:rPr>
+                      <m:t>′</m:t>
+                    </m:r>
+                  </m:oMath>
+                </a14:m>
+                <a:r>
+                  <a:rPr lang="en-US" sz="3200" dirty="0"/>
+                  <a:t> of representative points of </a:t>
+                </a:r>
+                <a14:m>
+                  <m:oMath xmlns:m="http://schemas.openxmlformats.org/officeDocument/2006/math">
+                    <m:r>
+                      <a:rPr lang="en-US" sz="3200" b="0" i="1" smtClean="0">
+                        <a:solidFill>
+                          <a:srgbClr val="C00000"/>
+                        </a:solidFill>
+                        <a:latin typeface="Cambria Math" panose="02040503050406030204" pitchFamily="18" charset="0"/>
+                      </a:rPr>
+                      <m:t>𝑋</m:t>
+                    </m:r>
+                  </m:oMath>
+                </a14:m>
+                <a:r>
+                  <a:rPr lang="en-US" sz="3200" dirty="0">
+                    <a:solidFill>
+                      <a:srgbClr val="C00000"/>
+                    </a:solidFill>
+                  </a:rPr>
+                  <a:t> </a:t>
+                </a:r>
+                <a:r>
+                  <a:rPr lang="en-US" sz="3200" dirty="0"/>
+                  <a:t>for a specific clustering objective</a:t>
+                </a:r>
+              </a:p>
+              <a:p>
+                <a:pPr>
+                  <a:buClr>
+                    <a:schemeClr val="tx1"/>
+                  </a:buClr>
+                </a:pPr>
+                <a14:m>
+                  <m:oMath xmlns:m="http://schemas.openxmlformats.org/officeDocument/2006/math">
+                    <m:r>
+                      <m:rPr>
+                        <m:sty m:val="p"/>
+                      </m:rPr>
+                      <a:rPr lang="en-US" sz="3200" b="0" i="0" smtClean="0">
+                        <a:solidFill>
+                          <a:srgbClr val="C00000"/>
+                        </a:solidFill>
+                        <a:latin typeface="Cambria Math" panose="02040503050406030204" pitchFamily="18" charset="0"/>
+                      </a:rPr>
+                      <m:t>Cost</m:t>
+                    </m:r>
+                    <m:d>
+                      <m:dPr>
+                        <m:ctrlPr>
+                          <a:rPr lang="en-US" sz="3200" b="0" i="1" smtClean="0">
+                            <a:solidFill>
+                              <a:srgbClr val="C00000"/>
+                            </a:solidFill>
+                            <a:latin typeface="Cambria Math" panose="02040503050406030204" pitchFamily="18" charset="0"/>
+                          </a:rPr>
+                        </m:ctrlPr>
+                      </m:dPr>
+                      <m:e>
+                        <m:r>
+                          <a:rPr lang="en-US" sz="3200" b="0" i="1" smtClean="0">
+                            <a:solidFill>
+                              <a:srgbClr val="C00000"/>
+                            </a:solidFill>
+                            <a:latin typeface="Cambria Math" panose="02040503050406030204" pitchFamily="18" charset="0"/>
+                          </a:rPr>
+                          <m:t>𝑋</m:t>
+                        </m:r>
+                        <m:r>
+                          <a:rPr lang="en-US" sz="3200" b="0" i="1" smtClean="0">
+                            <a:solidFill>
+                              <a:srgbClr val="C00000"/>
+                            </a:solidFill>
+                            <a:latin typeface="Cambria Math" panose="02040503050406030204" pitchFamily="18" charset="0"/>
+                          </a:rPr>
+                          <m:t>,</m:t>
+                        </m:r>
+                        <m:r>
+                          <a:rPr lang="en-US" sz="3200" b="0" i="1" smtClean="0">
+                            <a:solidFill>
+                              <a:srgbClr val="C00000"/>
+                            </a:solidFill>
+                            <a:latin typeface="Cambria Math" panose="02040503050406030204" pitchFamily="18" charset="0"/>
+                          </a:rPr>
+                          <m:t>𝐶</m:t>
+                        </m:r>
+                      </m:e>
+                    </m:d>
+                    <m:r>
+                      <a:rPr lang="en-US" sz="3200" b="0" i="1" smtClean="0">
+                        <a:solidFill>
+                          <a:srgbClr val="C00000"/>
+                        </a:solidFill>
+                        <a:latin typeface="Cambria Math" panose="02040503050406030204" pitchFamily="18" charset="0"/>
+                      </a:rPr>
+                      <m:t>≈</m:t>
+                    </m:r>
+                    <m:r>
+                      <m:rPr>
+                        <m:sty m:val="p"/>
+                      </m:rPr>
+                      <a:rPr lang="en-US" sz="3200" b="0" i="0" smtClean="0">
+                        <a:solidFill>
+                          <a:srgbClr val="C00000"/>
+                        </a:solidFill>
+                        <a:latin typeface="Cambria Math" panose="02040503050406030204" pitchFamily="18" charset="0"/>
+                      </a:rPr>
+                      <m:t>Cost</m:t>
+                    </m:r>
+                    <m:r>
+                      <a:rPr lang="en-US" sz="3200" b="0" i="1" smtClean="0">
+                        <a:solidFill>
+                          <a:srgbClr val="C00000"/>
+                        </a:solidFill>
+                        <a:latin typeface="Cambria Math" panose="02040503050406030204" pitchFamily="18" charset="0"/>
+                      </a:rPr>
+                      <m:t>(</m:t>
+                    </m:r>
+                    <m:sSup>
+                      <m:sSupPr>
+                        <m:ctrlPr>
+                          <a:rPr lang="en-US" sz="3200" b="0" i="1" smtClean="0">
+                            <a:solidFill>
+                              <a:srgbClr val="C00000"/>
+                            </a:solidFill>
+                            <a:latin typeface="Cambria Math" panose="02040503050406030204" pitchFamily="18" charset="0"/>
+                          </a:rPr>
+                        </m:ctrlPr>
+                      </m:sSupPr>
+                      <m:e>
+                        <m:r>
+                          <a:rPr lang="en-US" sz="3200" b="0" i="1" smtClean="0">
+                            <a:solidFill>
+                              <a:srgbClr val="C00000"/>
+                            </a:solidFill>
+                            <a:latin typeface="Cambria Math" panose="02040503050406030204" pitchFamily="18" charset="0"/>
+                          </a:rPr>
+                          <m:t>𝑋</m:t>
+                        </m:r>
+                      </m:e>
+                      <m:sup>
+                        <m:r>
+                          <a:rPr lang="en-US" sz="3200" b="0" i="1" smtClean="0">
+                            <a:solidFill>
+                              <a:srgbClr val="C00000"/>
+                            </a:solidFill>
+                            <a:latin typeface="Cambria Math" panose="02040503050406030204" pitchFamily="18" charset="0"/>
+                          </a:rPr>
+                          <m:t>′</m:t>
+                        </m:r>
+                      </m:sup>
+                    </m:sSup>
+                    <m:r>
+                      <a:rPr lang="en-US" sz="3200" b="0" i="1" smtClean="0">
+                        <a:solidFill>
+                          <a:srgbClr val="C00000"/>
+                        </a:solidFill>
+                        <a:latin typeface="Cambria Math" panose="02040503050406030204" pitchFamily="18" charset="0"/>
+                      </a:rPr>
+                      <m:t>,</m:t>
+                    </m:r>
+                    <m:r>
+                      <a:rPr lang="en-US" sz="3200" b="0" i="1" smtClean="0">
+                        <a:solidFill>
+                          <a:srgbClr val="C00000"/>
+                        </a:solidFill>
+                        <a:latin typeface="Cambria Math" panose="02040503050406030204" pitchFamily="18" charset="0"/>
+                      </a:rPr>
+                      <m:t>𝐶</m:t>
+                    </m:r>
+                    <m:r>
+                      <a:rPr lang="en-US" sz="3200" b="0" i="1" smtClean="0">
+                        <a:solidFill>
+                          <a:srgbClr val="C00000"/>
+                        </a:solidFill>
+                        <a:latin typeface="Cambria Math" panose="02040503050406030204" pitchFamily="18" charset="0"/>
+                      </a:rPr>
+                      <m:t>)</m:t>
+                    </m:r>
+                  </m:oMath>
+                </a14:m>
+                <a:r>
+                  <a:rPr lang="en-US" sz="3200" dirty="0"/>
+                  <a:t> for all sets </a:t>
+                </a:r>
+                <a14:m>
+                  <m:oMath xmlns:m="http://schemas.openxmlformats.org/officeDocument/2006/math">
+                    <m:r>
+                      <a:rPr lang="en-US" sz="3200" i="1">
+                        <a:solidFill>
+                          <a:srgbClr val="C00000"/>
+                        </a:solidFill>
+                        <a:latin typeface="Cambria Math" panose="02040503050406030204" pitchFamily="18" charset="0"/>
+                      </a:rPr>
+                      <m:t>𝐶</m:t>
+                    </m:r>
+                  </m:oMath>
+                </a14:m>
+                <a:r>
+                  <a:rPr lang="en-US" sz="3200" dirty="0"/>
+                  <a:t> with </a:t>
+                </a:r>
+                <a14:m>
+                  <m:oMath xmlns:m="http://schemas.openxmlformats.org/officeDocument/2006/math">
+                    <m:d>
+                      <m:dPr>
+                        <m:begChr m:val="|"/>
+                        <m:endChr m:val="|"/>
+                        <m:ctrlPr>
+                          <a:rPr lang="en-US" sz="3200" b="0" i="1" smtClean="0">
+                            <a:solidFill>
+                              <a:srgbClr val="C00000"/>
+                            </a:solidFill>
+                            <a:latin typeface="Cambria Math" panose="02040503050406030204" pitchFamily="18" charset="0"/>
+                          </a:rPr>
+                        </m:ctrlPr>
+                      </m:dPr>
+                      <m:e>
+                        <m:r>
+                          <a:rPr lang="en-US" sz="3200" b="0" i="1" smtClean="0">
+                            <a:solidFill>
+                              <a:srgbClr val="C00000"/>
+                            </a:solidFill>
+                            <a:latin typeface="Cambria Math" panose="02040503050406030204" pitchFamily="18" charset="0"/>
+                          </a:rPr>
+                          <m:t>𝐶</m:t>
+                        </m:r>
+                      </m:e>
+                    </m:d>
+                    <m:r>
+                      <a:rPr lang="en-US" sz="3200" b="0" i="1" smtClean="0">
+                        <a:solidFill>
+                          <a:srgbClr val="C00000"/>
+                        </a:solidFill>
+                        <a:latin typeface="Cambria Math" panose="02040503050406030204" pitchFamily="18" charset="0"/>
+                      </a:rPr>
+                      <m:t>=</m:t>
+                    </m:r>
+                    <m:r>
+                      <a:rPr lang="en-US" sz="3200" b="0" i="1" smtClean="0">
+                        <a:solidFill>
+                          <a:srgbClr val="C00000"/>
+                        </a:solidFill>
+                        <a:latin typeface="Cambria Math" panose="02040503050406030204" pitchFamily="18" charset="0"/>
+                      </a:rPr>
+                      <m:t>𝑘</m:t>
+                    </m:r>
+                  </m:oMath>
+                </a14:m>
+                <a:endParaRPr lang="en-US" sz="3200" dirty="0"/>
+              </a:p>
+              <a:p>
+                <a:pPr>
+                  <a:buClr>
+                    <a:schemeClr val="tx1"/>
+                  </a:buClr>
+                </a:pPr>
+                <a:r>
+                  <a:rPr lang="en-US" sz="3200" dirty="0"/>
+                  <a:t>Given a set </a:t>
+                </a:r>
+                <a14:m>
+                  <m:oMath xmlns:m="http://schemas.openxmlformats.org/officeDocument/2006/math">
+                    <m:r>
+                      <a:rPr lang="en-US" sz="3200" b="0" i="1" smtClean="0">
+                        <a:solidFill>
+                          <a:srgbClr val="C00000"/>
+                        </a:solidFill>
+                        <a:latin typeface="Cambria Math" panose="02040503050406030204" pitchFamily="18" charset="0"/>
+                      </a:rPr>
+                      <m:t>𝑋</m:t>
+                    </m:r>
+                  </m:oMath>
+                </a14:m>
+                <a:r>
+                  <a:rPr lang="en-US" sz="3200" dirty="0"/>
+                  <a:t> and an accuracy parameter </a:t>
+                </a:r>
+                <a14:m>
+                  <m:oMath xmlns:m="http://schemas.openxmlformats.org/officeDocument/2006/math">
+                    <m:r>
+                      <m:rPr>
+                        <m:sty m:val="p"/>
+                      </m:rPr>
+                      <a:rPr lang="en-US" sz="3200" b="0" i="1" smtClean="0">
+                        <a:solidFill>
+                          <a:srgbClr val="C00000"/>
+                        </a:solidFill>
+                        <a:latin typeface="Cambria Math" panose="02040503050406030204" pitchFamily="18" charset="0"/>
+                      </a:rPr>
+                      <m:t>ε</m:t>
+                    </m:r>
+                    <m:r>
+                      <a:rPr lang="en-US" sz="3200" b="0" i="1" smtClean="0">
+                        <a:solidFill>
+                          <a:srgbClr val="C00000"/>
+                        </a:solidFill>
+                        <a:latin typeface="Cambria Math" panose="02040503050406030204" pitchFamily="18" charset="0"/>
+                      </a:rPr>
+                      <m:t>&gt;0</m:t>
+                    </m:r>
+                  </m:oMath>
+                </a14:m>
+                <a:r>
+                  <a:rPr lang="en-US" sz="3200" dirty="0"/>
+                  <a:t>, we say a set </a:t>
+                </a:r>
+                <a14:m>
+                  <m:oMath xmlns:m="http://schemas.openxmlformats.org/officeDocument/2006/math">
+                    <m:r>
+                      <a:rPr lang="en-US" sz="3200" b="0" i="1" smtClean="0">
+                        <a:solidFill>
+                          <a:srgbClr val="C00000"/>
+                        </a:solidFill>
+                        <a:latin typeface="Cambria Math" panose="02040503050406030204" pitchFamily="18" charset="0"/>
+                      </a:rPr>
+                      <m:t>𝑋</m:t>
+                    </m:r>
+                    <m:r>
+                      <a:rPr lang="en-US" sz="3200" b="0" i="1" smtClean="0">
+                        <a:solidFill>
+                          <a:srgbClr val="C00000"/>
+                        </a:solidFill>
+                        <a:latin typeface="Cambria Math" panose="02040503050406030204" pitchFamily="18" charset="0"/>
+                      </a:rPr>
+                      <m:t>′</m:t>
+                    </m:r>
+                  </m:oMath>
+                </a14:m>
+                <a:r>
+                  <a:rPr lang="en-US" sz="3200" dirty="0"/>
+                  <a:t> with weight function </a:t>
+                </a:r>
+                <a14:m>
+                  <m:oMath xmlns:m="http://schemas.openxmlformats.org/officeDocument/2006/math">
+                    <m:r>
+                      <a:rPr lang="en-US" sz="3200" b="0" i="1" smtClean="0">
+                        <a:solidFill>
+                          <a:srgbClr val="C00000"/>
+                        </a:solidFill>
+                        <a:latin typeface="Cambria Math" panose="02040503050406030204" pitchFamily="18" charset="0"/>
+                      </a:rPr>
+                      <m:t>𝑤</m:t>
+                    </m:r>
+                    <m:r>
+                      <a:rPr lang="en-US" sz="3200" i="1">
+                        <a:solidFill>
+                          <a:srgbClr val="C00000"/>
+                        </a:solidFill>
+                        <a:latin typeface="Cambria Math" panose="02040503050406030204" pitchFamily="18" charset="0"/>
+                      </a:rPr>
+                      <m:t> </m:t>
+                    </m:r>
+                  </m:oMath>
+                </a14:m>
+                <a:r>
+                  <a:rPr lang="en-US" sz="3200" dirty="0"/>
+                  <a:t>is an </a:t>
+                </a:r>
+                <a14:m>
+                  <m:oMath xmlns:m="http://schemas.openxmlformats.org/officeDocument/2006/math">
+                    <m:r>
+                      <a:rPr lang="en-US" sz="3200" b="0" i="1" smtClean="0">
+                        <a:solidFill>
+                          <a:srgbClr val="C00000"/>
+                        </a:solidFill>
+                        <a:latin typeface="Cambria Math" panose="02040503050406030204" pitchFamily="18" charset="0"/>
+                      </a:rPr>
+                      <m:t>(1+</m:t>
+                    </m:r>
+                    <m:r>
+                      <a:rPr lang="en-US" sz="3200" i="1">
+                        <a:solidFill>
+                          <a:srgbClr val="C00000"/>
+                        </a:solidFill>
+                        <a:latin typeface="Cambria Math" panose="02040503050406030204" pitchFamily="18" charset="0"/>
+                      </a:rPr>
+                      <m:t>𝜀</m:t>
+                    </m:r>
+                    <m:r>
+                      <a:rPr lang="en-US" sz="3200" b="0" i="1" smtClean="0">
+                        <a:solidFill>
+                          <a:srgbClr val="C00000"/>
+                        </a:solidFill>
+                        <a:latin typeface="Cambria Math" panose="02040503050406030204" pitchFamily="18" charset="0"/>
+                      </a:rPr>
+                      <m:t>)</m:t>
+                    </m:r>
+                  </m:oMath>
+                </a14:m>
+                <a:r>
+                  <a:rPr lang="en-US" sz="3200" i="1" dirty="0"/>
+                  <a:t>-</a:t>
+                </a:r>
+                <a:r>
+                  <a:rPr lang="en-US" sz="3200" i="1" dirty="0">
+                    <a:solidFill>
+                      <a:srgbClr val="00B050"/>
+                    </a:solidFill>
+                  </a:rPr>
+                  <a:t>multiplicative coreset</a:t>
+                </a:r>
+                <a:r>
+                  <a:rPr lang="en-US" sz="3200" dirty="0"/>
+                  <a:t> for a cost function </a:t>
+                </a:r>
+                <a14:m>
+                  <m:oMath xmlns:m="http://schemas.openxmlformats.org/officeDocument/2006/math">
+                    <m:r>
+                      <m:rPr>
+                        <m:sty m:val="p"/>
+                      </m:rPr>
+                      <a:rPr lang="en-US" sz="3200" b="0" i="0" smtClean="0">
+                        <a:solidFill>
+                          <a:srgbClr val="C00000"/>
+                        </a:solidFill>
+                        <a:latin typeface="Cambria Math" panose="02040503050406030204" pitchFamily="18" charset="0"/>
+                      </a:rPr>
+                      <m:t>Cost</m:t>
+                    </m:r>
+                  </m:oMath>
+                </a14:m>
+                <a:r>
+                  <a:rPr lang="en-US" sz="3200" dirty="0"/>
+                  <a:t>, if for all queries </a:t>
+                </a:r>
+                <a14:m>
+                  <m:oMath xmlns:m="http://schemas.openxmlformats.org/officeDocument/2006/math">
+                    <m:r>
+                      <a:rPr lang="en-US" sz="3200" b="0" i="1" smtClean="0">
+                        <a:solidFill>
+                          <a:srgbClr val="C00000"/>
+                        </a:solidFill>
+                        <a:latin typeface="Cambria Math" panose="02040503050406030204" pitchFamily="18" charset="0"/>
+                      </a:rPr>
+                      <m:t>𝐶</m:t>
+                    </m:r>
+                  </m:oMath>
+                </a14:m>
+                <a:r>
+                  <a:rPr lang="en-US" sz="3200" dirty="0"/>
+                  <a:t> with </a:t>
+                </a:r>
+                <a14:m>
+                  <m:oMath xmlns:m="http://schemas.openxmlformats.org/officeDocument/2006/math">
+                    <m:d>
+                      <m:dPr>
+                        <m:begChr m:val="|"/>
+                        <m:endChr m:val="|"/>
+                        <m:ctrlPr>
+                          <a:rPr lang="en-US" sz="3200" b="0" i="1" smtClean="0">
+                            <a:solidFill>
+                              <a:srgbClr val="C00000"/>
+                            </a:solidFill>
+                            <a:latin typeface="Cambria Math" panose="02040503050406030204" pitchFamily="18" charset="0"/>
+                          </a:rPr>
+                        </m:ctrlPr>
+                      </m:dPr>
+                      <m:e>
+                        <m:r>
+                          <a:rPr lang="en-US" sz="3200" b="0" i="1" smtClean="0">
+                            <a:solidFill>
+                              <a:srgbClr val="C00000"/>
+                            </a:solidFill>
+                            <a:latin typeface="Cambria Math" panose="02040503050406030204" pitchFamily="18" charset="0"/>
+                          </a:rPr>
+                          <m:t>𝐶</m:t>
+                        </m:r>
+                      </m:e>
+                    </m:d>
+                    <m:r>
+                      <a:rPr lang="en-US" sz="3200" b="0" i="1" smtClean="0">
+                        <a:solidFill>
+                          <a:srgbClr val="C00000"/>
+                        </a:solidFill>
+                        <a:latin typeface="Cambria Math" panose="02040503050406030204" pitchFamily="18" charset="0"/>
+                      </a:rPr>
+                      <m:t>≤</m:t>
+                    </m:r>
+                    <m:r>
+                      <a:rPr lang="en-US" sz="3200" b="0" i="1" smtClean="0">
+                        <a:solidFill>
+                          <a:srgbClr val="C00000"/>
+                        </a:solidFill>
+                        <a:latin typeface="Cambria Math" panose="02040503050406030204" pitchFamily="18" charset="0"/>
+                      </a:rPr>
+                      <m:t>𝑘</m:t>
+                    </m:r>
+                  </m:oMath>
+                </a14:m>
+                <a:r>
+                  <a:rPr lang="en-US" sz="3200" dirty="0"/>
+                  <a:t>, we have</a:t>
+                </a:r>
+              </a:p>
+            </p:txBody>
+          </p:sp>
+        </mc:Choice>
+        <mc:Fallback>
+          <p:sp>
+            <p:nvSpPr>
+              <p:cNvPr id="68" name="TextBox 67">
+                <a:extLst>
+                  <a:ext uri="{FF2B5EF4-FFF2-40B4-BE49-F238E27FC236}">
+                    <a16:creationId xmlns:a16="http://schemas.microsoft.com/office/drawing/2014/main" id="{464FEFE7-31EC-27D8-B722-D7D47538E6F5}"/>
+                  </a:ext>
+                </a:extLst>
+              </p:cNvPr>
+              <p:cNvSpPr txBox="1">
+                <a:spLocks noRot="1" noChangeAspect="1" noMove="1" noResize="1" noEditPoints="1" noAdjustHandles="1" noChangeArrowheads="1" noChangeShapeType="1" noTextEdit="1"/>
+              </p:cNvSpPr>
+              <p:nvPr/>
+            </p:nvSpPr>
+            <p:spPr>
+              <a:xfrm>
+                <a:off x="23807183" y="3932621"/>
+                <a:ext cx="9033480" cy="3539430"/>
+              </a:xfrm>
+              <a:prstGeom prst="rect">
+                <a:avLst/>
+              </a:prstGeom>
+              <a:blipFill>
+                <a:blip r:embed="rId18"/>
+                <a:stretch>
+                  <a:fillRect l="-1687" t="-2065" r="-135" b="-4819"/>
+                </a:stretch>
+              </a:blipFill>
+              <a:ln w="12700" cap="flat">
+                <a:noFill/>
+                <a:miter lim="400000"/>
+              </a:ln>
+              <a:effectLst/>
+            </p:spPr>
+            <p:txBody>
+              <a:bodyPr/>
+              <a:lstStyle/>
+              <a:p>
+                <a:r>
+                  <a:rPr lang="en-US">
+                    <a:noFill/>
+                  </a:rPr>
+                  <a:t> </a:t>
+                </a:r>
+              </a:p>
+            </p:txBody>
+          </p:sp>
+        </mc:Fallback>
+      </mc:AlternateContent>
       <p:sp>
         <p:nvSpPr>
-          <p:cNvPr id="43" name="TextBox 52"/>
+          <p:cNvPr id="69" name="TextBox 43">
+            <a:extLst>
+              <a:ext uri="{FF2B5EF4-FFF2-40B4-BE49-F238E27FC236}">
+                <a16:creationId xmlns:a16="http://schemas.microsoft.com/office/drawing/2014/main" id="{F02FC63D-7F1D-6932-0B04-C5C1141C1DC3}"/>
+              </a:ext>
+            </a:extLst>
+          </p:cNvPr>
           <p:cNvSpPr txBox="1"/>
           <p:nvPr/>
         </p:nvSpPr>
         <p:spPr>
           <a:xfrm>
-            <a:off x="22928580" y="12122105"/>
-            <a:ext cx="9029701" cy="387516"/>
+            <a:off x="23817314" y="2817189"/>
+            <a:ext cx="9064533" cy="830997"/>
           </a:xfrm>
           <a:prstGeom prst="rect">
             <a:avLst/>
@@ -2447,7 +7857,7 @@
           </a:bodyPr>
           <a:lstStyle>
             <a:lvl1pPr>
-              <a:defRPr sz="2100">
+              <a:defRPr sz="3400">
                 <a:latin typeface="Arial"/>
                 <a:ea typeface="Arial"/>
                 <a:cs typeface="Arial"/>
@@ -2457,21 +7867,1488 @@
           </a:lstStyle>
           <a:p>
             <a:r>
-              <a:t>Optional section descriptor in 21pt font</a:t>
+              <a:rPr lang="en-US" sz="4800" dirty="0"/>
+              <a:t>Coresets</a:t>
             </a:r>
+            <a:endParaRPr sz="4800" dirty="0"/>
           </a:p>
         </p:txBody>
       </p:sp>
       <p:sp>
         <p:nvSpPr>
-          <p:cNvPr id="44" name="TextBox 53"/>
+          <p:cNvPr id="70" name="Oval 69">
+            <a:extLst>
+              <a:ext uri="{FF2B5EF4-FFF2-40B4-BE49-F238E27FC236}">
+                <a16:creationId xmlns:a16="http://schemas.microsoft.com/office/drawing/2014/main" id="{C1D872CF-0618-6BBE-C49D-37CB946126D9}"/>
+              </a:ext>
+            </a:extLst>
+          </p:cNvPr>
+          <p:cNvSpPr/>
+          <p:nvPr/>
+        </p:nvSpPr>
+        <p:spPr>
+          <a:xfrm>
+            <a:off x="31297502" y="3847457"/>
+            <a:ext cx="159390" cy="156970"/>
+          </a:xfrm>
+          <a:prstGeom prst="ellipse">
+            <a:avLst/>
+          </a:prstGeom>
+          <a:solidFill>
+            <a:schemeClr val="accent4">
+              <a:lumMod val="40000"/>
+              <a:lumOff val="60000"/>
+            </a:schemeClr>
+          </a:solidFill>
+          <a:ln w="28575">
+            <a:solidFill>
+              <a:schemeClr val="tx1"/>
+            </a:solidFill>
+          </a:ln>
+        </p:spPr>
+        <p:style>
+          <a:lnRef idx="2">
+            <a:schemeClr val="accent1">
+              <a:shade val="15000"/>
+            </a:schemeClr>
+          </a:lnRef>
+          <a:fillRef idx="1">
+            <a:schemeClr val="accent1"/>
+          </a:fillRef>
+          <a:effectRef idx="0">
+            <a:schemeClr val="accent1"/>
+          </a:effectRef>
+          <a:fontRef idx="minor">
+            <a:schemeClr val="lt1"/>
+          </a:fontRef>
+        </p:style>
+        <p:txBody>
+          <a:bodyPr rtlCol="0" anchor="ctr"/>
+          <a:lstStyle/>
+          <a:p>
+            <a:pPr algn="ctr"/>
+            <a:endParaRPr lang="en-US"/>
+          </a:p>
+        </p:txBody>
+      </p:sp>
+      <p:sp>
+        <p:nvSpPr>
+          <p:cNvPr id="71" name="Oval 70">
+            <a:extLst>
+              <a:ext uri="{FF2B5EF4-FFF2-40B4-BE49-F238E27FC236}">
+                <a16:creationId xmlns:a16="http://schemas.microsoft.com/office/drawing/2014/main" id="{EB4370C3-1AC8-4D13-6F0B-E6C301E3D6E7}"/>
+              </a:ext>
+            </a:extLst>
+          </p:cNvPr>
+          <p:cNvSpPr/>
+          <p:nvPr/>
+        </p:nvSpPr>
+        <p:spPr>
+          <a:xfrm>
+            <a:off x="27181660" y="3109263"/>
+            <a:ext cx="159390" cy="156970"/>
+          </a:xfrm>
+          <a:prstGeom prst="ellipse">
+            <a:avLst/>
+          </a:prstGeom>
+          <a:solidFill>
+            <a:schemeClr val="accent4">
+              <a:lumMod val="40000"/>
+              <a:lumOff val="60000"/>
+            </a:schemeClr>
+          </a:solidFill>
+          <a:ln w="28575">
+            <a:solidFill>
+              <a:schemeClr val="tx1"/>
+            </a:solidFill>
+          </a:ln>
+        </p:spPr>
+        <p:style>
+          <a:lnRef idx="2">
+            <a:schemeClr val="accent1">
+              <a:shade val="15000"/>
+            </a:schemeClr>
+          </a:lnRef>
+          <a:fillRef idx="1">
+            <a:schemeClr val="accent1"/>
+          </a:fillRef>
+          <a:effectRef idx="0">
+            <a:schemeClr val="accent1"/>
+          </a:effectRef>
+          <a:fontRef idx="minor">
+            <a:schemeClr val="lt1"/>
+          </a:fontRef>
+        </p:style>
+        <p:txBody>
+          <a:bodyPr rtlCol="0" anchor="ctr"/>
+          <a:lstStyle/>
+          <a:p>
+            <a:pPr algn="ctr"/>
+            <a:endParaRPr lang="en-US"/>
+          </a:p>
+        </p:txBody>
+      </p:sp>
+      <p:sp>
+        <p:nvSpPr>
+          <p:cNvPr id="72" name="Oval 71">
+            <a:extLst>
+              <a:ext uri="{FF2B5EF4-FFF2-40B4-BE49-F238E27FC236}">
+                <a16:creationId xmlns:a16="http://schemas.microsoft.com/office/drawing/2014/main" id="{98C7EDF4-DA3B-D206-A12A-CE8062481058}"/>
+              </a:ext>
+            </a:extLst>
+          </p:cNvPr>
+          <p:cNvSpPr/>
+          <p:nvPr/>
+        </p:nvSpPr>
+        <p:spPr>
+          <a:xfrm>
+            <a:off x="31933009" y="3547227"/>
+            <a:ext cx="159390" cy="156970"/>
+          </a:xfrm>
+          <a:prstGeom prst="ellipse">
+            <a:avLst/>
+          </a:prstGeom>
+          <a:solidFill>
+            <a:schemeClr val="accent4">
+              <a:lumMod val="40000"/>
+              <a:lumOff val="60000"/>
+            </a:schemeClr>
+          </a:solidFill>
+          <a:ln w="28575">
+            <a:solidFill>
+              <a:schemeClr val="tx1"/>
+            </a:solidFill>
+          </a:ln>
+        </p:spPr>
+        <p:style>
+          <a:lnRef idx="2">
+            <a:schemeClr val="accent1">
+              <a:shade val="15000"/>
+            </a:schemeClr>
+          </a:lnRef>
+          <a:fillRef idx="1">
+            <a:schemeClr val="accent1"/>
+          </a:fillRef>
+          <a:effectRef idx="0">
+            <a:schemeClr val="accent1"/>
+          </a:effectRef>
+          <a:fontRef idx="minor">
+            <a:schemeClr val="lt1"/>
+          </a:fontRef>
+        </p:style>
+        <p:txBody>
+          <a:bodyPr rtlCol="0" anchor="ctr"/>
+          <a:lstStyle/>
+          <a:p>
+            <a:pPr algn="ctr"/>
+            <a:endParaRPr lang="en-US"/>
+          </a:p>
+        </p:txBody>
+      </p:sp>
+      <p:sp>
+        <p:nvSpPr>
+          <p:cNvPr id="73" name="Oval 72">
+            <a:extLst>
+              <a:ext uri="{FF2B5EF4-FFF2-40B4-BE49-F238E27FC236}">
+                <a16:creationId xmlns:a16="http://schemas.microsoft.com/office/drawing/2014/main" id="{5860C778-E205-73A7-6321-A229DA0C05F5}"/>
+              </a:ext>
+            </a:extLst>
+          </p:cNvPr>
+          <p:cNvSpPr/>
+          <p:nvPr/>
+        </p:nvSpPr>
+        <p:spPr>
+          <a:xfrm>
+            <a:off x="31421438" y="3468742"/>
+            <a:ext cx="159390" cy="156970"/>
+          </a:xfrm>
+          <a:prstGeom prst="ellipse">
+            <a:avLst/>
+          </a:prstGeom>
+          <a:solidFill>
+            <a:schemeClr val="accent4">
+              <a:lumMod val="40000"/>
+              <a:lumOff val="60000"/>
+            </a:schemeClr>
+          </a:solidFill>
+          <a:ln w="28575">
+            <a:solidFill>
+              <a:schemeClr val="tx1"/>
+            </a:solidFill>
+          </a:ln>
+        </p:spPr>
+        <p:style>
+          <a:lnRef idx="2">
+            <a:schemeClr val="accent1">
+              <a:shade val="15000"/>
+            </a:schemeClr>
+          </a:lnRef>
+          <a:fillRef idx="1">
+            <a:schemeClr val="accent1"/>
+          </a:fillRef>
+          <a:effectRef idx="0">
+            <a:schemeClr val="accent1"/>
+          </a:effectRef>
+          <a:fontRef idx="minor">
+            <a:schemeClr val="lt1"/>
+          </a:fontRef>
+        </p:style>
+        <p:txBody>
+          <a:bodyPr rtlCol="0" anchor="ctr"/>
+          <a:lstStyle/>
+          <a:p>
+            <a:pPr algn="ctr"/>
+            <a:endParaRPr lang="en-US"/>
+          </a:p>
+        </p:txBody>
+      </p:sp>
+      <p:sp>
+        <p:nvSpPr>
+          <p:cNvPr id="74" name="Oval 73">
+            <a:extLst>
+              <a:ext uri="{FF2B5EF4-FFF2-40B4-BE49-F238E27FC236}">
+                <a16:creationId xmlns:a16="http://schemas.microsoft.com/office/drawing/2014/main" id="{4D1468B5-BB3D-7869-ECB8-8D7FF6284419}"/>
+              </a:ext>
+            </a:extLst>
+          </p:cNvPr>
+          <p:cNvSpPr/>
+          <p:nvPr/>
+        </p:nvSpPr>
+        <p:spPr>
+          <a:xfrm>
+            <a:off x="31632108" y="4109281"/>
+            <a:ext cx="159390" cy="156970"/>
+          </a:xfrm>
+          <a:prstGeom prst="ellipse">
+            <a:avLst/>
+          </a:prstGeom>
+          <a:solidFill>
+            <a:schemeClr val="accent4">
+              <a:lumMod val="40000"/>
+              <a:lumOff val="60000"/>
+            </a:schemeClr>
+          </a:solidFill>
+          <a:ln w="28575">
+            <a:solidFill>
+              <a:schemeClr val="tx1"/>
+            </a:solidFill>
+          </a:ln>
+        </p:spPr>
+        <p:style>
+          <a:lnRef idx="2">
+            <a:schemeClr val="accent1">
+              <a:shade val="15000"/>
+            </a:schemeClr>
+          </a:lnRef>
+          <a:fillRef idx="1">
+            <a:schemeClr val="accent1"/>
+          </a:fillRef>
+          <a:effectRef idx="0">
+            <a:schemeClr val="accent1"/>
+          </a:effectRef>
+          <a:fontRef idx="minor">
+            <a:schemeClr val="lt1"/>
+          </a:fontRef>
+        </p:style>
+        <p:txBody>
+          <a:bodyPr rtlCol="0" anchor="ctr"/>
+          <a:lstStyle/>
+          <a:p>
+            <a:pPr algn="ctr"/>
+            <a:endParaRPr lang="en-US"/>
+          </a:p>
+        </p:txBody>
+      </p:sp>
+      <p:sp>
+        <p:nvSpPr>
+          <p:cNvPr id="75" name="Oval 74">
+            <a:extLst>
+              <a:ext uri="{FF2B5EF4-FFF2-40B4-BE49-F238E27FC236}">
+                <a16:creationId xmlns:a16="http://schemas.microsoft.com/office/drawing/2014/main" id="{E8E92A55-A8F1-5D15-71E8-6E1FDAC334CA}"/>
+              </a:ext>
+            </a:extLst>
+          </p:cNvPr>
+          <p:cNvSpPr/>
+          <p:nvPr/>
+        </p:nvSpPr>
+        <p:spPr>
+          <a:xfrm>
+            <a:off x="27419353" y="3454352"/>
+            <a:ext cx="159390" cy="156970"/>
+          </a:xfrm>
+          <a:prstGeom prst="ellipse">
+            <a:avLst/>
+          </a:prstGeom>
+          <a:solidFill>
+            <a:schemeClr val="accent4">
+              <a:lumMod val="40000"/>
+              <a:lumOff val="60000"/>
+            </a:schemeClr>
+          </a:solidFill>
+          <a:ln w="28575">
+            <a:solidFill>
+              <a:schemeClr val="tx1"/>
+            </a:solidFill>
+          </a:ln>
+        </p:spPr>
+        <p:style>
+          <a:lnRef idx="2">
+            <a:schemeClr val="accent1">
+              <a:shade val="15000"/>
+            </a:schemeClr>
+          </a:lnRef>
+          <a:fillRef idx="1">
+            <a:schemeClr val="accent1"/>
+          </a:fillRef>
+          <a:effectRef idx="0">
+            <a:schemeClr val="accent1"/>
+          </a:effectRef>
+          <a:fontRef idx="minor">
+            <a:schemeClr val="lt1"/>
+          </a:fontRef>
+        </p:style>
+        <p:txBody>
+          <a:bodyPr rtlCol="0" anchor="ctr"/>
+          <a:lstStyle/>
+          <a:p>
+            <a:pPr algn="ctr"/>
+            <a:endParaRPr lang="en-US"/>
+          </a:p>
+        </p:txBody>
+      </p:sp>
+      <p:sp>
+        <p:nvSpPr>
+          <p:cNvPr id="76" name="Oval 75">
+            <a:extLst>
+              <a:ext uri="{FF2B5EF4-FFF2-40B4-BE49-F238E27FC236}">
+                <a16:creationId xmlns:a16="http://schemas.microsoft.com/office/drawing/2014/main" id="{74505DC7-1A18-A4CD-CE38-031F5FD604AA}"/>
+              </a:ext>
+            </a:extLst>
+          </p:cNvPr>
+          <p:cNvSpPr/>
+          <p:nvPr/>
+        </p:nvSpPr>
+        <p:spPr>
+          <a:xfrm>
+            <a:off x="27853786" y="2849427"/>
+            <a:ext cx="159390" cy="156970"/>
+          </a:xfrm>
+          <a:prstGeom prst="ellipse">
+            <a:avLst/>
+          </a:prstGeom>
+          <a:solidFill>
+            <a:schemeClr val="accent4">
+              <a:lumMod val="40000"/>
+              <a:lumOff val="60000"/>
+            </a:schemeClr>
+          </a:solidFill>
+          <a:ln w="28575">
+            <a:solidFill>
+              <a:schemeClr val="tx1"/>
+            </a:solidFill>
+          </a:ln>
+        </p:spPr>
+        <p:style>
+          <a:lnRef idx="2">
+            <a:schemeClr val="accent1">
+              <a:shade val="15000"/>
+            </a:schemeClr>
+          </a:lnRef>
+          <a:fillRef idx="1">
+            <a:schemeClr val="accent1"/>
+          </a:fillRef>
+          <a:effectRef idx="0">
+            <a:schemeClr val="accent1"/>
+          </a:effectRef>
+          <a:fontRef idx="minor">
+            <a:schemeClr val="lt1"/>
+          </a:fontRef>
+        </p:style>
+        <p:txBody>
+          <a:bodyPr rtlCol="0" anchor="ctr"/>
+          <a:lstStyle/>
+          <a:p>
+            <a:pPr algn="ctr"/>
+            <a:endParaRPr lang="en-US"/>
+          </a:p>
+        </p:txBody>
+      </p:sp>
+      <p:sp>
+        <p:nvSpPr>
+          <p:cNvPr id="77" name="Oval 76">
+            <a:extLst>
+              <a:ext uri="{FF2B5EF4-FFF2-40B4-BE49-F238E27FC236}">
+                <a16:creationId xmlns:a16="http://schemas.microsoft.com/office/drawing/2014/main" id="{57E0103A-3DAE-CC7B-C616-5A3C7A157129}"/>
+              </a:ext>
+            </a:extLst>
+          </p:cNvPr>
+          <p:cNvSpPr/>
+          <p:nvPr/>
+        </p:nvSpPr>
+        <p:spPr>
+          <a:xfrm>
+            <a:off x="32034535" y="4071190"/>
+            <a:ext cx="159390" cy="156970"/>
+          </a:xfrm>
+          <a:prstGeom prst="ellipse">
+            <a:avLst/>
+          </a:prstGeom>
+          <a:solidFill>
+            <a:schemeClr val="accent4">
+              <a:lumMod val="40000"/>
+              <a:lumOff val="60000"/>
+            </a:schemeClr>
+          </a:solidFill>
+          <a:ln w="28575">
+            <a:solidFill>
+              <a:schemeClr val="tx1"/>
+            </a:solidFill>
+          </a:ln>
+        </p:spPr>
+        <p:style>
+          <a:lnRef idx="2">
+            <a:schemeClr val="accent1">
+              <a:shade val="15000"/>
+            </a:schemeClr>
+          </a:lnRef>
+          <a:fillRef idx="1">
+            <a:schemeClr val="accent1"/>
+          </a:fillRef>
+          <a:effectRef idx="0">
+            <a:schemeClr val="accent1"/>
+          </a:effectRef>
+          <a:fontRef idx="minor">
+            <a:schemeClr val="lt1"/>
+          </a:fontRef>
+        </p:style>
+        <p:txBody>
+          <a:bodyPr rtlCol="0" anchor="ctr"/>
+          <a:lstStyle/>
+          <a:p>
+            <a:pPr algn="ctr"/>
+            <a:endParaRPr lang="en-US"/>
+          </a:p>
+        </p:txBody>
+      </p:sp>
+      <p:sp>
+        <p:nvSpPr>
+          <p:cNvPr id="78" name="Oval 77">
+            <a:extLst>
+              <a:ext uri="{FF2B5EF4-FFF2-40B4-BE49-F238E27FC236}">
+                <a16:creationId xmlns:a16="http://schemas.microsoft.com/office/drawing/2014/main" id="{D2058706-D276-AB69-5101-186CA8089ED5}"/>
+              </a:ext>
+            </a:extLst>
+          </p:cNvPr>
+          <p:cNvSpPr/>
+          <p:nvPr/>
+        </p:nvSpPr>
+        <p:spPr>
+          <a:xfrm>
+            <a:off x="27568642" y="3075742"/>
+            <a:ext cx="159390" cy="156970"/>
+          </a:xfrm>
+          <a:prstGeom prst="ellipse">
+            <a:avLst/>
+          </a:prstGeom>
+          <a:solidFill>
+            <a:srgbClr val="FF0000"/>
+          </a:solidFill>
+          <a:ln w="57150">
+            <a:solidFill>
+              <a:schemeClr val="tx1"/>
+            </a:solidFill>
+          </a:ln>
+        </p:spPr>
+        <p:style>
+          <a:lnRef idx="2">
+            <a:schemeClr val="accent1">
+              <a:shade val="15000"/>
+            </a:schemeClr>
+          </a:lnRef>
+          <a:fillRef idx="1">
+            <a:schemeClr val="accent1"/>
+          </a:fillRef>
+          <a:effectRef idx="0">
+            <a:schemeClr val="accent1"/>
+          </a:effectRef>
+          <a:fontRef idx="minor">
+            <a:schemeClr val="lt1"/>
+          </a:fontRef>
+        </p:style>
+        <p:txBody>
+          <a:bodyPr rtlCol="0" anchor="ctr"/>
+          <a:lstStyle/>
+          <a:p>
+            <a:pPr algn="ctr"/>
+            <a:endParaRPr lang="en-US"/>
+          </a:p>
+        </p:txBody>
+      </p:sp>
+      <p:sp>
+        <p:nvSpPr>
+          <p:cNvPr id="79" name="Oval 78">
+            <a:extLst>
+              <a:ext uri="{FF2B5EF4-FFF2-40B4-BE49-F238E27FC236}">
+                <a16:creationId xmlns:a16="http://schemas.microsoft.com/office/drawing/2014/main" id="{6D16D7C8-2C93-A1D7-8A4C-F8BFEFAC5052}"/>
+              </a:ext>
+            </a:extLst>
+          </p:cNvPr>
+          <p:cNvSpPr/>
+          <p:nvPr/>
+        </p:nvSpPr>
+        <p:spPr>
+          <a:xfrm>
+            <a:off x="27803493" y="3346916"/>
+            <a:ext cx="159390" cy="156970"/>
+          </a:xfrm>
+          <a:prstGeom prst="ellipse">
+            <a:avLst/>
+          </a:prstGeom>
+          <a:solidFill>
+            <a:schemeClr val="accent4">
+              <a:lumMod val="40000"/>
+              <a:lumOff val="60000"/>
+            </a:schemeClr>
+          </a:solidFill>
+          <a:ln w="28575">
+            <a:solidFill>
+              <a:schemeClr val="tx1"/>
+            </a:solidFill>
+          </a:ln>
+        </p:spPr>
+        <p:style>
+          <a:lnRef idx="2">
+            <a:schemeClr val="accent1">
+              <a:shade val="15000"/>
+            </a:schemeClr>
+          </a:lnRef>
+          <a:fillRef idx="1">
+            <a:schemeClr val="accent1"/>
+          </a:fillRef>
+          <a:effectRef idx="0">
+            <a:schemeClr val="accent1"/>
+          </a:effectRef>
+          <a:fontRef idx="minor">
+            <a:schemeClr val="lt1"/>
+          </a:fontRef>
+        </p:style>
+        <p:txBody>
+          <a:bodyPr rtlCol="0" anchor="ctr"/>
+          <a:lstStyle/>
+          <a:p>
+            <a:pPr algn="ctr"/>
+            <a:endParaRPr lang="en-US"/>
+          </a:p>
+        </p:txBody>
+      </p:sp>
+      <p:sp>
+        <p:nvSpPr>
+          <p:cNvPr id="80" name="Oval 79">
+            <a:extLst>
+              <a:ext uri="{FF2B5EF4-FFF2-40B4-BE49-F238E27FC236}">
+                <a16:creationId xmlns:a16="http://schemas.microsoft.com/office/drawing/2014/main" id="{12023C7B-0CDD-7A7F-6821-C4C195D62ADE}"/>
+              </a:ext>
+            </a:extLst>
+          </p:cNvPr>
+          <p:cNvSpPr/>
+          <p:nvPr/>
+        </p:nvSpPr>
+        <p:spPr>
+          <a:xfrm>
+            <a:off x="27341050" y="2775512"/>
+            <a:ext cx="159390" cy="156970"/>
+          </a:xfrm>
+          <a:prstGeom prst="ellipse">
+            <a:avLst/>
+          </a:prstGeom>
+          <a:solidFill>
+            <a:schemeClr val="accent4">
+              <a:lumMod val="40000"/>
+              <a:lumOff val="60000"/>
+            </a:schemeClr>
+          </a:solidFill>
+          <a:ln w="28575">
+            <a:solidFill>
+              <a:schemeClr val="tx1"/>
+            </a:solidFill>
+          </a:ln>
+        </p:spPr>
+        <p:style>
+          <a:lnRef idx="2">
+            <a:schemeClr val="accent1">
+              <a:shade val="15000"/>
+            </a:schemeClr>
+          </a:lnRef>
+          <a:fillRef idx="1">
+            <a:schemeClr val="accent1"/>
+          </a:fillRef>
+          <a:effectRef idx="0">
+            <a:schemeClr val="accent1"/>
+          </a:effectRef>
+          <a:fontRef idx="minor">
+            <a:schemeClr val="lt1"/>
+          </a:fontRef>
+        </p:style>
+        <p:txBody>
+          <a:bodyPr rtlCol="0" anchor="ctr"/>
+          <a:lstStyle/>
+          <a:p>
+            <a:pPr algn="ctr"/>
+            <a:endParaRPr lang="en-US"/>
+          </a:p>
+        </p:txBody>
+      </p:sp>
+      <p:sp>
+        <p:nvSpPr>
+          <p:cNvPr id="81" name="Oval 80">
+            <a:extLst>
+              <a:ext uri="{FF2B5EF4-FFF2-40B4-BE49-F238E27FC236}">
+                <a16:creationId xmlns:a16="http://schemas.microsoft.com/office/drawing/2014/main" id="{6362A800-F563-3125-164F-0D7343B52235}"/>
+              </a:ext>
+            </a:extLst>
+          </p:cNvPr>
+          <p:cNvSpPr/>
+          <p:nvPr/>
+        </p:nvSpPr>
+        <p:spPr>
+          <a:xfrm>
+            <a:off x="31677476" y="3768972"/>
+            <a:ext cx="159390" cy="156970"/>
+          </a:xfrm>
+          <a:prstGeom prst="ellipse">
+            <a:avLst/>
+          </a:prstGeom>
+          <a:solidFill>
+            <a:srgbClr val="FF0000"/>
+          </a:solidFill>
+          <a:ln w="57150">
+            <a:solidFill>
+              <a:schemeClr val="tx1"/>
+            </a:solidFill>
+          </a:ln>
+        </p:spPr>
+        <p:style>
+          <a:lnRef idx="2">
+            <a:schemeClr val="accent1">
+              <a:shade val="15000"/>
+            </a:schemeClr>
+          </a:lnRef>
+          <a:fillRef idx="1">
+            <a:schemeClr val="accent1"/>
+          </a:fillRef>
+          <a:effectRef idx="0">
+            <a:schemeClr val="accent1"/>
+          </a:effectRef>
+          <a:fontRef idx="minor">
+            <a:schemeClr val="lt1"/>
+          </a:fontRef>
+        </p:style>
+        <p:txBody>
+          <a:bodyPr rtlCol="0" anchor="ctr"/>
+          <a:lstStyle/>
+          <a:p>
+            <a:pPr algn="ctr"/>
+            <a:endParaRPr lang="en-US"/>
+          </a:p>
+        </p:txBody>
+      </p:sp>
+      <p:sp>
+        <p:nvSpPr>
+          <p:cNvPr id="82" name="Oval 81">
+            <a:extLst>
+              <a:ext uri="{FF2B5EF4-FFF2-40B4-BE49-F238E27FC236}">
+                <a16:creationId xmlns:a16="http://schemas.microsoft.com/office/drawing/2014/main" id="{CD20E81F-3127-F271-993A-0C9111A9C0ED}"/>
+              </a:ext>
+            </a:extLst>
+          </p:cNvPr>
+          <p:cNvSpPr/>
+          <p:nvPr/>
+        </p:nvSpPr>
+        <p:spPr>
+          <a:xfrm>
+            <a:off x="29583138" y="3102733"/>
+            <a:ext cx="159390" cy="156970"/>
+          </a:xfrm>
+          <a:prstGeom prst="ellipse">
+            <a:avLst/>
+          </a:prstGeom>
+          <a:solidFill>
+            <a:schemeClr val="accent4">
+              <a:lumMod val="40000"/>
+              <a:lumOff val="60000"/>
+            </a:schemeClr>
+          </a:solidFill>
+          <a:ln w="28575">
+            <a:solidFill>
+              <a:schemeClr val="tx1"/>
+            </a:solidFill>
+          </a:ln>
+        </p:spPr>
+        <p:style>
+          <a:lnRef idx="2">
+            <a:schemeClr val="accent1">
+              <a:shade val="15000"/>
+            </a:schemeClr>
+          </a:lnRef>
+          <a:fillRef idx="1">
+            <a:schemeClr val="accent1"/>
+          </a:fillRef>
+          <a:effectRef idx="0">
+            <a:schemeClr val="accent1"/>
+          </a:effectRef>
+          <a:fontRef idx="minor">
+            <a:schemeClr val="lt1"/>
+          </a:fontRef>
+        </p:style>
+        <p:txBody>
+          <a:bodyPr rtlCol="0" anchor="ctr"/>
+          <a:lstStyle/>
+          <a:p>
+            <a:pPr algn="ctr"/>
+            <a:endParaRPr lang="en-US"/>
+          </a:p>
+        </p:txBody>
+      </p:sp>
+      <p:sp>
+        <p:nvSpPr>
+          <p:cNvPr id="83" name="Oval 82">
+            <a:extLst>
+              <a:ext uri="{FF2B5EF4-FFF2-40B4-BE49-F238E27FC236}">
+                <a16:creationId xmlns:a16="http://schemas.microsoft.com/office/drawing/2014/main" id="{C46DEAB9-8415-BFA5-0966-2EE0CC54964C}"/>
+              </a:ext>
+            </a:extLst>
+          </p:cNvPr>
+          <p:cNvSpPr/>
+          <p:nvPr/>
+        </p:nvSpPr>
+        <p:spPr>
+          <a:xfrm>
+            <a:off x="30513558" y="3101935"/>
+            <a:ext cx="159390" cy="156970"/>
+          </a:xfrm>
+          <a:prstGeom prst="ellipse">
+            <a:avLst/>
+          </a:prstGeom>
+          <a:solidFill>
+            <a:schemeClr val="accent4">
+              <a:lumMod val="40000"/>
+              <a:lumOff val="60000"/>
+            </a:schemeClr>
+          </a:solidFill>
+          <a:ln w="28575">
+            <a:solidFill>
+              <a:schemeClr val="tx1"/>
+            </a:solidFill>
+          </a:ln>
+        </p:spPr>
+        <p:style>
+          <a:lnRef idx="2">
+            <a:schemeClr val="accent1">
+              <a:shade val="15000"/>
+            </a:schemeClr>
+          </a:lnRef>
+          <a:fillRef idx="1">
+            <a:schemeClr val="accent1"/>
+          </a:fillRef>
+          <a:effectRef idx="0">
+            <a:schemeClr val="accent1"/>
+          </a:effectRef>
+          <a:fontRef idx="minor">
+            <a:schemeClr val="lt1"/>
+          </a:fontRef>
+        </p:style>
+        <p:txBody>
+          <a:bodyPr rtlCol="0" anchor="ctr"/>
+          <a:lstStyle/>
+          <a:p>
+            <a:pPr algn="ctr"/>
+            <a:endParaRPr lang="en-US"/>
+          </a:p>
+        </p:txBody>
+      </p:sp>
+      <p:sp>
+        <p:nvSpPr>
+          <p:cNvPr id="84" name="Oval 83">
+            <a:extLst>
+              <a:ext uri="{FF2B5EF4-FFF2-40B4-BE49-F238E27FC236}">
+                <a16:creationId xmlns:a16="http://schemas.microsoft.com/office/drawing/2014/main" id="{E421F8C8-20CC-4FEB-EB7D-BCE4589A84BF}"/>
+              </a:ext>
+            </a:extLst>
+          </p:cNvPr>
+          <p:cNvSpPr/>
+          <p:nvPr/>
+        </p:nvSpPr>
+        <p:spPr>
+          <a:xfrm>
+            <a:off x="30255264" y="2842897"/>
+            <a:ext cx="159390" cy="156970"/>
+          </a:xfrm>
+          <a:prstGeom prst="ellipse">
+            <a:avLst/>
+          </a:prstGeom>
+          <a:solidFill>
+            <a:srgbClr val="FF0000"/>
+          </a:solidFill>
+          <a:ln w="57150">
+            <a:solidFill>
+              <a:schemeClr val="tx1"/>
+            </a:solidFill>
+          </a:ln>
+        </p:spPr>
+        <p:style>
+          <a:lnRef idx="2">
+            <a:schemeClr val="accent1">
+              <a:shade val="15000"/>
+            </a:schemeClr>
+          </a:lnRef>
+          <a:fillRef idx="1">
+            <a:schemeClr val="accent1"/>
+          </a:fillRef>
+          <a:effectRef idx="0">
+            <a:schemeClr val="accent1"/>
+          </a:effectRef>
+          <a:fontRef idx="minor">
+            <a:schemeClr val="lt1"/>
+          </a:fontRef>
+        </p:style>
+        <p:txBody>
+          <a:bodyPr rtlCol="0" anchor="ctr"/>
+          <a:lstStyle/>
+          <a:p>
+            <a:pPr algn="ctr"/>
+            <a:endParaRPr lang="en-US"/>
+          </a:p>
+        </p:txBody>
+      </p:sp>
+      <p:sp>
+        <p:nvSpPr>
+          <p:cNvPr id="85" name="Oval 84">
+            <a:extLst>
+              <a:ext uri="{FF2B5EF4-FFF2-40B4-BE49-F238E27FC236}">
+                <a16:creationId xmlns:a16="http://schemas.microsoft.com/office/drawing/2014/main" id="{43263BC1-4419-F238-E653-EB5812C0974D}"/>
+              </a:ext>
+            </a:extLst>
+          </p:cNvPr>
+          <p:cNvSpPr/>
+          <p:nvPr/>
+        </p:nvSpPr>
+        <p:spPr>
+          <a:xfrm>
+            <a:off x="29967633" y="3069212"/>
+            <a:ext cx="159390" cy="156970"/>
+          </a:xfrm>
+          <a:prstGeom prst="ellipse">
+            <a:avLst/>
+          </a:prstGeom>
+          <a:solidFill>
+            <a:srgbClr val="FF0000"/>
+          </a:solidFill>
+          <a:ln w="57150">
+            <a:solidFill>
+              <a:schemeClr val="tx1"/>
+            </a:solidFill>
+          </a:ln>
+        </p:spPr>
+        <p:style>
+          <a:lnRef idx="2">
+            <a:schemeClr val="accent1">
+              <a:shade val="15000"/>
+            </a:schemeClr>
+          </a:lnRef>
+          <a:fillRef idx="1">
+            <a:schemeClr val="accent1"/>
+          </a:fillRef>
+          <a:effectRef idx="0">
+            <a:schemeClr val="accent1"/>
+          </a:effectRef>
+          <a:fontRef idx="minor">
+            <a:schemeClr val="lt1"/>
+          </a:fontRef>
+        </p:style>
+        <p:txBody>
+          <a:bodyPr rtlCol="0" anchor="ctr"/>
+          <a:lstStyle/>
+          <a:p>
+            <a:pPr algn="ctr"/>
+            <a:endParaRPr lang="en-US"/>
+          </a:p>
+        </p:txBody>
+      </p:sp>
+      <p:sp>
+        <p:nvSpPr>
+          <p:cNvPr id="86" name="Oval 85">
+            <a:extLst>
+              <a:ext uri="{FF2B5EF4-FFF2-40B4-BE49-F238E27FC236}">
+                <a16:creationId xmlns:a16="http://schemas.microsoft.com/office/drawing/2014/main" id="{886E3973-886D-7E97-DA98-698065B398A8}"/>
+              </a:ext>
+            </a:extLst>
+          </p:cNvPr>
+          <p:cNvSpPr/>
+          <p:nvPr/>
+        </p:nvSpPr>
+        <p:spPr>
+          <a:xfrm>
+            <a:off x="30204971" y="3340386"/>
+            <a:ext cx="159390" cy="156970"/>
+          </a:xfrm>
+          <a:prstGeom prst="ellipse">
+            <a:avLst/>
+          </a:prstGeom>
+          <a:solidFill>
+            <a:schemeClr val="accent4">
+              <a:lumMod val="40000"/>
+              <a:lumOff val="60000"/>
+            </a:schemeClr>
+          </a:solidFill>
+          <a:ln w="28575">
+            <a:solidFill>
+              <a:schemeClr val="tx1"/>
+            </a:solidFill>
+          </a:ln>
+        </p:spPr>
+        <p:style>
+          <a:lnRef idx="2">
+            <a:schemeClr val="accent1">
+              <a:shade val="15000"/>
+            </a:schemeClr>
+          </a:lnRef>
+          <a:fillRef idx="1">
+            <a:schemeClr val="accent1"/>
+          </a:fillRef>
+          <a:effectRef idx="0">
+            <a:schemeClr val="accent1"/>
+          </a:effectRef>
+          <a:fontRef idx="minor">
+            <a:schemeClr val="lt1"/>
+          </a:fontRef>
+        </p:style>
+        <p:txBody>
+          <a:bodyPr rtlCol="0" anchor="ctr"/>
+          <a:lstStyle/>
+          <a:p>
+            <a:pPr algn="ctr"/>
+            <a:endParaRPr lang="en-US"/>
+          </a:p>
+        </p:txBody>
+      </p:sp>
+      <p:sp>
+        <p:nvSpPr>
+          <p:cNvPr id="87" name="Oval 86">
+            <a:extLst>
+              <a:ext uri="{FF2B5EF4-FFF2-40B4-BE49-F238E27FC236}">
+                <a16:creationId xmlns:a16="http://schemas.microsoft.com/office/drawing/2014/main" id="{2499BE88-E298-D9CD-ECCE-17B4F6EF6F5F}"/>
+              </a:ext>
+            </a:extLst>
+          </p:cNvPr>
+          <p:cNvSpPr/>
+          <p:nvPr/>
+        </p:nvSpPr>
+        <p:spPr>
+          <a:xfrm>
+            <a:off x="29742528" y="2768982"/>
+            <a:ext cx="159390" cy="156970"/>
+          </a:xfrm>
+          <a:prstGeom prst="ellipse">
+            <a:avLst/>
+          </a:prstGeom>
+          <a:solidFill>
+            <a:schemeClr val="accent4">
+              <a:lumMod val="40000"/>
+              <a:lumOff val="60000"/>
+            </a:schemeClr>
+          </a:solidFill>
+          <a:ln w="28575">
+            <a:solidFill>
+              <a:schemeClr val="tx1"/>
+            </a:solidFill>
+          </a:ln>
+        </p:spPr>
+        <p:style>
+          <a:lnRef idx="2">
+            <a:schemeClr val="accent1">
+              <a:shade val="15000"/>
+            </a:schemeClr>
+          </a:lnRef>
+          <a:fillRef idx="1">
+            <a:schemeClr val="accent1"/>
+          </a:fillRef>
+          <a:effectRef idx="0">
+            <a:schemeClr val="accent1"/>
+          </a:effectRef>
+          <a:fontRef idx="minor">
+            <a:schemeClr val="lt1"/>
+          </a:fontRef>
+        </p:style>
+        <p:txBody>
+          <a:bodyPr rtlCol="0" anchor="ctr"/>
+          <a:lstStyle/>
+          <a:p>
+            <a:pPr algn="ctr"/>
+            <a:endParaRPr lang="en-US"/>
+          </a:p>
+        </p:txBody>
+      </p:sp>
+      <p:sp>
+        <p:nvSpPr>
+          <p:cNvPr id="88" name="Oval 87">
+            <a:extLst>
+              <a:ext uri="{FF2B5EF4-FFF2-40B4-BE49-F238E27FC236}">
+                <a16:creationId xmlns:a16="http://schemas.microsoft.com/office/drawing/2014/main" id="{B2BDAD61-7069-2C05-9A5F-E1637F9C4136}"/>
+              </a:ext>
+            </a:extLst>
+          </p:cNvPr>
+          <p:cNvSpPr/>
+          <p:nvPr/>
+        </p:nvSpPr>
+        <p:spPr>
+          <a:xfrm>
+            <a:off x="30061238" y="2542772"/>
+            <a:ext cx="159390" cy="156970"/>
+          </a:xfrm>
+          <a:prstGeom prst="ellipse">
+            <a:avLst/>
+          </a:prstGeom>
+          <a:solidFill>
+            <a:schemeClr val="accent4">
+              <a:lumMod val="40000"/>
+              <a:lumOff val="60000"/>
+            </a:schemeClr>
+          </a:solidFill>
+          <a:ln w="28575">
+            <a:solidFill>
+              <a:schemeClr val="tx1"/>
+            </a:solidFill>
+          </a:ln>
+        </p:spPr>
+        <p:style>
+          <a:lnRef idx="2">
+            <a:schemeClr val="accent1">
+              <a:shade val="15000"/>
+            </a:schemeClr>
+          </a:lnRef>
+          <a:fillRef idx="1">
+            <a:schemeClr val="accent1"/>
+          </a:fillRef>
+          <a:effectRef idx="0">
+            <a:schemeClr val="accent1"/>
+          </a:effectRef>
+          <a:fontRef idx="minor">
+            <a:schemeClr val="lt1"/>
+          </a:fontRef>
+        </p:style>
+        <p:txBody>
+          <a:bodyPr rtlCol="0" anchor="ctr"/>
+          <a:lstStyle/>
+          <a:p>
+            <a:pPr algn="ctr"/>
+            <a:endParaRPr lang="en-US"/>
+          </a:p>
+        </p:txBody>
+      </p:sp>
+      <mc:AlternateContent xmlns:mc="http://schemas.openxmlformats.org/markup-compatibility/2006">
+        <mc:Choice xmlns:a14="http://schemas.microsoft.com/office/drawing/2010/main" Requires="a14">
+          <p:sp>
+            <p:nvSpPr>
+              <p:cNvPr id="89" name="TextBox 88">
+                <a:extLst>
+                  <a:ext uri="{FF2B5EF4-FFF2-40B4-BE49-F238E27FC236}">
+                    <a16:creationId xmlns:a16="http://schemas.microsoft.com/office/drawing/2014/main" id="{1A46E0BB-24C5-F35D-6739-CE517105E26A}"/>
+                  </a:ext>
+                </a:extLst>
+              </p:cNvPr>
+              <p:cNvSpPr txBox="1"/>
+              <p:nvPr/>
+            </p:nvSpPr>
+            <p:spPr>
+              <a:xfrm>
+                <a:off x="22700476" y="7526916"/>
+                <a:ext cx="10632413" cy="584775"/>
+              </a:xfrm>
+              <a:prstGeom prst="rect">
+                <a:avLst/>
+              </a:prstGeom>
+              <a:noFill/>
+            </p:spPr>
+            <p:txBody>
+              <a:bodyPr wrap="square">
+                <a:spAutoFit/>
+              </a:bodyPr>
+              <a:lstStyle/>
+              <a:p>
+                <a:pPr/>
+                <a14:m>
+                  <m:oMathPara xmlns:m="http://schemas.openxmlformats.org/officeDocument/2006/math">
+                    <m:oMathParaPr>
+                      <m:jc m:val="centerGroup"/>
+                    </m:oMathParaPr>
+                    <m:oMath xmlns:m="http://schemas.openxmlformats.org/officeDocument/2006/math">
+                      <m:d>
+                        <m:dPr>
+                          <m:ctrlPr>
+                            <a:rPr lang="en-US" sz="3200" b="0" i="1" smtClean="0">
+                              <a:solidFill>
+                                <a:srgbClr val="C00000"/>
+                              </a:solidFill>
+                              <a:latin typeface="Cambria Math" panose="02040503050406030204" pitchFamily="18" charset="0"/>
+                            </a:rPr>
+                          </m:ctrlPr>
+                        </m:dPr>
+                        <m:e>
+                          <m:r>
+                            <a:rPr lang="en-US" sz="3200" b="0" i="1" smtClean="0">
+                              <a:solidFill>
+                                <a:srgbClr val="C00000"/>
+                              </a:solidFill>
+                              <a:latin typeface="Cambria Math" panose="02040503050406030204" pitchFamily="18" charset="0"/>
+                            </a:rPr>
+                            <m:t>1−</m:t>
+                          </m:r>
+                          <m:r>
+                            <m:rPr>
+                              <m:sty m:val="p"/>
+                            </m:rPr>
+                            <a:rPr lang="en-US" sz="3200" b="0" i="1" smtClean="0">
+                              <a:solidFill>
+                                <a:srgbClr val="C00000"/>
+                              </a:solidFill>
+                              <a:latin typeface="Cambria Math" panose="02040503050406030204" pitchFamily="18" charset="0"/>
+                            </a:rPr>
+                            <m:t>ε</m:t>
+                          </m:r>
+                        </m:e>
+                      </m:d>
+                      <m:r>
+                        <m:rPr>
+                          <m:sty m:val="p"/>
+                        </m:rPr>
+                        <a:rPr lang="en-US" sz="3200" b="0" i="0" smtClean="0">
+                          <a:solidFill>
+                            <a:srgbClr val="C00000"/>
+                          </a:solidFill>
+                          <a:latin typeface="Cambria Math" panose="02040503050406030204" pitchFamily="18" charset="0"/>
+                        </a:rPr>
+                        <m:t>Cost</m:t>
+                      </m:r>
+                      <m:r>
+                        <a:rPr lang="en-US" sz="3200" b="0" i="1" smtClean="0">
+                          <a:solidFill>
+                            <a:srgbClr val="C00000"/>
+                          </a:solidFill>
+                          <a:latin typeface="Cambria Math" panose="02040503050406030204" pitchFamily="18" charset="0"/>
+                        </a:rPr>
+                        <m:t>(</m:t>
+                      </m:r>
+                      <m:r>
+                        <a:rPr lang="en-US" sz="3200" b="0" i="1" smtClean="0">
+                          <a:solidFill>
+                            <a:srgbClr val="C00000"/>
+                          </a:solidFill>
+                          <a:latin typeface="Cambria Math" panose="02040503050406030204" pitchFamily="18" charset="0"/>
+                        </a:rPr>
+                        <m:t>𝑋</m:t>
+                      </m:r>
+                      <m:r>
+                        <a:rPr lang="en-US" sz="3200" b="0" i="1" smtClean="0">
+                          <a:solidFill>
+                            <a:srgbClr val="C00000"/>
+                          </a:solidFill>
+                          <a:latin typeface="Cambria Math" panose="02040503050406030204" pitchFamily="18" charset="0"/>
+                        </a:rPr>
+                        <m:t>,</m:t>
+                      </m:r>
+                      <m:r>
+                        <a:rPr lang="en-US" sz="3200" b="0" i="1" smtClean="0">
+                          <a:solidFill>
+                            <a:srgbClr val="C00000"/>
+                          </a:solidFill>
+                          <a:latin typeface="Cambria Math" panose="02040503050406030204" pitchFamily="18" charset="0"/>
+                        </a:rPr>
+                        <m:t>𝐶</m:t>
+                      </m:r>
+                      <m:r>
+                        <a:rPr lang="en-US" sz="3200" b="0" i="1" smtClean="0">
+                          <a:solidFill>
+                            <a:srgbClr val="C00000"/>
+                          </a:solidFill>
+                          <a:latin typeface="Cambria Math" panose="02040503050406030204" pitchFamily="18" charset="0"/>
+                        </a:rPr>
+                        <m:t>)≤</m:t>
+                      </m:r>
+                      <m:r>
+                        <m:rPr>
+                          <m:sty m:val="p"/>
+                        </m:rPr>
+                        <a:rPr lang="en-US" sz="3200" i="0">
+                          <a:solidFill>
+                            <a:srgbClr val="C00000"/>
+                          </a:solidFill>
+                          <a:latin typeface="Cambria Math" panose="02040503050406030204" pitchFamily="18" charset="0"/>
+                        </a:rPr>
+                        <m:t>Cost</m:t>
+                      </m:r>
+                      <m:r>
+                        <a:rPr lang="en-US" sz="3200" i="1">
+                          <a:solidFill>
+                            <a:srgbClr val="C00000"/>
+                          </a:solidFill>
+                          <a:latin typeface="Cambria Math" panose="02040503050406030204" pitchFamily="18" charset="0"/>
+                        </a:rPr>
+                        <m:t>(</m:t>
+                      </m:r>
+                      <m:r>
+                        <a:rPr lang="en-US" sz="3200" i="1">
+                          <a:solidFill>
+                            <a:srgbClr val="C00000"/>
+                          </a:solidFill>
+                          <a:latin typeface="Cambria Math" panose="02040503050406030204" pitchFamily="18" charset="0"/>
+                        </a:rPr>
+                        <m:t>𝑋</m:t>
+                      </m:r>
+                      <m:r>
+                        <a:rPr lang="en-US" sz="3200" b="0" i="1" smtClean="0">
+                          <a:solidFill>
+                            <a:srgbClr val="C00000"/>
+                          </a:solidFill>
+                          <a:latin typeface="Cambria Math" panose="02040503050406030204" pitchFamily="18" charset="0"/>
+                        </a:rPr>
+                        <m:t>′</m:t>
+                      </m:r>
+                      <m:r>
+                        <a:rPr lang="en-US" sz="3200" i="1">
+                          <a:solidFill>
+                            <a:srgbClr val="C00000"/>
+                          </a:solidFill>
+                          <a:latin typeface="Cambria Math" panose="02040503050406030204" pitchFamily="18" charset="0"/>
+                        </a:rPr>
+                        <m:t>,</m:t>
+                      </m:r>
+                      <m:r>
+                        <a:rPr lang="en-US" sz="3200" i="1">
+                          <a:solidFill>
+                            <a:srgbClr val="C00000"/>
+                          </a:solidFill>
+                          <a:latin typeface="Cambria Math" panose="02040503050406030204" pitchFamily="18" charset="0"/>
+                        </a:rPr>
+                        <m:t>𝐶</m:t>
+                      </m:r>
+                      <m:r>
+                        <a:rPr lang="en-US" sz="3200" i="1">
+                          <a:solidFill>
+                            <a:srgbClr val="C00000"/>
+                          </a:solidFill>
+                          <a:latin typeface="Cambria Math" panose="02040503050406030204" pitchFamily="18" charset="0"/>
+                        </a:rPr>
+                        <m:t>,</m:t>
+                      </m:r>
+                      <m:r>
+                        <a:rPr lang="en-US" sz="3200" i="1">
+                          <a:solidFill>
+                            <a:srgbClr val="C00000"/>
+                          </a:solidFill>
+                          <a:latin typeface="Cambria Math" panose="02040503050406030204" pitchFamily="18" charset="0"/>
+                        </a:rPr>
+                        <m:t>𝑤</m:t>
+                      </m:r>
+                      <m:r>
+                        <a:rPr lang="en-US" sz="3200" i="1">
+                          <a:solidFill>
+                            <a:srgbClr val="C00000"/>
+                          </a:solidFill>
+                          <a:latin typeface="Cambria Math" panose="02040503050406030204" pitchFamily="18" charset="0"/>
+                        </a:rPr>
+                        <m:t>)≤</m:t>
+                      </m:r>
+                      <m:d>
+                        <m:dPr>
+                          <m:ctrlPr>
+                            <a:rPr lang="en-US" sz="3200" b="0" i="1" smtClean="0">
+                              <a:solidFill>
+                                <a:srgbClr val="C00000"/>
+                              </a:solidFill>
+                              <a:latin typeface="Cambria Math" panose="02040503050406030204" pitchFamily="18" charset="0"/>
+                            </a:rPr>
+                          </m:ctrlPr>
+                        </m:dPr>
+                        <m:e>
+                          <m:r>
+                            <a:rPr lang="en-US" sz="3200" i="1">
+                              <a:solidFill>
+                                <a:srgbClr val="C00000"/>
+                              </a:solidFill>
+                              <a:latin typeface="Cambria Math" panose="02040503050406030204" pitchFamily="18" charset="0"/>
+                            </a:rPr>
+                            <m:t>1+</m:t>
+                          </m:r>
+                          <m:r>
+                            <m:rPr>
+                              <m:sty m:val="p"/>
+                            </m:rPr>
+                            <a:rPr lang="en-US" sz="3200" i="1">
+                              <a:solidFill>
+                                <a:srgbClr val="C00000"/>
+                              </a:solidFill>
+                              <a:latin typeface="Cambria Math" panose="02040503050406030204" pitchFamily="18" charset="0"/>
+                            </a:rPr>
+                            <m:t>ε</m:t>
+                          </m:r>
+                        </m:e>
+                      </m:d>
+                      <m:r>
+                        <m:rPr>
+                          <m:sty m:val="p"/>
+                        </m:rPr>
+                        <a:rPr lang="en-US" sz="3200" i="0">
+                          <a:solidFill>
+                            <a:srgbClr val="C00000"/>
+                          </a:solidFill>
+                          <a:latin typeface="Cambria Math" panose="02040503050406030204" pitchFamily="18" charset="0"/>
+                        </a:rPr>
+                        <m:t>Cost</m:t>
+                      </m:r>
+                      <m:r>
+                        <a:rPr lang="en-US" sz="3200" i="1">
+                          <a:solidFill>
+                            <a:srgbClr val="C00000"/>
+                          </a:solidFill>
+                          <a:latin typeface="Cambria Math" panose="02040503050406030204" pitchFamily="18" charset="0"/>
+                        </a:rPr>
+                        <m:t>(</m:t>
+                      </m:r>
+                      <m:r>
+                        <a:rPr lang="en-US" sz="3200" i="1">
+                          <a:solidFill>
+                            <a:srgbClr val="C00000"/>
+                          </a:solidFill>
+                          <a:latin typeface="Cambria Math" panose="02040503050406030204" pitchFamily="18" charset="0"/>
+                        </a:rPr>
+                        <m:t>𝑋</m:t>
+                      </m:r>
+                      <m:r>
+                        <a:rPr lang="en-US" sz="3200" i="1">
+                          <a:solidFill>
+                            <a:srgbClr val="C00000"/>
+                          </a:solidFill>
+                          <a:latin typeface="Cambria Math" panose="02040503050406030204" pitchFamily="18" charset="0"/>
+                        </a:rPr>
+                        <m:t>,</m:t>
+                      </m:r>
+                      <m:r>
+                        <a:rPr lang="en-US" sz="3200" i="1">
+                          <a:solidFill>
+                            <a:srgbClr val="C00000"/>
+                          </a:solidFill>
+                          <a:latin typeface="Cambria Math" panose="02040503050406030204" pitchFamily="18" charset="0"/>
+                        </a:rPr>
+                        <m:t>𝐶</m:t>
+                      </m:r>
+                      <m:r>
+                        <a:rPr lang="en-US" sz="3200" b="0" i="1" smtClean="0">
+                          <a:solidFill>
+                            <a:srgbClr val="C00000"/>
+                          </a:solidFill>
+                          <a:latin typeface="Cambria Math" panose="02040503050406030204" pitchFamily="18" charset="0"/>
+                        </a:rPr>
+                        <m:t>)</m:t>
+                      </m:r>
+                    </m:oMath>
+                  </m:oMathPara>
+                </a14:m>
+                <a:endParaRPr lang="en-US" sz="3200" dirty="0"/>
+              </a:p>
+            </p:txBody>
+          </p:sp>
+        </mc:Choice>
+        <mc:Fallback>
+          <p:sp>
+            <p:nvSpPr>
+              <p:cNvPr id="89" name="TextBox 88">
+                <a:extLst>
+                  <a:ext uri="{FF2B5EF4-FFF2-40B4-BE49-F238E27FC236}">
+                    <a16:creationId xmlns:a16="http://schemas.microsoft.com/office/drawing/2014/main" id="{1A46E0BB-24C5-F35D-6739-CE517105E26A}"/>
+                  </a:ext>
+                </a:extLst>
+              </p:cNvPr>
+              <p:cNvSpPr txBox="1">
+                <a:spLocks noRot="1" noChangeAspect="1" noMove="1" noResize="1" noEditPoints="1" noAdjustHandles="1" noChangeArrowheads="1" noChangeShapeType="1" noTextEdit="1"/>
+              </p:cNvSpPr>
+              <p:nvPr/>
+            </p:nvSpPr>
+            <p:spPr>
+              <a:xfrm>
+                <a:off x="22700476" y="7526916"/>
+                <a:ext cx="10632413" cy="584775"/>
+              </a:xfrm>
+              <a:prstGeom prst="rect">
+                <a:avLst/>
+              </a:prstGeom>
+              <a:blipFill>
+                <a:blip r:embed="rId19"/>
+                <a:stretch>
+                  <a:fillRect/>
+                </a:stretch>
+              </a:blipFill>
+            </p:spPr>
+            <p:txBody>
+              <a:bodyPr/>
+              <a:lstStyle/>
+              <a:p>
+                <a:r>
+                  <a:rPr lang="en-US">
+                    <a:noFill/>
+                  </a:rPr>
+                  <a:t> </a:t>
+                </a:r>
+              </a:p>
+            </p:txBody>
+          </p:sp>
+        </mc:Fallback>
+      </mc:AlternateContent>
+      <p:pic>
+        <p:nvPicPr>
+          <p:cNvPr id="91" name="Picture 90">
+            <a:extLst>
+              <a:ext uri="{FF2B5EF4-FFF2-40B4-BE49-F238E27FC236}">
+                <a16:creationId xmlns:a16="http://schemas.microsoft.com/office/drawing/2014/main" id="{1F51A1A7-FAB8-9F17-3219-7A4FD2556702}"/>
+              </a:ext>
+            </a:extLst>
+          </p:cNvPr>
+          <p:cNvPicPr>
+            <a:picLocks noChangeAspect="1"/>
+          </p:cNvPicPr>
+          <p:nvPr/>
+        </p:nvPicPr>
+        <p:blipFill>
+          <a:blip r:embed="rId20"/>
+          <a:stretch>
+            <a:fillRect/>
+          </a:stretch>
+        </p:blipFill>
+        <p:spPr>
+          <a:xfrm>
+            <a:off x="24440360" y="16795328"/>
+            <a:ext cx="8100762" cy="4359018"/>
+          </a:xfrm>
+          <a:prstGeom prst="rect">
+            <a:avLst/>
+          </a:prstGeom>
+        </p:spPr>
+      </p:pic>
+      <p:sp>
+        <p:nvSpPr>
+          <p:cNvPr id="92" name="TextBox 43">
+            <a:extLst>
+              <a:ext uri="{FF2B5EF4-FFF2-40B4-BE49-F238E27FC236}">
+                <a16:creationId xmlns:a16="http://schemas.microsoft.com/office/drawing/2014/main" id="{4A2C4571-98C8-C82A-3AE6-D8183FC0AFC3}"/>
+              </a:ext>
+            </a:extLst>
+          </p:cNvPr>
           <p:cNvSpPr txBox="1"/>
           <p:nvPr/>
         </p:nvSpPr>
         <p:spPr>
           <a:xfrm>
-            <a:off x="22918782" y="12716374"/>
-            <a:ext cx="9039498" cy="1115546"/>
+            <a:off x="24178513" y="8545077"/>
+            <a:ext cx="9064533" cy="830997"/>
           </a:xfrm>
           <a:prstGeom prst="rect">
             <a:avLst/>
@@ -2491,13 +9368,7 @@
           </a:bodyPr>
           <a:lstStyle>
             <a:lvl1pPr>
-              <a:lnSpc>
-                <a:spcPct val="120000"/>
-              </a:lnSpc>
-              <a:defRPr sz="2100">
-                <a:solidFill>
-                  <a:srgbClr val="344854"/>
-                </a:solidFill>
+              <a:defRPr sz="3400">
                 <a:latin typeface="Arial"/>
                 <a:ea typeface="Arial"/>
                 <a:cs typeface="Arial"/>
@@ -2507,142 +9378,171 @@
           </a:lstStyle>
           <a:p>
             <a:r>
-              <a:t>This section is an example of a paragraph.  When creating sections, regardless of whether you're putting in text or images, always try to align to the edges of the yellow guidelines. </a:t>
+              <a:rPr lang="en-US" sz="4800" dirty="0"/>
+              <a:t>Intuition</a:t>
+            </a:r>
+            <a:endParaRPr sz="4800" dirty="0"/>
+          </a:p>
+        </p:txBody>
+      </p:sp>
+      <p:sp>
+        <p:nvSpPr>
+          <p:cNvPr id="97" name="TextBox 96">
+            <a:extLst>
+              <a:ext uri="{FF2B5EF4-FFF2-40B4-BE49-F238E27FC236}">
+                <a16:creationId xmlns:a16="http://schemas.microsoft.com/office/drawing/2014/main" id="{1C87F9A8-B0AA-E67F-23AC-D26956505E6E}"/>
+              </a:ext>
+            </a:extLst>
+          </p:cNvPr>
+          <p:cNvSpPr txBox="1"/>
+          <p:nvPr/>
+        </p:nvSpPr>
+        <p:spPr>
+          <a:xfrm>
+            <a:off x="24058625" y="11175886"/>
+            <a:ext cx="8782038" cy="4524315"/>
+          </a:xfrm>
+          <a:prstGeom prst="rect">
+            <a:avLst/>
+          </a:prstGeom>
+          <a:noFill/>
+          <a:ln w="12700" cap="flat">
+            <a:noFill/>
+            <a:miter lim="400000"/>
+          </a:ln>
+          <a:effectLst/>
+          <a:sp3d/>
+        </p:spPr>
+        <p:style>
+          <a:lnRef idx="0">
+            <a:scrgbClr r="0" g="0" b="0"/>
+          </a:lnRef>
+          <a:fillRef idx="0">
+            <a:scrgbClr r="0" g="0" b="0"/>
+          </a:fillRef>
+          <a:effectRef idx="0">
+            <a:scrgbClr r="0" g="0" b="0"/>
+          </a:effectRef>
+          <a:fontRef idx="none"/>
+        </p:style>
+        <p:txBody>
+          <a:bodyPr wrap="square">
+            <a:spAutoFit/>
+          </a:bodyPr>
+          <a:lstStyle/>
+          <a:p>
+            <a:pPr marL="457200" indent="-457200">
+              <a:buClr>
+                <a:schemeClr val="tx1"/>
+              </a:buClr>
+              <a:buFont typeface="Arial" panose="020B0604020202020204" pitchFamily="34" charset="0"/>
+              <a:buChar char="•"/>
+            </a:pPr>
+            <a:r>
+              <a:rPr lang="en-US" sz="3200" dirty="0">
+                <a:solidFill>
+                  <a:srgbClr val="00B050"/>
+                </a:solidFill>
+              </a:rPr>
+              <a:t>Online Coreset</a:t>
+            </a:r>
+            <a:r>
+              <a:rPr lang="en-US" sz="3200" dirty="0"/>
+              <a:t>: Data structure that not only approximately preserves the cost of the data stream, but also the costs of all prefixes of the data stream</a:t>
+            </a:r>
+          </a:p>
+          <a:p>
+            <a:pPr marL="457200" indent="-457200">
+              <a:buClr>
+                <a:schemeClr val="tx1"/>
+              </a:buClr>
+              <a:buFont typeface="Arial" panose="020B0604020202020204" pitchFamily="34" charset="0"/>
+              <a:buChar char="•"/>
+            </a:pPr>
+            <a:r>
+              <a:rPr lang="en-US" sz="3200" dirty="0">
+                <a:solidFill>
+                  <a:schemeClr val="tx1"/>
+                </a:solidFill>
+              </a:rPr>
+              <a:t>We show there exists an online coreset using the Meyerson sketch </a:t>
+            </a:r>
+            <a:r>
+              <a:rPr lang="en-US" sz="3200" dirty="0">
+                <a:solidFill>
+                  <a:srgbClr val="C00000"/>
+                </a:solidFill>
+              </a:rPr>
+              <a:t>[Mey01] </a:t>
+            </a:r>
+            <a:r>
+              <a:rPr lang="en-US" sz="3200" dirty="0">
+                <a:solidFill>
+                  <a:schemeClr val="tx1"/>
+                </a:solidFill>
+              </a:rPr>
+              <a:t>and an independent sampling version of known coresets, e.g.,</a:t>
+            </a:r>
+            <a:r>
+              <a:rPr lang="en-US" sz="3200" dirty="0">
+                <a:solidFill>
+                  <a:srgbClr val="C00000"/>
+                </a:solidFill>
+              </a:rPr>
+              <a:t> [CLSS22]</a:t>
+            </a:r>
+          </a:p>
+          <a:p>
+            <a:pPr marL="457200" indent="-457200">
+              <a:buClr>
+                <a:schemeClr val="tx1"/>
+              </a:buClr>
+              <a:buFont typeface="Arial" panose="020B0604020202020204" pitchFamily="34" charset="0"/>
+              <a:buChar char="•"/>
+            </a:pPr>
+            <a:r>
+              <a:rPr lang="en-US" sz="3200" dirty="0">
+                <a:solidFill>
+                  <a:schemeClr val="tx1"/>
+                </a:solidFill>
+              </a:rPr>
+              <a:t>Run the online coreset </a:t>
+            </a:r>
+            <a:r>
+              <a:rPr lang="en-US" sz="3200" i="1" dirty="0">
+                <a:solidFill>
+                  <a:srgbClr val="0070C0"/>
+                </a:solidFill>
+              </a:rPr>
+              <a:t>in reverse</a:t>
+            </a:r>
+            <a:r>
+              <a:rPr lang="en-US" sz="3200" dirty="0">
+                <a:solidFill>
+                  <a:schemeClr val="tx1"/>
+                </a:solidFill>
+              </a:rPr>
+              <a:t> at each time</a:t>
             </a:r>
           </a:p>
         </p:txBody>
       </p:sp>
       <p:sp>
         <p:nvSpPr>
-          <p:cNvPr id="45" name="TextBox 54"/>
+          <p:cNvPr id="6" name="TextBox 43">
+            <a:extLst>
+              <a:ext uri="{FF2B5EF4-FFF2-40B4-BE49-F238E27FC236}">
+                <a16:creationId xmlns:a16="http://schemas.microsoft.com/office/drawing/2014/main" id="{3D35E5EF-CF10-AA97-3C0A-36DF2B978D21}"/>
+              </a:ext>
+            </a:extLst>
+          </p:cNvPr>
           <p:cNvSpPr txBox="1"/>
           <p:nvPr/>
         </p:nvSpPr>
         <p:spPr>
           <a:xfrm>
-            <a:off x="22928580" y="10532596"/>
-            <a:ext cx="9029701" cy="276540"/>
-          </a:xfrm>
-          <a:prstGeom prst="rect">
-            <a:avLst/>
-          </a:prstGeom>
-          <a:ln w="12700">
-            <a:miter lim="400000"/>
-          </a:ln>
-          <a:extLst>
-            <a:ext uri="{C572A759-6A51-4108-AA02-DFA0A04FC94B}">
-              <ma14:wrappingTextBoxFlag xmlns="" xmlns:m="http://schemas.openxmlformats.org/officeDocument/2006/math" xmlns:a14="http://schemas.microsoft.com/office/drawing/2010/main" xmlns:ma14="http://schemas.microsoft.com/office/mac/drawingml/2011/main" val="1"/>
-            </a:ext>
-          </a:extLst>
-        </p:spPr>
-        <p:txBody>
-          <a:bodyPr lIns="45719" rIns="45719">
-            <a:spAutoFit/>
-          </a:bodyPr>
-          <a:lstStyle>
-            <a:lvl1pPr algn="ctr">
-              <a:defRPr sz="1300">
-                <a:solidFill>
-                  <a:srgbClr val="344854"/>
-                </a:solidFill>
-                <a:latin typeface="Arial"/>
-                <a:ea typeface="Arial"/>
-                <a:cs typeface="Arial"/>
-                <a:sym typeface="Arial"/>
-              </a:defRPr>
-            </a:lvl1pPr>
-          </a:lstStyle>
-          <a:p>
-            <a:r>
-              <a:t>Optional caption for images, charts, and graphs</a:t>
-            </a:r>
-          </a:p>
-        </p:txBody>
-      </p:sp>
-      <p:sp>
-        <p:nvSpPr>
-          <p:cNvPr id="46" name="TextBox 56"/>
-          <p:cNvSpPr txBox="1"/>
-          <p:nvPr/>
-        </p:nvSpPr>
-        <p:spPr>
-          <a:xfrm>
-            <a:off x="982979" y="20359289"/>
-            <a:ext cx="9029701" cy="276539"/>
-          </a:xfrm>
-          <a:prstGeom prst="rect">
-            <a:avLst/>
-          </a:prstGeom>
-          <a:ln w="12700">
-            <a:miter lim="400000"/>
-          </a:ln>
-          <a:extLst>
-            <a:ext uri="{C572A759-6A51-4108-AA02-DFA0A04FC94B}">
-              <ma14:wrappingTextBoxFlag xmlns="" xmlns:m="http://schemas.openxmlformats.org/officeDocument/2006/math" xmlns:a14="http://schemas.microsoft.com/office/drawing/2010/main" xmlns:ma14="http://schemas.microsoft.com/office/mac/drawingml/2011/main" val="1"/>
-            </a:ext>
-          </a:extLst>
-        </p:spPr>
-        <p:txBody>
-          <a:bodyPr lIns="45719" rIns="45719">
-            <a:spAutoFit/>
-          </a:bodyPr>
-          <a:lstStyle>
-            <a:lvl1pPr algn="ctr">
-              <a:defRPr sz="1300">
-                <a:solidFill>
-                  <a:srgbClr val="344854"/>
-                </a:solidFill>
-                <a:latin typeface="Arial"/>
-                <a:ea typeface="Arial"/>
-                <a:cs typeface="Arial"/>
-                <a:sym typeface="Arial"/>
-              </a:defRPr>
-            </a:lvl1pPr>
-          </a:lstStyle>
-          <a:p>
-            <a:r>
-              <a:t>Optional caption for images, charts, and graphs</a:t>
-            </a:r>
-          </a:p>
-        </p:txBody>
-      </p:sp>
-      <p:pic>
-        <p:nvPicPr>
-          <p:cNvPr id="47" name="Image" descr="Image"/>
-          <p:cNvPicPr>
-            <a:picLocks noChangeAspect="1"/>
-          </p:cNvPicPr>
-          <p:nvPr/>
-        </p:nvPicPr>
-        <p:blipFill>
-          <a:blip r:embed="rId6"/>
-          <a:stretch>
-            <a:fillRect/>
-          </a:stretch>
-        </p:blipFill>
-        <p:spPr>
-          <a:xfrm>
-            <a:off x="12541143" y="12968203"/>
-            <a:ext cx="7836114" cy="1910722"/>
-          </a:xfrm>
-          <a:prstGeom prst="rect">
-            <a:avLst/>
-          </a:prstGeom>
-          <a:ln w="12700">
-            <a:miter lim="400000"/>
-          </a:ln>
-        </p:spPr>
-      </p:pic>
-      <p:sp>
-        <p:nvSpPr>
-          <p:cNvPr id="48" name="TextBox 60"/>
-          <p:cNvSpPr txBox="1"/>
-          <p:nvPr/>
-        </p:nvSpPr>
-        <p:spPr>
-          <a:xfrm>
-            <a:off x="22905719" y="17368623"/>
-            <a:ext cx="6335025" cy="387516"/>
+            <a:off x="11436424" y="16939402"/>
+            <a:ext cx="9064533" cy="830997"/>
           </a:xfrm>
           <a:prstGeom prst="rect">
             <a:avLst/>
@@ -2662,7 +9562,7 @@
           </a:bodyPr>
           <a:lstStyle>
             <a:lvl1pPr>
-              <a:defRPr sz="2100">
+              <a:defRPr sz="3400">
                 <a:latin typeface="Arial"/>
                 <a:ea typeface="Arial"/>
                 <a:cs typeface="Arial"/>
@@ -2672,178 +9572,485 @@
           </a:lstStyle>
           <a:p>
             <a:r>
+              <a:rPr lang="en-US" sz="4800" dirty="0"/>
               <a:t>References</a:t>
+            </a:r>
+            <a:endParaRPr sz="4800" dirty="0"/>
+          </a:p>
+        </p:txBody>
+      </p:sp>
+      <p:sp>
+        <p:nvSpPr>
+          <p:cNvPr id="7" name="TextBox 6">
+            <a:extLst>
+              <a:ext uri="{FF2B5EF4-FFF2-40B4-BE49-F238E27FC236}">
+                <a16:creationId xmlns:a16="http://schemas.microsoft.com/office/drawing/2014/main" id="{1385069F-8354-64D7-77B3-2671308F4B6F}"/>
+              </a:ext>
+            </a:extLst>
+          </p:cNvPr>
+          <p:cNvSpPr txBox="1"/>
+          <p:nvPr/>
+        </p:nvSpPr>
+        <p:spPr>
+          <a:xfrm>
+            <a:off x="11023715" y="17718010"/>
+            <a:ext cx="13270120" cy="4154984"/>
+          </a:xfrm>
+          <a:prstGeom prst="rect">
+            <a:avLst/>
+          </a:prstGeom>
+          <a:noFill/>
+          <a:ln w="12700" cap="flat">
+            <a:noFill/>
+            <a:miter lim="400000"/>
+          </a:ln>
+          <a:effectLst/>
+          <a:sp3d/>
+        </p:spPr>
+        <p:style>
+          <a:lnRef idx="0">
+            <a:scrgbClr r="0" g="0" b="0"/>
+          </a:lnRef>
+          <a:fillRef idx="0">
+            <a:scrgbClr r="0" g="0" b="0"/>
+          </a:fillRef>
+          <a:effectRef idx="0">
+            <a:scrgbClr r="0" g="0" b="0"/>
+          </a:effectRef>
+          <a:fontRef idx="none"/>
+        </p:style>
+        <p:txBody>
+          <a:bodyPr wrap="square">
+            <a:spAutoFit/>
+          </a:bodyPr>
+          <a:lstStyle/>
+          <a:p>
+            <a:pPr>
+              <a:buClr>
+                <a:schemeClr val="tx1"/>
+              </a:buClr>
+            </a:pPr>
+            <a:r>
+              <a:rPr lang="en-US" sz="2400" dirty="0">
+                <a:solidFill>
+                  <a:srgbClr val="C00000"/>
+                </a:solidFill>
+              </a:rPr>
+              <a:t>[Mey01] </a:t>
+            </a:r>
+            <a:r>
+              <a:rPr lang="en-US" sz="2400" dirty="0">
+                <a:solidFill>
+                  <a:schemeClr val="tx1"/>
+                </a:solidFill>
+              </a:rPr>
+              <a:t>Adam Meyerson. Online facility location. FOCS 2001</a:t>
+            </a:r>
+          </a:p>
+          <a:p>
+            <a:pPr>
+              <a:buClr>
+                <a:schemeClr val="tx1"/>
+              </a:buClr>
+            </a:pPr>
+            <a:r>
+              <a:rPr lang="en-US" sz="2400" dirty="0">
+                <a:solidFill>
+                  <a:srgbClr val="C00000"/>
+                </a:solidFill>
+              </a:rPr>
+              <a:t>[CLSS22]</a:t>
+            </a:r>
+            <a:r>
+              <a:rPr lang="en-US" sz="2400" dirty="0">
+                <a:solidFill>
+                  <a:schemeClr val="tx1"/>
+                </a:solidFill>
+              </a:rPr>
+              <a:t> Vincent Cohen-</a:t>
+            </a:r>
+            <a:r>
+              <a:rPr lang="en-US" sz="2400" dirty="0" err="1">
+                <a:solidFill>
+                  <a:schemeClr val="tx1"/>
+                </a:solidFill>
+              </a:rPr>
+              <a:t>Addad</a:t>
+            </a:r>
+            <a:r>
+              <a:rPr lang="en-US" sz="2400" dirty="0">
+                <a:solidFill>
+                  <a:schemeClr val="tx1"/>
+                </a:solidFill>
+              </a:rPr>
+              <a:t>, Kasper Green Larsen, David </a:t>
+            </a:r>
+            <a:r>
+              <a:rPr lang="en-US" sz="2400" dirty="0" err="1">
+                <a:solidFill>
+                  <a:schemeClr val="tx1"/>
+                </a:solidFill>
+              </a:rPr>
+              <a:t>Saulpic</a:t>
+            </a:r>
+            <a:r>
+              <a:rPr lang="en-US" sz="2400" dirty="0">
+                <a:solidFill>
+                  <a:schemeClr val="tx1"/>
+                </a:solidFill>
+              </a:rPr>
+              <a:t>, and Chris </a:t>
+            </a:r>
+            <a:r>
+              <a:rPr lang="en-US" sz="2400" dirty="0" err="1">
+                <a:solidFill>
+                  <a:schemeClr val="tx1"/>
+                </a:solidFill>
+              </a:rPr>
+              <a:t>Schwiegelshohn</a:t>
+            </a:r>
+            <a:r>
+              <a:rPr lang="en-US" sz="2400" dirty="0">
+                <a:solidFill>
+                  <a:schemeClr val="tx1"/>
+                </a:solidFill>
+              </a:rPr>
+              <a:t>. Towards optimal lower bounds for k-median and k-means coresets. STOC 2022</a:t>
+            </a:r>
+          </a:p>
+          <a:p>
+            <a:pPr>
+              <a:buClr>
+                <a:schemeClr val="tx1"/>
+              </a:buClr>
+            </a:pPr>
+            <a:r>
+              <a:rPr lang="en-US" sz="2400" dirty="0">
+                <a:solidFill>
+                  <a:srgbClr val="C00000"/>
+                </a:solidFill>
+              </a:rPr>
+              <a:t>[BDMO03] </a:t>
+            </a:r>
+            <a:r>
+              <a:rPr lang="en-US" sz="2400" dirty="0">
+                <a:solidFill>
+                  <a:schemeClr val="tx1"/>
+                </a:solidFill>
+              </a:rPr>
+              <a:t>Brian Babcock, Mayur Datar, Rajeev Motwani, and </a:t>
+            </a:r>
+            <a:r>
+              <a:rPr lang="en-US" sz="2400" dirty="0" err="1">
+                <a:solidFill>
+                  <a:schemeClr val="tx1"/>
+                </a:solidFill>
+              </a:rPr>
+              <a:t>Liadan</a:t>
+            </a:r>
+            <a:r>
+              <a:rPr lang="en-US" sz="2400" dirty="0">
+                <a:solidFill>
+                  <a:schemeClr val="tx1"/>
+                </a:solidFill>
+              </a:rPr>
+              <a:t> O’Callaghan. Maintaining variance and k-medians over data stream windows. PODS 2003</a:t>
+            </a:r>
+          </a:p>
+          <a:p>
+            <a:pPr>
+              <a:buClr>
+                <a:schemeClr val="tx1"/>
+              </a:buClr>
+            </a:pPr>
+            <a:r>
+              <a:rPr lang="en-US" sz="2400" dirty="0">
+                <a:solidFill>
+                  <a:srgbClr val="C00000"/>
+                </a:solidFill>
+              </a:rPr>
+              <a:t>[BLLM16] </a:t>
+            </a:r>
+            <a:r>
+              <a:rPr lang="en-US" sz="2400" dirty="0">
+                <a:solidFill>
+                  <a:schemeClr val="tx1"/>
+                </a:solidFill>
+              </a:rPr>
+              <a:t>Vladimir Braverman, Harry Lang, Keith Levin, and </a:t>
+            </a:r>
+            <a:r>
+              <a:rPr lang="en-US" sz="2400" dirty="0" err="1">
+                <a:solidFill>
+                  <a:schemeClr val="tx1"/>
+                </a:solidFill>
+              </a:rPr>
+              <a:t>Morteza</a:t>
+            </a:r>
+            <a:r>
+              <a:rPr lang="en-US" sz="2400" dirty="0">
+                <a:solidFill>
+                  <a:schemeClr val="tx1"/>
+                </a:solidFill>
+              </a:rPr>
+              <a:t> </a:t>
+            </a:r>
+            <a:r>
+              <a:rPr lang="en-US" sz="2400" dirty="0" err="1">
+                <a:solidFill>
+                  <a:schemeClr val="tx1"/>
+                </a:solidFill>
+              </a:rPr>
+              <a:t>Monemizadeh</a:t>
+            </a:r>
+            <a:r>
+              <a:rPr lang="en-US" sz="2400" dirty="0">
+                <a:solidFill>
+                  <a:schemeClr val="tx1"/>
+                </a:solidFill>
+              </a:rPr>
+              <a:t>. Clustering problems on sliding windows. SODA 2016</a:t>
+            </a:r>
+          </a:p>
+          <a:p>
+            <a:pPr>
+              <a:buClr>
+                <a:schemeClr val="tx1"/>
+              </a:buClr>
+            </a:pPr>
+            <a:r>
+              <a:rPr lang="en-US" sz="2400" dirty="0">
+                <a:solidFill>
+                  <a:srgbClr val="C00000"/>
+                </a:solidFill>
+              </a:rPr>
+              <a:t>[ELVZ17]</a:t>
+            </a:r>
+            <a:r>
+              <a:rPr lang="en-US" sz="2400" dirty="0">
+                <a:solidFill>
+                  <a:schemeClr val="tx1"/>
+                </a:solidFill>
+              </a:rPr>
+              <a:t> Alessandro </a:t>
+            </a:r>
+            <a:r>
+              <a:rPr lang="en-US" sz="2400" dirty="0" err="1">
+                <a:solidFill>
+                  <a:schemeClr val="tx1"/>
+                </a:solidFill>
+              </a:rPr>
+              <a:t>Epasto</a:t>
+            </a:r>
+            <a:r>
+              <a:rPr lang="en-US" sz="2400" dirty="0">
+                <a:solidFill>
+                  <a:schemeClr val="tx1"/>
+                </a:solidFill>
+              </a:rPr>
+              <a:t>, Silvio </a:t>
+            </a:r>
+            <a:r>
+              <a:rPr lang="en-US" sz="2400" dirty="0" err="1">
+                <a:solidFill>
+                  <a:schemeClr val="tx1"/>
+                </a:solidFill>
+              </a:rPr>
+              <a:t>Lattanzi</a:t>
+            </a:r>
+            <a:r>
+              <a:rPr lang="en-US" sz="2400" dirty="0">
+                <a:solidFill>
+                  <a:schemeClr val="tx1"/>
+                </a:solidFill>
+              </a:rPr>
+              <a:t>, Sergei </a:t>
+            </a:r>
+            <a:r>
+              <a:rPr lang="en-US" sz="2400" dirty="0" err="1">
+                <a:solidFill>
+                  <a:schemeClr val="tx1"/>
+                </a:solidFill>
+              </a:rPr>
+              <a:t>Vassilvitskii</a:t>
+            </a:r>
+            <a:r>
+              <a:rPr lang="en-US" sz="2400" dirty="0">
+                <a:solidFill>
+                  <a:schemeClr val="tx1"/>
+                </a:solidFill>
+              </a:rPr>
+              <a:t>, and </a:t>
+            </a:r>
+            <a:r>
+              <a:rPr lang="en-US" sz="2400" dirty="0" err="1">
+                <a:solidFill>
+                  <a:schemeClr val="tx1"/>
+                </a:solidFill>
+              </a:rPr>
+              <a:t>Morteza</a:t>
+            </a:r>
+            <a:r>
+              <a:rPr lang="en-US" sz="2400" dirty="0">
+                <a:solidFill>
+                  <a:schemeClr val="tx1"/>
+                </a:solidFill>
+              </a:rPr>
+              <a:t> </a:t>
+            </a:r>
+            <a:r>
+              <a:rPr lang="en-US" sz="2400" dirty="0" err="1">
+                <a:solidFill>
+                  <a:schemeClr val="tx1"/>
+                </a:solidFill>
+              </a:rPr>
+              <a:t>Zadimoghaddam</a:t>
+            </a:r>
+            <a:r>
+              <a:rPr lang="en-US" sz="2400" dirty="0">
+                <a:solidFill>
+                  <a:schemeClr val="tx1"/>
+                </a:solidFill>
+              </a:rPr>
+              <a:t>.</a:t>
+            </a:r>
+          </a:p>
+          <a:p>
+            <a:pPr>
+              <a:buClr>
+                <a:schemeClr val="tx1"/>
+              </a:buClr>
+            </a:pPr>
+            <a:r>
+              <a:rPr lang="en-US" sz="2400" dirty="0">
+                <a:solidFill>
+                  <a:schemeClr val="tx1"/>
+                </a:solidFill>
+              </a:rPr>
+              <a:t>Submodular optimization over sliding windows. WWW 2017</a:t>
+            </a:r>
+          </a:p>
+          <a:p>
+            <a:pPr>
+              <a:buClr>
+                <a:schemeClr val="tx1"/>
+              </a:buClr>
+            </a:pPr>
+            <a:r>
+              <a:rPr lang="en-US" sz="2400" dirty="0">
+                <a:solidFill>
+                  <a:srgbClr val="C00000"/>
+                </a:solidFill>
+              </a:rPr>
+              <a:t>[EMMZ22]</a:t>
+            </a:r>
+            <a:r>
+              <a:rPr lang="en-US" sz="2400" dirty="0">
+                <a:solidFill>
+                  <a:schemeClr val="tx1"/>
+                </a:solidFill>
+              </a:rPr>
+              <a:t> Alessandro </a:t>
+            </a:r>
+            <a:r>
+              <a:rPr lang="en-US" sz="2400" dirty="0" err="1">
+                <a:solidFill>
+                  <a:schemeClr val="tx1"/>
+                </a:solidFill>
+              </a:rPr>
+              <a:t>Epasto</a:t>
+            </a:r>
+            <a:r>
+              <a:rPr lang="en-US" sz="2400" dirty="0">
+                <a:solidFill>
+                  <a:schemeClr val="tx1"/>
+                </a:solidFill>
+              </a:rPr>
+              <a:t>, Mohammad </a:t>
+            </a:r>
+            <a:r>
+              <a:rPr lang="en-US" sz="2400" dirty="0" err="1">
+                <a:solidFill>
+                  <a:schemeClr val="tx1"/>
+                </a:solidFill>
+              </a:rPr>
+              <a:t>Mahdian</a:t>
+            </a:r>
+            <a:r>
+              <a:rPr lang="en-US" sz="2400" dirty="0">
+                <a:solidFill>
+                  <a:schemeClr val="tx1"/>
+                </a:solidFill>
+              </a:rPr>
+              <a:t>, </a:t>
+            </a:r>
+            <a:r>
+              <a:rPr lang="en-US" sz="2400" dirty="0" err="1">
+                <a:solidFill>
+                  <a:schemeClr val="tx1"/>
+                </a:solidFill>
+              </a:rPr>
+              <a:t>Vahab</a:t>
+            </a:r>
+            <a:r>
+              <a:rPr lang="en-US" sz="2400" dirty="0">
+                <a:solidFill>
+                  <a:schemeClr val="tx1"/>
+                </a:solidFill>
+              </a:rPr>
+              <a:t> S. </a:t>
+            </a:r>
+            <a:r>
+              <a:rPr lang="en-US" sz="2400" dirty="0" err="1">
+                <a:solidFill>
+                  <a:schemeClr val="tx1"/>
+                </a:solidFill>
+              </a:rPr>
+              <a:t>Mirrokni</a:t>
+            </a:r>
+            <a:r>
+              <a:rPr lang="en-US" sz="2400" dirty="0">
+                <a:solidFill>
+                  <a:schemeClr val="tx1"/>
+                </a:solidFill>
+              </a:rPr>
+              <a:t>, and </a:t>
+            </a:r>
+            <a:r>
+              <a:rPr lang="en-US" sz="2400" dirty="0" err="1">
+                <a:solidFill>
+                  <a:schemeClr val="tx1"/>
+                </a:solidFill>
+              </a:rPr>
+              <a:t>Peilin</a:t>
+            </a:r>
+            <a:r>
+              <a:rPr lang="en-US" sz="2400" dirty="0">
+                <a:solidFill>
+                  <a:schemeClr val="tx1"/>
+                </a:solidFill>
+              </a:rPr>
+              <a:t> Zhong. Improved sliding window algorithms for clustering and coverage via bucketing-based sketches. SODA 2022</a:t>
             </a:r>
           </a:p>
         </p:txBody>
       </p:sp>
       <p:sp>
         <p:nvSpPr>
-          <p:cNvPr id="49" name="TextBox 61"/>
+          <p:cNvPr id="26" name="TextBox 43">
+            <a:extLst>
+              <a:ext uri="{FF2B5EF4-FFF2-40B4-BE49-F238E27FC236}">
+                <a16:creationId xmlns:a16="http://schemas.microsoft.com/office/drawing/2014/main" id="{8BB9051F-3CAC-22D9-950F-30D5F7290240}"/>
+              </a:ext>
+            </a:extLst>
+          </p:cNvPr>
           <p:cNvSpPr txBox="1"/>
           <p:nvPr/>
         </p:nvSpPr>
         <p:spPr>
           <a:xfrm>
-            <a:off x="22905719" y="17994856"/>
-            <a:ext cx="6335025" cy="2535037"/>
-          </a:xfrm>
-          <a:prstGeom prst="rect">
-            <a:avLst/>
-          </a:prstGeom>
-          <a:ln w="12700">
-            <a:miter lim="400000"/>
-          </a:ln>
-          <a:extLst>
-            <a:ext uri="{C572A759-6A51-4108-AA02-DFA0A04FC94B}">
-              <ma14:wrappingTextBoxFlag xmlns="" xmlns:m="http://schemas.openxmlformats.org/officeDocument/2006/math" xmlns:a14="http://schemas.microsoft.com/office/drawing/2010/main" xmlns:ma14="http://schemas.microsoft.com/office/mac/drawingml/2011/main" val="1"/>
-            </a:ext>
-          </a:extLst>
-        </p:spPr>
-        <p:txBody>
-          <a:bodyPr lIns="45719" rIns="45719" anchor="b">
-            <a:spAutoFit/>
-          </a:bodyPr>
-          <a:lstStyle/>
-          <a:p>
-            <a:pPr>
-              <a:lnSpc>
-                <a:spcPct val="120000"/>
-              </a:lnSpc>
-              <a:spcBef>
-                <a:spcPts val="600"/>
-              </a:spcBef>
-              <a:defRPr sz="1400">
-                <a:latin typeface="Arial"/>
-                <a:ea typeface="Arial"/>
-                <a:cs typeface="Arial"/>
-                <a:sym typeface="Arial"/>
-              </a:defRPr>
-            </a:pPr>
-            <a:r>
-              <a:t>References in 14pt font </a:t>
-            </a:r>
-          </a:p>
-          <a:p>
-            <a:pPr>
-              <a:lnSpc>
-                <a:spcPct val="120000"/>
-              </a:lnSpc>
-              <a:spcBef>
-                <a:spcPts val="600"/>
-              </a:spcBef>
-              <a:defRPr sz="1400">
-                <a:latin typeface="Arial"/>
-                <a:ea typeface="Arial"/>
-                <a:cs typeface="Arial"/>
-                <a:sym typeface="Arial"/>
-              </a:defRPr>
-            </a:pPr>
-            <a:r>
-              <a:t>Homer W Simpson (2013). “Donuts taste good.” </a:t>
-            </a:r>
-            <a:r>
-              <a:rPr>
-                <a:solidFill>
-                  <a:srgbClr val="677B8C"/>
-                </a:solidFill>
-              </a:rPr>
-              <a:t>In: IEEE 13th Internation Conference on Data Mining. IEEE, pp. 405-409</a:t>
-            </a:r>
-          </a:p>
-          <a:p>
-            <a:pPr>
-              <a:lnSpc>
-                <a:spcPct val="120000"/>
-              </a:lnSpc>
-              <a:spcBef>
-                <a:spcPts val="600"/>
-              </a:spcBef>
-              <a:defRPr sz="1400">
-                <a:latin typeface="Arial"/>
-                <a:ea typeface="Arial"/>
-                <a:cs typeface="Arial"/>
-                <a:sym typeface="Arial"/>
-              </a:defRPr>
-            </a:pPr>
-            <a:r>
-              <a:t>Marge Simpson (2010). “Blue hair looks nice.”. </a:t>
-            </a:r>
-            <a:r>
-              <a:rPr>
-                <a:solidFill>
-                  <a:srgbClr val="677B8C"/>
-                </a:solidFill>
-              </a:rPr>
-              <a:t>In: Nature communications 1, p. 622.</a:t>
-            </a:r>
-          </a:p>
-          <a:p>
-            <a:pPr>
-              <a:lnSpc>
-                <a:spcPct val="120000"/>
-              </a:lnSpc>
-              <a:spcBef>
-                <a:spcPts val="600"/>
-              </a:spcBef>
-              <a:defRPr sz="1400">
-                <a:latin typeface="Arial"/>
-                <a:ea typeface="Arial"/>
-                <a:cs typeface="Arial"/>
-                <a:sym typeface="Arial"/>
-              </a:defRPr>
-            </a:pPr>
-            <a:r>
-              <a:t>Bart Simpson (2013). “Hello”. </a:t>
-            </a:r>
-            <a:r>
-              <a:rPr>
-                <a:solidFill>
-                  <a:srgbClr val="677B8C"/>
-                </a:solidFill>
-              </a:rPr>
-              <a:t>In: IEEE Simpsons.</a:t>
-            </a:r>
-          </a:p>
-          <a:p>
-            <a:pPr>
-              <a:lnSpc>
-                <a:spcPct val="120000"/>
-              </a:lnSpc>
-              <a:spcBef>
-                <a:spcPts val="600"/>
-              </a:spcBef>
-              <a:defRPr sz="1400">
-                <a:latin typeface="Arial"/>
-                <a:ea typeface="Arial"/>
-                <a:cs typeface="Arial"/>
-                <a:sym typeface="Arial"/>
-              </a:defRPr>
-            </a:pPr>
-            <a:r>
-              <a:t>Marge Simpson et al. (2013). “Lorem Ipsum.” </a:t>
-            </a:r>
-            <a:r>
-              <a:rPr>
-                <a:solidFill>
-                  <a:srgbClr val="677B8C"/>
-                </a:solidFill>
-              </a:rPr>
-              <a:t>In: Advances in Neural Information Processing Systems 26. Ed. by Christopher J. C. Burges et al., pp. 27–29.</a:t>
-            </a:r>
-          </a:p>
-        </p:txBody>
-      </p:sp>
-      <p:sp>
-        <p:nvSpPr>
-          <p:cNvPr id="50" name="TextBox 37"/>
-          <p:cNvSpPr txBox="1"/>
-          <p:nvPr/>
-        </p:nvSpPr>
-        <p:spPr>
-          <a:xfrm>
-            <a:off x="17483356" y="784521"/>
-            <a:ext cx="6052723" cy="1200329"/>
+            <a:off x="24218137" y="15803763"/>
+            <a:ext cx="9064533" cy="830997"/>
           </a:xfrm>
           <a:prstGeom prst="rect">
             <a:avLst/>
@@ -2861,138 +10068,95 @@
           <a:bodyPr lIns="45719" rIns="45719">
             <a:spAutoFit/>
           </a:bodyPr>
-          <a:lstStyle/>
+          <a:lstStyle>
+            <a:lvl1pPr>
+              <a:defRPr sz="3400">
+                <a:latin typeface="Arial"/>
+                <a:ea typeface="Arial"/>
+                <a:cs typeface="Arial"/>
+                <a:sym typeface="Arial"/>
+              </a:defRPr>
+            </a:lvl1pPr>
+          </a:lstStyle>
           <a:p>
             <a:r>
-              <a:rPr lang="en-US" sz="2400" dirty="0"/>
-              <a:t>David P. Woodruff (Carnegie Mellon University)</a:t>
+              <a:rPr lang="en-US" sz="4800" dirty="0"/>
+              <a:t>Empirical Evaluations</a:t>
             </a:r>
-          </a:p>
-          <a:p>
-            <a:r>
-              <a:rPr lang="en-US" sz="2400" dirty="0" err="1"/>
-              <a:t>Peilin</a:t>
-            </a:r>
-            <a:r>
-              <a:rPr lang="en-US" sz="2400" dirty="0"/>
-              <a:t> Zhong (Google Research)</a:t>
-            </a:r>
-          </a:p>
-          <a:p>
-            <a:r>
-              <a:rPr lang="en-US" sz="2400" dirty="0"/>
-              <a:t>Samson Zhou (Carnegie Mellon University)</a:t>
-            </a:r>
+            <a:endParaRPr sz="4800" dirty="0"/>
           </a:p>
         </p:txBody>
       </p:sp>
       <p:pic>
         <p:nvPicPr>
-          <p:cNvPr id="51" name="Image" descr="Image"/>
+          <p:cNvPr id="28" name="Picture 27">
+            <a:extLst>
+              <a:ext uri="{FF2B5EF4-FFF2-40B4-BE49-F238E27FC236}">
+                <a16:creationId xmlns:a16="http://schemas.microsoft.com/office/drawing/2014/main" id="{2BE46041-A78C-D1DB-F0F2-63E34053D92A}"/>
+              </a:ext>
+            </a:extLst>
+          </p:cNvPr>
           <p:cNvPicPr>
             <a:picLocks noChangeAspect="1"/>
           </p:cNvPicPr>
           <p:nvPr/>
         </p:nvPicPr>
         <p:blipFill>
-          <a:blip r:embed="rId7"/>
-          <a:srcRect l="11281" b="11572"/>
+          <a:blip r:embed="rId21" cstate="print">
+            <a:extLst>
+              <a:ext uri="{28A0092B-C50C-407E-A947-70E740481C1C}">
+                <a14:useLocalDpi xmlns:a14="http://schemas.microsoft.com/office/drawing/2010/main" val="0"/>
+              </a:ext>
+            </a:extLst>
+          </a:blip>
           <a:stretch>
             <a:fillRect/>
           </a:stretch>
         </p:blipFill>
         <p:spPr>
           <a:xfrm>
-            <a:off x="30639512" y="19418089"/>
-            <a:ext cx="2166058" cy="2158938"/>
+            <a:off x="23072848" y="1693543"/>
+            <a:ext cx="1302130" cy="1302130"/>
           </a:xfrm>
           <a:prstGeom prst="rect">
             <a:avLst/>
           </a:prstGeom>
-          <a:ln w="12700">
-            <a:miter lim="400000"/>
-          </a:ln>
         </p:spPr>
       </p:pic>
       <p:pic>
         <p:nvPicPr>
-          <p:cNvPr id="52" name="Screen Shot 2020-10-26 at 10.02.03 PM.png" descr="Screen Shot 2020-10-26 at 10.02.03 PM.png"/>
+          <p:cNvPr id="36" name="Picture 35">
+            <a:extLst>
+              <a:ext uri="{FF2B5EF4-FFF2-40B4-BE49-F238E27FC236}">
+                <a16:creationId xmlns:a16="http://schemas.microsoft.com/office/drawing/2014/main" id="{79BB389D-C609-BA79-694B-7D3D0656FAEB}"/>
+              </a:ext>
+            </a:extLst>
+          </p:cNvPr>
           <p:cNvPicPr>
             <a:picLocks noChangeAspect="1"/>
           </p:cNvPicPr>
           <p:nvPr/>
         </p:nvPicPr>
         <p:blipFill>
-          <a:blip r:embed="rId8"/>
+          <a:blip r:embed="rId22">
+            <a:extLst>
+              <a:ext uri="{28A0092B-C50C-407E-A947-70E740481C1C}">
+                <a14:useLocalDpi xmlns:a14="http://schemas.microsoft.com/office/drawing/2010/main" val="0"/>
+              </a:ext>
+            </a:extLst>
+          </a:blip>
           <a:stretch>
             <a:fillRect/>
           </a:stretch>
         </p:blipFill>
         <p:spPr>
           <a:xfrm>
-            <a:off x="11923183" y="5243980"/>
-            <a:ext cx="9477674" cy="4380182"/>
+            <a:off x="25567604" y="165818"/>
+            <a:ext cx="1674472" cy="1086306"/>
           </a:xfrm>
           <a:prstGeom prst="rect">
             <a:avLst/>
           </a:prstGeom>
-          <a:ln w="12700">
-            <a:miter lim="400000"/>
-          </a:ln>
-        </p:spPr>
-      </p:pic>
-      <p:pic>
-        <p:nvPicPr>
-          <p:cNvPr id="53" name="Screen Shot 2020-10-26 at 10.03.39 PM.png" descr="Screen Shot 2020-10-26 at 10.03.39 PM.png"/>
-          <p:cNvPicPr>
-            <a:picLocks noChangeAspect="1"/>
-          </p:cNvPicPr>
-          <p:nvPr/>
-        </p:nvPicPr>
-        <p:blipFill>
-          <a:blip r:embed="rId9"/>
-          <a:stretch>
-            <a:fillRect/>
-          </a:stretch>
-        </p:blipFill>
-        <p:spPr>
-          <a:xfrm>
-            <a:off x="11422560" y="15186845"/>
-            <a:ext cx="10772753" cy="6030681"/>
-          </a:xfrm>
-          <a:prstGeom prst="rect">
-            <a:avLst/>
-          </a:prstGeom>
-          <a:ln w="12700">
-            <a:miter lim="400000"/>
-          </a:ln>
-        </p:spPr>
-      </p:pic>
-      <p:pic>
-        <p:nvPicPr>
-          <p:cNvPr id="54" name="neurips_logo.pdf" descr="neurips_logo.pdf"/>
-          <p:cNvPicPr>
-            <a:picLocks noChangeAspect="1"/>
-          </p:cNvPicPr>
-          <p:nvPr/>
-        </p:nvPicPr>
-        <p:blipFill>
-          <a:blip r:embed="rId10"/>
-          <a:stretch>
-            <a:fillRect/>
-          </a:stretch>
-        </p:blipFill>
-        <p:spPr>
-          <a:xfrm>
-            <a:off x="27437816" y="588942"/>
-            <a:ext cx="4797779" cy="2159001"/>
-          </a:xfrm>
-          <a:prstGeom prst="rect">
-            <a:avLst/>
-          </a:prstGeom>
-          <a:ln w="12700">
-            <a:miter lim="400000"/>
-          </a:ln>
         </p:spPr>
       </p:pic>
     </p:spTree>
